--- a/Research/Meeting/2024-05-03 - Lee Chin Visit/2024-05-07-Dynamic fracture - discussion with Lee Chin.pptx
+++ b/Research/Meeting/2024-05-03 - Lee Chin Visit/2024-05-07-Dynamic fracture - discussion with Lee Chin.pptx
@@ -3,26 +3,38 @@
 <p:presentation xmlns:a="http://schemas.openxmlformats.org/drawingml/2006/main" xmlns:r="http://schemas.openxmlformats.org/officeDocument/2006/relationships" xmlns:p="http://schemas.openxmlformats.org/presentationml/2006/main">
   <p:sldMasterIdLst>
     <p:sldMasterId id="2147483648" r:id="rId1"/>
+    <p:sldMasterId id="2147483663" r:id="rId2"/>
   </p:sldMasterIdLst>
   <p:notesMasterIdLst>
-    <p:notesMasterId r:id="rId17"/>
+    <p:notesMasterId r:id="rId29"/>
   </p:notesMasterIdLst>
   <p:sldIdLst>
-    <p:sldId id="1255" r:id="rId2"/>
-    <p:sldId id="1306" r:id="rId3"/>
-    <p:sldId id="1296" r:id="rId4"/>
-    <p:sldId id="1297" r:id="rId5"/>
-    <p:sldId id="1298" r:id="rId6"/>
-    <p:sldId id="1301" r:id="rId7"/>
-    <p:sldId id="1299" r:id="rId8"/>
-    <p:sldId id="1300" r:id="rId9"/>
-    <p:sldId id="1302" r:id="rId10"/>
-    <p:sldId id="1303" r:id="rId11"/>
-    <p:sldId id="1304" r:id="rId12"/>
-    <p:sldId id="1310" r:id="rId13"/>
-    <p:sldId id="1305" r:id="rId14"/>
-    <p:sldId id="1307" r:id="rId15"/>
-    <p:sldId id="1309" r:id="rId16"/>
+    <p:sldId id="1255" r:id="rId3"/>
+    <p:sldId id="1306" r:id="rId4"/>
+    <p:sldId id="1296" r:id="rId5"/>
+    <p:sldId id="1297" r:id="rId6"/>
+    <p:sldId id="1298" r:id="rId7"/>
+    <p:sldId id="1301" r:id="rId8"/>
+    <p:sldId id="1299" r:id="rId9"/>
+    <p:sldId id="1300" r:id="rId10"/>
+    <p:sldId id="1302" r:id="rId11"/>
+    <p:sldId id="1303" r:id="rId12"/>
+    <p:sldId id="1304" r:id="rId13"/>
+    <p:sldId id="1310" r:id="rId14"/>
+    <p:sldId id="1305" r:id="rId15"/>
+    <p:sldId id="1307" r:id="rId16"/>
+    <p:sldId id="1309" r:id="rId17"/>
+    <p:sldId id="1311" r:id="rId18"/>
+    <p:sldId id="256" r:id="rId19"/>
+    <p:sldId id="257" r:id="rId20"/>
+    <p:sldId id="258" r:id="rId21"/>
+    <p:sldId id="259" r:id="rId22"/>
+    <p:sldId id="260" r:id="rId23"/>
+    <p:sldId id="261" r:id="rId24"/>
+    <p:sldId id="262" r:id="rId25"/>
+    <p:sldId id="263" r:id="rId26"/>
+    <p:sldId id="264" r:id="rId27"/>
+    <p:sldId id="265" r:id="rId28"/>
   </p:sldIdLst>
   <p:sldSz cx="12192000" cy="6858000"/>
   <p:notesSz cx="6858000" cy="9144000"/>
@@ -135,7 +147,7 @@
 <file path=ppt/revisionInfo.xml><?xml version="1.0" encoding="utf-8"?>
 <p1510:revInfo xmlns:a="http://schemas.openxmlformats.org/drawingml/2006/main" xmlns:r="http://schemas.openxmlformats.org/officeDocument/2006/relationships" xmlns:p1510="http://schemas.microsoft.com/office/powerpoint/2015/10/main">
   <p1510:revLst>
-    <p1510:client id="{B97D0A2D-8036-45F1-981D-DC1A5F914259}" v="693" dt="2024-05-03T18:20:57.226"/>
+    <p1510:client id="{B97D0A2D-8036-45F1-981D-DC1A5F914259}" v="696" dt="2024-05-07T02:15:20.158"/>
   </p1510:revLst>
 </p1510:revInfo>
 </file>
@@ -145,10 +157,103 @@
   <pc:docChgLst>
     <pc:chgData name="Renato Poli" userId="1615074c83fac315" providerId="LiveId" clId="{B97D0A2D-8036-45F1-981D-DC1A5F914259}"/>
     <pc:docChg chg="undo redo custSel addSld delSld modSld modMainMaster">
-      <pc:chgData name="Renato Poli" userId="1615074c83fac315" providerId="LiveId" clId="{B97D0A2D-8036-45F1-981D-DC1A5F914259}" dt="2024-05-03T18:24:18.926" v="3021" actId="20577"/>
+      <pc:chgData name="Renato Poli" userId="1615074c83fac315" providerId="LiveId" clId="{B97D0A2D-8036-45F1-981D-DC1A5F914259}" dt="2024-05-07T02:16:03.243" v="3057" actId="47"/>
       <pc:docMkLst>
         <pc:docMk/>
       </pc:docMkLst>
+      <pc:sldChg chg="modSp add del mod">
+        <pc:chgData name="Renato Poli" userId="1615074c83fac315" providerId="LiveId" clId="{B97D0A2D-8036-45F1-981D-DC1A5F914259}" dt="2024-05-07T02:15:37.677" v="3055" actId="403"/>
+        <pc:sldMkLst>
+          <pc:docMk/>
+          <pc:sldMk cId="0" sldId="256"/>
+        </pc:sldMkLst>
+        <pc:spChg chg="mod">
+          <ac:chgData name="Renato Poli" userId="1615074c83fac315" providerId="LiveId" clId="{B97D0A2D-8036-45F1-981D-DC1A5F914259}" dt="2024-05-07T02:15:37.677" v="3055" actId="403"/>
+          <ac:spMkLst>
+            <pc:docMk/>
+            <pc:sldMk cId="0" sldId="256"/>
+            <ac:spMk id="79" creationId="{00000000-0000-0000-0000-000000000000}"/>
+          </ac:spMkLst>
+        </pc:spChg>
+      </pc:sldChg>
+      <pc:sldChg chg="modSp add del mod">
+        <pc:chgData name="Renato Poli" userId="1615074c83fac315" providerId="LiveId" clId="{B97D0A2D-8036-45F1-981D-DC1A5F914259}" dt="2024-05-07T02:15:47.993" v="3056" actId="120"/>
+        <pc:sldMkLst>
+          <pc:docMk/>
+          <pc:sldMk cId="0" sldId="257"/>
+        </pc:sldMkLst>
+        <pc:spChg chg="mod">
+          <ac:chgData name="Renato Poli" userId="1615074c83fac315" providerId="LiveId" clId="{B97D0A2D-8036-45F1-981D-DC1A5F914259}" dt="2024-05-07T02:15:47.993" v="3056" actId="120"/>
+          <ac:spMkLst>
+            <pc:docMk/>
+            <pc:sldMk cId="0" sldId="257"/>
+            <ac:spMk id="80" creationId="{00000000-0000-0000-0000-000000000000}"/>
+          </ac:spMkLst>
+        </pc:spChg>
+      </pc:sldChg>
+      <pc:sldChg chg="add del">
+        <pc:chgData name="Renato Poli" userId="1615074c83fac315" providerId="LiveId" clId="{B97D0A2D-8036-45F1-981D-DC1A5F914259}" dt="2024-05-07T02:15:13.705" v="3049" actId="47"/>
+        <pc:sldMkLst>
+          <pc:docMk/>
+          <pc:sldMk cId="0" sldId="258"/>
+        </pc:sldMkLst>
+      </pc:sldChg>
+      <pc:sldChg chg="add del">
+        <pc:chgData name="Renato Poli" userId="1615074c83fac315" providerId="LiveId" clId="{B97D0A2D-8036-45F1-981D-DC1A5F914259}" dt="2024-05-07T02:15:13.705" v="3049" actId="47"/>
+        <pc:sldMkLst>
+          <pc:docMk/>
+          <pc:sldMk cId="0" sldId="259"/>
+        </pc:sldMkLst>
+      </pc:sldChg>
+      <pc:sldChg chg="add del">
+        <pc:chgData name="Renato Poli" userId="1615074c83fac315" providerId="LiveId" clId="{B97D0A2D-8036-45F1-981D-DC1A5F914259}" dt="2024-05-07T02:15:13.705" v="3049" actId="47"/>
+        <pc:sldMkLst>
+          <pc:docMk/>
+          <pc:sldMk cId="0" sldId="260"/>
+        </pc:sldMkLst>
+      </pc:sldChg>
+      <pc:sldChg chg="add del">
+        <pc:chgData name="Renato Poli" userId="1615074c83fac315" providerId="LiveId" clId="{B97D0A2D-8036-45F1-981D-DC1A5F914259}" dt="2024-05-07T02:15:13.705" v="3049" actId="47"/>
+        <pc:sldMkLst>
+          <pc:docMk/>
+          <pc:sldMk cId="0" sldId="261"/>
+        </pc:sldMkLst>
+      </pc:sldChg>
+      <pc:sldChg chg="add del">
+        <pc:chgData name="Renato Poli" userId="1615074c83fac315" providerId="LiveId" clId="{B97D0A2D-8036-45F1-981D-DC1A5F914259}" dt="2024-05-07T02:15:13.705" v="3049" actId="47"/>
+        <pc:sldMkLst>
+          <pc:docMk/>
+          <pc:sldMk cId="0" sldId="262"/>
+        </pc:sldMkLst>
+      </pc:sldChg>
+      <pc:sldChg chg="add del">
+        <pc:chgData name="Renato Poli" userId="1615074c83fac315" providerId="LiveId" clId="{B97D0A2D-8036-45F1-981D-DC1A5F914259}" dt="2024-05-07T02:15:13.705" v="3049" actId="47"/>
+        <pc:sldMkLst>
+          <pc:docMk/>
+          <pc:sldMk cId="0" sldId="263"/>
+        </pc:sldMkLst>
+      </pc:sldChg>
+      <pc:sldChg chg="add del">
+        <pc:chgData name="Renato Poli" userId="1615074c83fac315" providerId="LiveId" clId="{B97D0A2D-8036-45F1-981D-DC1A5F914259}" dt="2024-05-07T02:15:13.705" v="3049" actId="47"/>
+        <pc:sldMkLst>
+          <pc:docMk/>
+          <pc:sldMk cId="0" sldId="264"/>
+        </pc:sldMkLst>
+      </pc:sldChg>
+      <pc:sldChg chg="add del">
+        <pc:chgData name="Renato Poli" userId="1615074c83fac315" providerId="LiveId" clId="{B97D0A2D-8036-45F1-981D-DC1A5F914259}" dt="2024-05-07T02:15:13.705" v="3049" actId="47"/>
+        <pc:sldMkLst>
+          <pc:docMk/>
+          <pc:sldMk cId="0" sldId="265"/>
+        </pc:sldMkLst>
+      </pc:sldChg>
+      <pc:sldChg chg="add del">
+        <pc:chgData name="Renato Poli" userId="1615074c83fac315" providerId="LiveId" clId="{B97D0A2D-8036-45F1-981D-DC1A5F914259}" dt="2024-05-07T02:16:03.243" v="3057" actId="47"/>
+        <pc:sldMkLst>
+          <pc:docMk/>
+          <pc:sldMk cId="0" sldId="266"/>
+        </pc:sldMkLst>
+      </pc:sldChg>
       <pc:sldChg chg="del">
         <pc:chgData name="Renato Poli" userId="1615074c83fac315" providerId="LiveId" clId="{B97D0A2D-8036-45F1-981D-DC1A5F914259}" dt="2024-05-03T18:16:08.198" v="2679" actId="47"/>
         <pc:sldMkLst>
@@ -2290,8 +2395,30 @@
           </ac:picMkLst>
         </pc:picChg>
       </pc:sldChg>
+      <pc:sldChg chg="modSp add mod">
+        <pc:chgData name="Renato Poli" userId="1615074c83fac315" providerId="LiveId" clId="{B97D0A2D-8036-45F1-981D-DC1A5F914259}" dt="2024-05-07T02:14:44.282" v="3043" actId="20577"/>
+        <pc:sldMkLst>
+          <pc:docMk/>
+          <pc:sldMk cId="3716456909" sldId="1311"/>
+        </pc:sldMkLst>
+        <pc:spChg chg="mod">
+          <ac:chgData name="Renato Poli" userId="1615074c83fac315" providerId="LiveId" clId="{B97D0A2D-8036-45F1-981D-DC1A5F914259}" dt="2024-05-07T02:14:44.282" v="3043" actId="20577"/>
+          <ac:spMkLst>
+            <pc:docMk/>
+            <pc:sldMk cId="3716456909" sldId="1311"/>
+            <ac:spMk id="4" creationId="{024EA8F5-531F-415B-BA8D-5D730E033E13}"/>
+          </ac:spMkLst>
+        </pc:spChg>
+      </pc:sldChg>
+      <pc:sldChg chg="new del">
+        <pc:chgData name="Renato Poli" userId="1615074c83fac315" providerId="LiveId" clId="{B97D0A2D-8036-45F1-981D-DC1A5F914259}" dt="2024-05-07T02:14:49.143" v="3045" actId="47"/>
+        <pc:sldMkLst>
+          <pc:docMk/>
+          <pc:sldMk cId="2886232769" sldId="1312"/>
+        </pc:sldMkLst>
+      </pc:sldChg>
       <pc:sldMasterChg chg="delSp mod delSldLayout modSldLayout">
-        <pc:chgData name="Renato Poli" userId="1615074c83fac315" providerId="LiveId" clId="{B97D0A2D-8036-45F1-981D-DC1A5F914259}" dt="2024-05-03T18:16:08.198" v="2679" actId="47"/>
+        <pc:chgData name="Renato Poli" userId="1615074c83fac315" providerId="LiveId" clId="{B97D0A2D-8036-45F1-981D-DC1A5F914259}" dt="2024-05-07T02:15:13.705" v="3049" actId="47"/>
         <pc:sldMasterMkLst>
           <pc:docMk/>
           <pc:sldMasterMk cId="0" sldId="2147483648"/>
@@ -2322,6 +2449,14 @@
           </pc:picChg>
         </pc:sldLayoutChg>
         <pc:sldLayoutChg chg="del">
+          <pc:chgData name="Renato Poli" userId="1615074c83fac315" providerId="LiveId" clId="{B97D0A2D-8036-45F1-981D-DC1A5F914259}" dt="2024-05-07T02:15:13.705" v="3049" actId="47"/>
+          <pc:sldLayoutMkLst>
+            <pc:docMk/>
+            <pc:sldMasterMk cId="0" sldId="2147483648"/>
+            <pc:sldLayoutMk cId="2824154695" sldId="2147483663"/>
+          </pc:sldLayoutMkLst>
+        </pc:sldLayoutChg>
+        <pc:sldLayoutChg chg="del">
           <pc:chgData name="Renato Poli" userId="1615074c83fac315" providerId="LiveId" clId="{B97D0A2D-8036-45F1-981D-DC1A5F914259}" dt="2024-05-03T18:16:08.198" v="2679" actId="47"/>
           <pc:sldLayoutMkLst>
             <pc:docMk/>
@@ -2329,10 +2464,515 @@
             <pc:sldLayoutMk cId="3148793289" sldId="2147483663"/>
           </pc:sldLayoutMkLst>
         </pc:sldLayoutChg>
+        <pc:sldLayoutChg chg="del">
+          <pc:chgData name="Renato Poli" userId="1615074c83fac315" providerId="LiveId" clId="{B97D0A2D-8036-45F1-981D-DC1A5F914259}" dt="2024-05-07T02:15:13.705" v="3049" actId="47"/>
+          <pc:sldLayoutMkLst>
+            <pc:docMk/>
+            <pc:sldMasterMk cId="0" sldId="2147483648"/>
+            <pc:sldLayoutMk cId="170738931" sldId="2147483664"/>
+          </pc:sldLayoutMkLst>
+        </pc:sldLayoutChg>
       </pc:sldMasterChg>
     </pc:docChg>
   </pc:docChgLst>
 </pc:chgInfo>
+</file>
+
+<file path=ppt/charts/chart1.xml><?xml version="1.0" encoding="utf-8"?>
+<c:chartSpace xmlns:c="http://schemas.openxmlformats.org/drawingml/2006/chart" xmlns:a="http://schemas.openxmlformats.org/drawingml/2006/main" xmlns:r="http://schemas.openxmlformats.org/officeDocument/2006/relationships" xmlns:c16r2="http://schemas.microsoft.com/office/drawing/2015/06/chart">
+  <c:date1904 val="1"/>
+  <c:lang val="en-US"/>
+  <c:roundedCorners val="0"/>
+  <c:style val="2"/>
+  <c:chart>
+    <c:autoTitleDeleted val="1"/>
+    <c:plotArea>
+      <c:layout/>
+      <c:lineChart>
+        <c:grouping val="standard"/>
+        <c:varyColors val="0"/>
+        <c:ser>
+          <c:idx val="0"/>
+          <c:order val="0"/>
+          <c:tx>
+            <c:strRef>
+              <c:f>label 0</c:f>
+              <c:strCache>
+                <c:ptCount val="1"/>
+                <c:pt idx="0">
+                  <c:v>Delta_VFrac</c:v>
+                </c:pt>
+              </c:strCache>
+            </c:strRef>
+          </c:tx>
+          <c:spPr>
+            <a:ln w="28800">
+              <a:solidFill>
+                <a:srgbClr val="004586"/>
+              </a:solidFill>
+              <a:round/>
+            </a:ln>
+          </c:spPr>
+          <c:marker>
+            <c:symbol val="none"/>
+          </c:marker>
+          <c:dLbls>
+            <c:spPr>
+              <a:noFill/>
+              <a:ln>
+                <a:noFill/>
+              </a:ln>
+              <a:effectLst/>
+            </c:spPr>
+            <c:txPr>
+              <a:bodyPr wrap="none"/>
+              <a:lstStyle/>
+              <a:p>
+                <a:pPr>
+                  <a:defRPr sz="1000" b="0" strike="noStrike" spc="-1">
+                    <a:solidFill>
+                      <a:srgbClr val="000000"/>
+                    </a:solidFill>
+                    <a:latin typeface="Arial"/>
+                  </a:defRPr>
+                </a:pPr>
+                <a:endParaRPr lang="en-US"/>
+              </a:p>
+            </c:txPr>
+            <c:showLegendKey val="0"/>
+            <c:showVal val="0"/>
+            <c:showCatName val="0"/>
+            <c:showSerName val="0"/>
+            <c:showPercent val="0"/>
+            <c:showBubbleSize val="1"/>
+            <c:separator> </c:separator>
+            <c:showLeaderLines val="0"/>
+            <c:extLst>
+              <c:ext xmlns:c15="http://schemas.microsoft.com/office/drawing/2012/chart" uri="{CE6537A1-D6FC-4f65-9D91-7224C49458BB}">
+                <c15:showLeaderLines val="1"/>
+              </c:ext>
+            </c:extLst>
+          </c:dLbls>
+          <c:cat>
+            <c:strRef>
+              <c:f>categories</c:f>
+              <c:strCache>
+                <c:ptCount val="4"/>
+                <c:pt idx="0">
+                  <c:v>1</c:v>
+                </c:pt>
+                <c:pt idx="1">
+                  <c:v>2</c:v>
+                </c:pt>
+                <c:pt idx="2">
+                  <c:v>3</c:v>
+                </c:pt>
+                <c:pt idx="3">
+                  <c:v>4</c:v>
+                </c:pt>
+              </c:strCache>
+            </c:strRef>
+          </c:cat>
+          <c:val>
+            <c:numRef>
+              <c:f>0</c:f>
+              <c:numCache>
+                <c:formatCode>General</c:formatCode>
+                <c:ptCount val="4"/>
+                <c:pt idx="0">
+                  <c:v>0</c:v>
+                </c:pt>
+                <c:pt idx="1">
+                  <c:v>1.7574920000000001</c:v>
+                </c:pt>
+                <c:pt idx="2">
+                  <c:v>15.635149999999999</c:v>
+                </c:pt>
+                <c:pt idx="3">
+                  <c:v>156.5248</c:v>
+                </c:pt>
+              </c:numCache>
+            </c:numRef>
+          </c:val>
+          <c:smooth val="0"/>
+          <c:extLst>
+            <c:ext xmlns:c16="http://schemas.microsoft.com/office/drawing/2014/chart" uri="{C3380CC4-5D6E-409C-BE32-E72D297353CC}">
+              <c16:uniqueId val="{00000000-4930-4CDF-9E00-00B416E7F2D0}"/>
+            </c:ext>
+          </c:extLst>
+        </c:ser>
+        <c:ser>
+          <c:idx val="1"/>
+          <c:order val="1"/>
+          <c:tx>
+            <c:strRef>
+              <c:f>label 1</c:f>
+              <c:strCache>
+                <c:ptCount val="1"/>
+                <c:pt idx="0">
+                  <c:v>Delta_Vp</c:v>
+                </c:pt>
+              </c:strCache>
+            </c:strRef>
+          </c:tx>
+          <c:spPr>
+            <a:ln w="28800">
+              <a:solidFill>
+                <a:srgbClr val="FF420E"/>
+              </a:solidFill>
+              <a:round/>
+            </a:ln>
+          </c:spPr>
+          <c:marker>
+            <c:symbol val="none"/>
+          </c:marker>
+          <c:dLbls>
+            <c:spPr>
+              <a:noFill/>
+              <a:ln>
+                <a:noFill/>
+              </a:ln>
+              <a:effectLst/>
+            </c:spPr>
+            <c:txPr>
+              <a:bodyPr wrap="none"/>
+              <a:lstStyle/>
+              <a:p>
+                <a:pPr>
+                  <a:defRPr sz="1000" b="0" strike="noStrike" spc="-1">
+                    <a:solidFill>
+                      <a:srgbClr val="000000"/>
+                    </a:solidFill>
+                    <a:latin typeface="Arial"/>
+                  </a:defRPr>
+                </a:pPr>
+                <a:endParaRPr lang="en-US"/>
+              </a:p>
+            </c:txPr>
+            <c:showLegendKey val="0"/>
+            <c:showVal val="0"/>
+            <c:showCatName val="0"/>
+            <c:showSerName val="0"/>
+            <c:showPercent val="0"/>
+            <c:showBubbleSize val="1"/>
+            <c:separator> </c:separator>
+            <c:showLeaderLines val="0"/>
+            <c:extLst>
+              <c:ext xmlns:c15="http://schemas.microsoft.com/office/drawing/2012/chart" uri="{CE6537A1-D6FC-4f65-9D91-7224C49458BB}">
+                <c15:showLeaderLines val="1"/>
+              </c:ext>
+            </c:extLst>
+          </c:dLbls>
+          <c:cat>
+            <c:strRef>
+              <c:f>categories</c:f>
+              <c:strCache>
+                <c:ptCount val="4"/>
+                <c:pt idx="0">
+                  <c:v>1</c:v>
+                </c:pt>
+                <c:pt idx="1">
+                  <c:v>2</c:v>
+                </c:pt>
+                <c:pt idx="2">
+                  <c:v>3</c:v>
+                </c:pt>
+                <c:pt idx="3">
+                  <c:v>4</c:v>
+                </c:pt>
+              </c:strCache>
+            </c:strRef>
+          </c:cat>
+          <c:val>
+            <c:numRef>
+              <c:f>1</c:f>
+              <c:numCache>
+                <c:formatCode>General</c:formatCode>
+                <c:ptCount val="4"/>
+                <c:pt idx="0">
+                  <c:v>0</c:v>
+                </c:pt>
+                <c:pt idx="1">
+                  <c:v>-1.757493</c:v>
+                </c:pt>
+                <c:pt idx="2">
+                  <c:v>-15.635160000000001</c:v>
+                </c:pt>
+                <c:pt idx="3">
+                  <c:v>-156.5248</c:v>
+                </c:pt>
+              </c:numCache>
+            </c:numRef>
+          </c:val>
+          <c:smooth val="0"/>
+          <c:extLst>
+            <c:ext xmlns:c16="http://schemas.microsoft.com/office/drawing/2014/chart" uri="{C3380CC4-5D6E-409C-BE32-E72D297353CC}">
+              <c16:uniqueId val="{00000001-4930-4CDF-9E00-00B416E7F2D0}"/>
+            </c:ext>
+          </c:extLst>
+        </c:ser>
+        <c:ser>
+          <c:idx val="2"/>
+          <c:order val="2"/>
+          <c:tx>
+            <c:strRef>
+              <c:f>label 2</c:f>
+              <c:strCache>
+                <c:ptCount val="1"/>
+                <c:pt idx="0">
+                  <c:v>Total Result</c:v>
+                </c:pt>
+              </c:strCache>
+            </c:strRef>
+          </c:tx>
+          <c:spPr>
+            <a:ln w="28800">
+              <a:solidFill>
+                <a:srgbClr val="FFD320"/>
+              </a:solidFill>
+              <a:round/>
+            </a:ln>
+          </c:spPr>
+          <c:marker>
+            <c:symbol val="none"/>
+          </c:marker>
+          <c:dLbls>
+            <c:spPr>
+              <a:noFill/>
+              <a:ln>
+                <a:noFill/>
+              </a:ln>
+              <a:effectLst/>
+            </c:spPr>
+            <c:txPr>
+              <a:bodyPr wrap="none"/>
+              <a:lstStyle/>
+              <a:p>
+                <a:pPr>
+                  <a:defRPr sz="1000" b="0" strike="noStrike" spc="-1">
+                    <a:solidFill>
+                      <a:srgbClr val="000000"/>
+                    </a:solidFill>
+                    <a:latin typeface="Arial"/>
+                  </a:defRPr>
+                </a:pPr>
+                <a:endParaRPr lang="en-US"/>
+              </a:p>
+            </c:txPr>
+            <c:showLegendKey val="0"/>
+            <c:showVal val="0"/>
+            <c:showCatName val="0"/>
+            <c:showSerName val="0"/>
+            <c:showPercent val="0"/>
+            <c:showBubbleSize val="1"/>
+            <c:separator> </c:separator>
+            <c:showLeaderLines val="0"/>
+            <c:extLst>
+              <c:ext xmlns:c15="http://schemas.microsoft.com/office/drawing/2012/chart" uri="{CE6537A1-D6FC-4f65-9D91-7224C49458BB}">
+                <c15:showLeaderLines val="1"/>
+              </c:ext>
+            </c:extLst>
+          </c:dLbls>
+          <c:cat>
+            <c:strRef>
+              <c:f>categories</c:f>
+              <c:strCache>
+                <c:ptCount val="4"/>
+                <c:pt idx="0">
+                  <c:v>1</c:v>
+                </c:pt>
+                <c:pt idx="1">
+                  <c:v>2</c:v>
+                </c:pt>
+                <c:pt idx="2">
+                  <c:v>3</c:v>
+                </c:pt>
+                <c:pt idx="3">
+                  <c:v>4</c:v>
+                </c:pt>
+              </c:strCache>
+            </c:strRef>
+          </c:cat>
+          <c:val>
+            <c:numRef>
+              <c:f>2</c:f>
+              <c:numCache>
+                <c:formatCode>General</c:formatCode>
+                <c:ptCount val="4"/>
+                <c:pt idx="0">
+                  <c:v>0</c:v>
+                </c:pt>
+                <c:pt idx="1">
+                  <c:v>-9.9999999991773294E-7</c:v>
+                </c:pt>
+                <c:pt idx="2">
+                  <c:v>-1.00000000013978E-5</c:v>
+                </c:pt>
+                <c:pt idx="3">
+                  <c:v>0</c:v>
+                </c:pt>
+              </c:numCache>
+            </c:numRef>
+          </c:val>
+          <c:smooth val="0"/>
+          <c:extLst>
+            <c:ext xmlns:c16="http://schemas.microsoft.com/office/drawing/2014/chart" uri="{C3380CC4-5D6E-409C-BE32-E72D297353CC}">
+              <c16:uniqueId val="{00000002-4930-4CDF-9E00-00B416E7F2D0}"/>
+            </c:ext>
+          </c:extLst>
+        </c:ser>
+        <c:dLbls>
+          <c:showLegendKey val="0"/>
+          <c:showVal val="0"/>
+          <c:showCatName val="0"/>
+          <c:showSerName val="0"/>
+          <c:showPercent val="0"/>
+          <c:showBubbleSize val="0"/>
+        </c:dLbls>
+        <c:hiLowLines>
+          <c:spPr>
+            <a:ln w="0">
+              <a:noFill/>
+            </a:ln>
+          </c:spPr>
+        </c:hiLowLines>
+        <c:smooth val="0"/>
+        <c:axId val="80667876"/>
+        <c:axId val="10928987"/>
+      </c:lineChart>
+      <c:catAx>
+        <c:axId val="80667876"/>
+        <c:scaling>
+          <c:orientation val="minMax"/>
+        </c:scaling>
+        <c:delete val="0"/>
+        <c:axPos val="b"/>
+        <c:numFmt formatCode="General" sourceLinked="0"/>
+        <c:majorTickMark val="out"/>
+        <c:minorTickMark val="none"/>
+        <c:tickLblPos val="nextTo"/>
+        <c:spPr>
+          <a:ln w="0">
+            <a:solidFill>
+              <a:srgbClr val="B3B3B3"/>
+            </a:solidFill>
+          </a:ln>
+        </c:spPr>
+        <c:txPr>
+          <a:bodyPr/>
+          <a:lstStyle/>
+          <a:p>
+            <a:pPr>
+              <a:defRPr sz="1000" b="0" strike="noStrike" spc="-1">
+                <a:solidFill>
+                  <a:srgbClr val="000000"/>
+                </a:solidFill>
+                <a:latin typeface="Arial"/>
+              </a:defRPr>
+            </a:pPr>
+            <a:endParaRPr lang="en-US"/>
+          </a:p>
+        </c:txPr>
+        <c:crossAx val="10928987"/>
+        <c:crosses val="autoZero"/>
+        <c:auto val="1"/>
+        <c:lblAlgn val="ctr"/>
+        <c:lblOffset val="100"/>
+        <c:noMultiLvlLbl val="0"/>
+      </c:catAx>
+      <c:valAx>
+        <c:axId val="10928987"/>
+        <c:scaling>
+          <c:orientation val="minMax"/>
+        </c:scaling>
+        <c:delete val="0"/>
+        <c:axPos val="l"/>
+        <c:majorGridlines>
+          <c:spPr>
+            <a:ln w="0">
+              <a:solidFill>
+                <a:srgbClr val="B3B3B3"/>
+              </a:solidFill>
+            </a:ln>
+          </c:spPr>
+        </c:majorGridlines>
+        <c:numFmt formatCode="General" sourceLinked="0"/>
+        <c:majorTickMark val="out"/>
+        <c:minorTickMark val="none"/>
+        <c:tickLblPos val="nextTo"/>
+        <c:spPr>
+          <a:ln w="0">
+            <a:solidFill>
+              <a:srgbClr val="B3B3B3"/>
+            </a:solidFill>
+          </a:ln>
+        </c:spPr>
+        <c:txPr>
+          <a:bodyPr/>
+          <a:lstStyle/>
+          <a:p>
+            <a:pPr>
+              <a:defRPr sz="1000" b="0" strike="noStrike" spc="-1">
+                <a:solidFill>
+                  <a:srgbClr val="000000"/>
+                </a:solidFill>
+                <a:latin typeface="Arial"/>
+              </a:defRPr>
+            </a:pPr>
+            <a:endParaRPr lang="en-US"/>
+          </a:p>
+        </c:txPr>
+        <c:crossAx val="80667876"/>
+        <c:crosses val="autoZero"/>
+        <c:crossBetween val="midCat"/>
+      </c:valAx>
+      <c:spPr>
+        <a:noFill/>
+        <a:ln w="0">
+          <a:solidFill>
+            <a:srgbClr val="B3B3B3"/>
+          </a:solidFill>
+        </a:ln>
+      </c:spPr>
+    </c:plotArea>
+    <c:legend>
+      <c:legendPos val="r"/>
+      <c:overlay val="0"/>
+      <c:spPr>
+        <a:noFill/>
+        <a:ln w="0">
+          <a:noFill/>
+        </a:ln>
+      </c:spPr>
+      <c:txPr>
+        <a:bodyPr/>
+        <a:lstStyle/>
+        <a:p>
+          <a:pPr>
+            <a:defRPr sz="1000" b="0" strike="noStrike" spc="-1">
+              <a:solidFill>
+                <a:srgbClr val="000000"/>
+              </a:solidFill>
+              <a:latin typeface="Arial"/>
+            </a:defRPr>
+          </a:pPr>
+          <a:endParaRPr lang="en-US"/>
+        </a:p>
+      </c:txPr>
+    </c:legend>
+    <c:plotVisOnly val="1"/>
+    <c:dispBlanksAs val="gap"/>
+    <c:showDLblsOverMax val="1"/>
+  </c:chart>
+  <c:spPr>
+    <a:solidFill>
+      <a:srgbClr val="FFFFFF"/>
+    </a:solidFill>
+    <a:ln w="0">
+      <a:noFill/>
+    </a:ln>
+  </c:spPr>
+</c:chartSpace>
 </file>
 
 <file path=ppt/notesMasters/notesMaster1.xml><?xml version="1.0" encoding="utf-8"?>
@@ -2417,7 +3057,7 @@
           <a:p>
             <a:fld id="{584E71AC-77E2-44B1-8F2C-636546E678CC}" type="datetimeFigureOut">
               <a:rPr lang="en-US" smtClean="0"/>
-              <a:t>5/3/2024</a:t>
+              <a:t>5/6/2024</a:t>
             </a:fld>
             <a:endParaRPr lang="en-US"/>
           </a:p>
@@ -3936,6 +4576,1075 @@
 </p:sldLayout>
 </file>
 
+<file path=ppt/slideLayouts/slideLayout12.xml><?xml version="1.0" encoding="utf-8"?>
+<p:sldLayout xmlns:a="http://schemas.openxmlformats.org/drawingml/2006/main" xmlns:r="http://schemas.openxmlformats.org/officeDocument/2006/relationships" xmlns:p="http://schemas.openxmlformats.org/presentationml/2006/main" type="blank" preserve="1">
+  <p:cSld name="Blank Slide">
+    <p:spTree>
+      <p:nvGrpSpPr>
+        <p:cNvPr id="1" name=""/>
+        <p:cNvGrpSpPr/>
+        <p:nvPr/>
+      </p:nvGrpSpPr>
+      <p:grpSpPr>
+        <a:xfrm>
+          <a:off x="0" y="0"/>
+          <a:ext cx="0" cy="0"/>
+          <a:chOff x="0" y="0"/>
+          <a:chExt cx="0" cy="0"/>
+        </a:xfrm>
+      </p:grpSpPr>
+    </p:spTree>
+    <p:extLst>
+      <p:ext uri="{BB962C8B-B14F-4D97-AF65-F5344CB8AC3E}">
+        <p14:creationId xmlns:p14="http://schemas.microsoft.com/office/powerpoint/2010/main" val="2478268388"/>
+      </p:ext>
+    </p:extLst>
+  </p:cSld>
+  <p:clrMapOvr>
+    <a:masterClrMapping/>
+  </p:clrMapOvr>
+</p:sldLayout>
+</file>
+
+<file path=ppt/slideLayouts/slideLayout13.xml><?xml version="1.0" encoding="utf-8"?>
+<p:sldLayout xmlns:a="http://schemas.openxmlformats.org/drawingml/2006/main" xmlns:r="http://schemas.openxmlformats.org/officeDocument/2006/relationships" xmlns:p="http://schemas.openxmlformats.org/presentationml/2006/main" type="tx" preserve="1">
+  <p:cSld name="Title Slide">
+    <p:spTree>
+      <p:nvGrpSpPr>
+        <p:cNvPr id="1" name=""/>
+        <p:cNvGrpSpPr/>
+        <p:nvPr/>
+      </p:nvGrpSpPr>
+      <p:grpSpPr>
+        <a:xfrm>
+          <a:off x="0" y="0"/>
+          <a:ext cx="0" cy="0"/>
+          <a:chOff x="0" y="0"/>
+          <a:chExt cx="0" cy="0"/>
+        </a:xfrm>
+      </p:grpSpPr>
+      <p:sp>
+        <p:nvSpPr>
+          <p:cNvPr id="2" name="PlaceHolder 1"/>
+          <p:cNvSpPr>
+            <a:spLocks noGrp="1"/>
+          </p:cNvSpPr>
+          <p:nvPr>
+            <p:ph type="title"/>
+          </p:nvPr>
+        </p:nvSpPr>
+        <p:spPr>
+          <a:xfrm>
+            <a:off x="609562" y="273422"/>
+            <a:ext cx="10971684" cy="1144631"/>
+          </a:xfrm>
+          <a:prstGeom prst="rect">
+            <a:avLst/>
+          </a:prstGeom>
+          <a:noFill/>
+          <a:ln w="0">
+            <a:noFill/>
+          </a:ln>
+        </p:spPr>
+        <p:txBody>
+          <a:bodyPr lIns="0" tIns="0" rIns="0" bIns="0" anchor="ctr">
+            <a:noAutofit/>
+          </a:bodyPr>
+          <a:lstStyle>
+            <a:lvl1pPr indent="0" algn="ctr">
+              <a:buNone/>
+              <a:defRPr/>
+            </a:lvl1pPr>
+          </a:lstStyle>
+          <a:p>
+            <a:pPr indent="0" algn="ctr">
+              <a:buNone/>
+            </a:pPr>
+            <a:endParaRPr lang="en-US" sz="5321" b="0" strike="noStrike" spc="-1">
+              <a:solidFill>
+                <a:srgbClr val="000000"/>
+              </a:solidFill>
+              <a:latin typeface="Arial"/>
+            </a:endParaRPr>
+          </a:p>
+        </p:txBody>
+      </p:sp>
+      <p:sp>
+        <p:nvSpPr>
+          <p:cNvPr id="3" name="PlaceHolder 2"/>
+          <p:cNvSpPr>
+            <a:spLocks noGrp="1"/>
+          </p:cNvSpPr>
+          <p:nvPr>
+            <p:ph type="subTitle"/>
+          </p:nvPr>
+        </p:nvSpPr>
+        <p:spPr>
+          <a:xfrm>
+            <a:off x="609562" y="1604399"/>
+            <a:ext cx="10971684" cy="3976819"/>
+          </a:xfrm>
+          <a:prstGeom prst="rect">
+            <a:avLst/>
+          </a:prstGeom>
+          <a:noFill/>
+          <a:ln w="0">
+            <a:noFill/>
+          </a:ln>
+        </p:spPr>
+        <p:txBody>
+          <a:bodyPr lIns="0" tIns="0" rIns="0" bIns="0" anchor="ctr">
+            <a:noAutofit/>
+          </a:bodyPr>
+          <a:lstStyle>
+            <a:lvl1pPr indent="0" algn="ctr">
+              <a:buNone/>
+              <a:defRPr/>
+            </a:lvl1pPr>
+          </a:lstStyle>
+          <a:p>
+            <a:pPr indent="0" algn="ctr">
+              <a:buNone/>
+            </a:pPr>
+            <a:endParaRPr lang="en-US" sz="3870" b="0" strike="noStrike" spc="-1">
+              <a:solidFill>
+                <a:srgbClr val="000000"/>
+              </a:solidFill>
+              <a:latin typeface="Arial"/>
+            </a:endParaRPr>
+          </a:p>
+        </p:txBody>
+      </p:sp>
+    </p:spTree>
+    <p:extLst>
+      <p:ext uri="{BB962C8B-B14F-4D97-AF65-F5344CB8AC3E}">
+        <p14:creationId xmlns:p14="http://schemas.microsoft.com/office/powerpoint/2010/main" val="531705474"/>
+      </p:ext>
+    </p:extLst>
+  </p:cSld>
+  <p:clrMapOvr>
+    <a:masterClrMapping/>
+  </p:clrMapOvr>
+</p:sldLayout>
+</file>
+
+<file path=ppt/slideLayouts/slideLayout14.xml><?xml version="1.0" encoding="utf-8"?>
+<p:sldLayout xmlns:a="http://schemas.openxmlformats.org/drawingml/2006/main" xmlns:r="http://schemas.openxmlformats.org/officeDocument/2006/relationships" xmlns:p="http://schemas.openxmlformats.org/presentationml/2006/main" type="obj" preserve="1">
+  <p:cSld name="Title, Content">
+    <p:spTree>
+      <p:nvGrpSpPr>
+        <p:cNvPr id="1" name=""/>
+        <p:cNvGrpSpPr/>
+        <p:nvPr/>
+      </p:nvGrpSpPr>
+      <p:grpSpPr>
+        <a:xfrm>
+          <a:off x="0" y="0"/>
+          <a:ext cx="0" cy="0"/>
+          <a:chOff x="0" y="0"/>
+          <a:chExt cx="0" cy="0"/>
+        </a:xfrm>
+      </p:grpSpPr>
+      <p:sp>
+        <p:nvSpPr>
+          <p:cNvPr id="4" name="PlaceHolder 1"/>
+          <p:cNvSpPr>
+            <a:spLocks noGrp="1"/>
+          </p:cNvSpPr>
+          <p:nvPr>
+            <p:ph type="title"/>
+          </p:nvPr>
+        </p:nvSpPr>
+        <p:spPr>
+          <a:xfrm>
+            <a:off x="609562" y="273422"/>
+            <a:ext cx="10971684" cy="1144631"/>
+          </a:xfrm>
+          <a:prstGeom prst="rect">
+            <a:avLst/>
+          </a:prstGeom>
+          <a:noFill/>
+          <a:ln w="0">
+            <a:noFill/>
+          </a:ln>
+        </p:spPr>
+        <p:txBody>
+          <a:bodyPr lIns="0" tIns="0" rIns="0" bIns="0" anchor="ctr">
+            <a:noAutofit/>
+          </a:bodyPr>
+          <a:lstStyle>
+            <a:lvl1pPr indent="0" algn="ctr">
+              <a:buNone/>
+              <a:defRPr/>
+            </a:lvl1pPr>
+          </a:lstStyle>
+          <a:p>
+            <a:pPr indent="0" algn="ctr">
+              <a:buNone/>
+            </a:pPr>
+            <a:endParaRPr lang="en-US" sz="5321" b="0" strike="noStrike" spc="-1">
+              <a:solidFill>
+                <a:srgbClr val="000000"/>
+              </a:solidFill>
+              <a:latin typeface="Arial"/>
+            </a:endParaRPr>
+          </a:p>
+        </p:txBody>
+      </p:sp>
+      <p:sp>
+        <p:nvSpPr>
+          <p:cNvPr id="5" name="PlaceHolder 2"/>
+          <p:cNvSpPr>
+            <a:spLocks noGrp="1"/>
+          </p:cNvSpPr>
+          <p:nvPr>
+            <p:ph/>
+          </p:nvPr>
+        </p:nvSpPr>
+        <p:spPr>
+          <a:xfrm>
+            <a:off x="609562" y="1604399"/>
+            <a:ext cx="10971684" cy="3976819"/>
+          </a:xfrm>
+          <a:prstGeom prst="rect">
+            <a:avLst/>
+          </a:prstGeom>
+          <a:noFill/>
+          <a:ln w="0">
+            <a:noFill/>
+          </a:ln>
+        </p:spPr>
+        <p:txBody>
+          <a:bodyPr lIns="0" tIns="0" rIns="0" bIns="0" anchor="t">
+            <a:normAutofit/>
+          </a:bodyPr>
+          <a:lstStyle>
+            <a:lvl1pPr indent="0">
+              <a:spcBef>
+                <a:spcPts val="1714"/>
+              </a:spcBef>
+              <a:buNone/>
+              <a:defRPr/>
+            </a:lvl1pPr>
+          </a:lstStyle>
+          <a:p>
+            <a:pPr indent="0">
+              <a:spcBef>
+                <a:spcPts val="1417"/>
+              </a:spcBef>
+              <a:buNone/>
+            </a:pPr>
+            <a:endParaRPr lang="en-US" sz="3870" b="0" strike="noStrike" spc="-1">
+              <a:solidFill>
+                <a:srgbClr val="000000"/>
+              </a:solidFill>
+              <a:latin typeface="Arial"/>
+            </a:endParaRPr>
+          </a:p>
+        </p:txBody>
+      </p:sp>
+    </p:spTree>
+    <p:extLst>
+      <p:ext uri="{BB962C8B-B14F-4D97-AF65-F5344CB8AC3E}">
+        <p14:creationId xmlns:p14="http://schemas.microsoft.com/office/powerpoint/2010/main" val="3077781430"/>
+      </p:ext>
+    </p:extLst>
+  </p:cSld>
+  <p:clrMapOvr>
+    <a:masterClrMapping/>
+  </p:clrMapOvr>
+</p:sldLayout>
+</file>
+
+<file path=ppt/slideLayouts/slideLayout15.xml><?xml version="1.0" encoding="utf-8"?>
+<p:sldLayout xmlns:a="http://schemas.openxmlformats.org/drawingml/2006/main" xmlns:r="http://schemas.openxmlformats.org/officeDocument/2006/relationships" xmlns:p="http://schemas.openxmlformats.org/presentationml/2006/main" type="twoObj" preserve="1">
+  <p:cSld name="Title, 2 Content">
+    <p:spTree>
+      <p:nvGrpSpPr>
+        <p:cNvPr id="1" name=""/>
+        <p:cNvGrpSpPr/>
+        <p:nvPr/>
+      </p:nvGrpSpPr>
+      <p:grpSpPr>
+        <a:xfrm>
+          <a:off x="0" y="0"/>
+          <a:ext cx="0" cy="0"/>
+          <a:chOff x="0" y="0"/>
+          <a:chExt cx="0" cy="0"/>
+        </a:xfrm>
+      </p:grpSpPr>
+      <p:sp>
+        <p:nvSpPr>
+          <p:cNvPr id="6" name="PlaceHolder 1"/>
+          <p:cNvSpPr>
+            <a:spLocks noGrp="1"/>
+          </p:cNvSpPr>
+          <p:nvPr>
+            <p:ph type="title"/>
+          </p:nvPr>
+        </p:nvSpPr>
+        <p:spPr>
+          <a:xfrm>
+            <a:off x="609562" y="273422"/>
+            <a:ext cx="10971684" cy="1144631"/>
+          </a:xfrm>
+          <a:prstGeom prst="rect">
+            <a:avLst/>
+          </a:prstGeom>
+          <a:noFill/>
+          <a:ln w="0">
+            <a:noFill/>
+          </a:ln>
+        </p:spPr>
+        <p:txBody>
+          <a:bodyPr lIns="0" tIns="0" rIns="0" bIns="0" anchor="ctr">
+            <a:noAutofit/>
+          </a:bodyPr>
+          <a:lstStyle>
+            <a:lvl1pPr indent="0" algn="ctr">
+              <a:buNone/>
+              <a:defRPr/>
+            </a:lvl1pPr>
+          </a:lstStyle>
+          <a:p>
+            <a:pPr indent="0" algn="ctr">
+              <a:buNone/>
+            </a:pPr>
+            <a:endParaRPr lang="en-US" sz="5321" b="0" strike="noStrike" spc="-1">
+              <a:solidFill>
+                <a:srgbClr val="000000"/>
+              </a:solidFill>
+              <a:latin typeface="Arial"/>
+            </a:endParaRPr>
+          </a:p>
+        </p:txBody>
+      </p:sp>
+      <p:sp>
+        <p:nvSpPr>
+          <p:cNvPr id="7" name="PlaceHolder 2"/>
+          <p:cNvSpPr>
+            <a:spLocks noGrp="1"/>
+          </p:cNvSpPr>
+          <p:nvPr>
+            <p:ph/>
+          </p:nvPr>
+        </p:nvSpPr>
+        <p:spPr>
+          <a:xfrm>
+            <a:off x="609562" y="1604399"/>
+            <a:ext cx="5354133" cy="3976819"/>
+          </a:xfrm>
+          <a:prstGeom prst="rect">
+            <a:avLst/>
+          </a:prstGeom>
+          <a:noFill/>
+          <a:ln w="0">
+            <a:noFill/>
+          </a:ln>
+        </p:spPr>
+        <p:txBody>
+          <a:bodyPr lIns="0" tIns="0" rIns="0" bIns="0" anchor="t">
+            <a:normAutofit/>
+          </a:bodyPr>
+          <a:lstStyle>
+            <a:lvl1pPr indent="0">
+              <a:spcBef>
+                <a:spcPts val="1714"/>
+              </a:spcBef>
+              <a:buNone/>
+              <a:defRPr/>
+            </a:lvl1pPr>
+          </a:lstStyle>
+          <a:p>
+            <a:pPr indent="0">
+              <a:spcBef>
+                <a:spcPts val="1417"/>
+              </a:spcBef>
+              <a:buNone/>
+            </a:pPr>
+            <a:endParaRPr lang="en-US" sz="3870" b="0" strike="noStrike" spc="-1">
+              <a:solidFill>
+                <a:srgbClr val="000000"/>
+              </a:solidFill>
+              <a:latin typeface="Arial"/>
+            </a:endParaRPr>
+          </a:p>
+        </p:txBody>
+      </p:sp>
+      <p:sp>
+        <p:nvSpPr>
+          <p:cNvPr id="8" name="PlaceHolder 3"/>
+          <p:cNvSpPr>
+            <a:spLocks noGrp="1"/>
+          </p:cNvSpPr>
+          <p:nvPr>
+            <p:ph/>
+          </p:nvPr>
+        </p:nvSpPr>
+        <p:spPr>
+          <a:xfrm>
+            <a:off x="6231903" y="1604399"/>
+            <a:ext cx="5354133" cy="3976819"/>
+          </a:xfrm>
+          <a:prstGeom prst="rect">
+            <a:avLst/>
+          </a:prstGeom>
+          <a:noFill/>
+          <a:ln w="0">
+            <a:noFill/>
+          </a:ln>
+        </p:spPr>
+        <p:txBody>
+          <a:bodyPr lIns="0" tIns="0" rIns="0" bIns="0" anchor="t">
+            <a:normAutofit/>
+          </a:bodyPr>
+          <a:lstStyle>
+            <a:lvl1pPr indent="0">
+              <a:spcBef>
+                <a:spcPts val="1714"/>
+              </a:spcBef>
+              <a:buNone/>
+              <a:defRPr/>
+            </a:lvl1pPr>
+          </a:lstStyle>
+          <a:p>
+            <a:pPr indent="0">
+              <a:spcBef>
+                <a:spcPts val="1417"/>
+              </a:spcBef>
+              <a:buNone/>
+            </a:pPr>
+            <a:endParaRPr lang="en-US" sz="3870" b="0" strike="noStrike" spc="-1">
+              <a:solidFill>
+                <a:srgbClr val="000000"/>
+              </a:solidFill>
+              <a:latin typeface="Arial"/>
+            </a:endParaRPr>
+          </a:p>
+        </p:txBody>
+      </p:sp>
+    </p:spTree>
+    <p:extLst>
+      <p:ext uri="{BB962C8B-B14F-4D97-AF65-F5344CB8AC3E}">
+        <p14:creationId xmlns:p14="http://schemas.microsoft.com/office/powerpoint/2010/main" val="2042150617"/>
+      </p:ext>
+    </p:extLst>
+  </p:cSld>
+  <p:clrMapOvr>
+    <a:masterClrMapping/>
+  </p:clrMapOvr>
+</p:sldLayout>
+</file>
+
+<file path=ppt/slideLayouts/slideLayout16.xml><?xml version="1.0" encoding="utf-8"?>
+<p:sldLayout xmlns:a="http://schemas.openxmlformats.org/drawingml/2006/main" xmlns:r="http://schemas.openxmlformats.org/officeDocument/2006/relationships" xmlns:p="http://schemas.openxmlformats.org/presentationml/2006/main" type="titleOnly" preserve="1">
+  <p:cSld name="Title Only">
+    <p:spTree>
+      <p:nvGrpSpPr>
+        <p:cNvPr id="1" name=""/>
+        <p:cNvGrpSpPr/>
+        <p:nvPr/>
+      </p:nvGrpSpPr>
+      <p:grpSpPr>
+        <a:xfrm>
+          <a:off x="0" y="0"/>
+          <a:ext cx="0" cy="0"/>
+          <a:chOff x="0" y="0"/>
+          <a:chExt cx="0" cy="0"/>
+        </a:xfrm>
+      </p:grpSpPr>
+      <p:sp>
+        <p:nvSpPr>
+          <p:cNvPr id="9" name="PlaceHolder 1"/>
+          <p:cNvSpPr>
+            <a:spLocks noGrp="1"/>
+          </p:cNvSpPr>
+          <p:nvPr>
+            <p:ph type="title"/>
+          </p:nvPr>
+        </p:nvSpPr>
+        <p:spPr>
+          <a:xfrm>
+            <a:off x="609562" y="273422"/>
+            <a:ext cx="10971684" cy="1144631"/>
+          </a:xfrm>
+          <a:prstGeom prst="rect">
+            <a:avLst/>
+          </a:prstGeom>
+          <a:noFill/>
+          <a:ln w="0">
+            <a:noFill/>
+          </a:ln>
+        </p:spPr>
+        <p:txBody>
+          <a:bodyPr lIns="0" tIns="0" rIns="0" bIns="0" anchor="ctr">
+            <a:noAutofit/>
+          </a:bodyPr>
+          <a:lstStyle>
+            <a:lvl1pPr indent="0" algn="ctr">
+              <a:buNone/>
+              <a:defRPr/>
+            </a:lvl1pPr>
+          </a:lstStyle>
+          <a:p>
+            <a:pPr indent="0" algn="ctr">
+              <a:buNone/>
+            </a:pPr>
+            <a:endParaRPr lang="en-US" sz="5321" b="0" strike="noStrike" spc="-1">
+              <a:solidFill>
+                <a:srgbClr val="000000"/>
+              </a:solidFill>
+              <a:latin typeface="Arial"/>
+            </a:endParaRPr>
+          </a:p>
+        </p:txBody>
+      </p:sp>
+    </p:spTree>
+    <p:extLst>
+      <p:ext uri="{BB962C8B-B14F-4D97-AF65-F5344CB8AC3E}">
+        <p14:creationId xmlns:p14="http://schemas.microsoft.com/office/powerpoint/2010/main" val="159629913"/>
+      </p:ext>
+    </p:extLst>
+  </p:cSld>
+  <p:clrMapOvr>
+    <a:masterClrMapping/>
+  </p:clrMapOvr>
+</p:sldLayout>
+</file>
+
+<file path=ppt/slideLayouts/slideLayout17.xml><?xml version="1.0" encoding="utf-8"?>
+<p:sldLayout xmlns:a="http://schemas.openxmlformats.org/drawingml/2006/main" xmlns:r="http://schemas.openxmlformats.org/officeDocument/2006/relationships" xmlns:p="http://schemas.openxmlformats.org/presentationml/2006/main" type="objOnly" preserve="1">
+  <p:cSld name="Centered Text">
+    <p:spTree>
+      <p:nvGrpSpPr>
+        <p:cNvPr id="1" name=""/>
+        <p:cNvGrpSpPr/>
+        <p:nvPr/>
+      </p:nvGrpSpPr>
+      <p:grpSpPr>
+        <a:xfrm>
+          <a:off x="0" y="0"/>
+          <a:ext cx="0" cy="0"/>
+          <a:chOff x="0" y="0"/>
+          <a:chExt cx="0" cy="0"/>
+        </a:xfrm>
+      </p:grpSpPr>
+      <p:sp>
+        <p:nvSpPr>
+          <p:cNvPr id="10" name="PlaceHolder 1"/>
+          <p:cNvSpPr>
+            <a:spLocks noGrp="1"/>
+          </p:cNvSpPr>
+          <p:nvPr>
+            <p:ph type="subTitle"/>
+          </p:nvPr>
+        </p:nvSpPr>
+        <p:spPr>
+          <a:xfrm>
+            <a:off x="609562" y="273423"/>
+            <a:ext cx="10971684" cy="5307359"/>
+          </a:xfrm>
+          <a:prstGeom prst="rect">
+            <a:avLst/>
+          </a:prstGeom>
+          <a:noFill/>
+          <a:ln w="0">
+            <a:noFill/>
+          </a:ln>
+        </p:spPr>
+        <p:txBody>
+          <a:bodyPr lIns="0" tIns="0" rIns="0" bIns="0" anchor="ctr">
+            <a:noAutofit/>
+          </a:bodyPr>
+          <a:lstStyle/>
+          <a:p>
+            <a:pPr algn="ctr"/>
+            <a:endParaRPr lang="en-US" sz="3870" b="0" strike="noStrike" spc="-1">
+              <a:solidFill>
+                <a:srgbClr val="000000"/>
+              </a:solidFill>
+              <a:latin typeface="Arial"/>
+            </a:endParaRPr>
+          </a:p>
+        </p:txBody>
+      </p:sp>
+    </p:spTree>
+    <p:extLst>
+      <p:ext uri="{BB962C8B-B14F-4D97-AF65-F5344CB8AC3E}">
+        <p14:creationId xmlns:p14="http://schemas.microsoft.com/office/powerpoint/2010/main" val="3231931741"/>
+      </p:ext>
+    </p:extLst>
+  </p:cSld>
+  <p:clrMapOvr>
+    <a:masterClrMapping/>
+  </p:clrMapOvr>
+</p:sldLayout>
+</file>
+
+<file path=ppt/slideLayouts/slideLayout18.xml><?xml version="1.0" encoding="utf-8"?>
+<p:sldLayout xmlns:a="http://schemas.openxmlformats.org/drawingml/2006/main" xmlns:r="http://schemas.openxmlformats.org/officeDocument/2006/relationships" xmlns:p="http://schemas.openxmlformats.org/presentationml/2006/main" type="twoObjAndObj" preserve="1">
+  <p:cSld name="Title, 2 Content and Content">
+    <p:spTree>
+      <p:nvGrpSpPr>
+        <p:cNvPr id="1" name=""/>
+        <p:cNvGrpSpPr/>
+        <p:nvPr/>
+      </p:nvGrpSpPr>
+      <p:grpSpPr>
+        <a:xfrm>
+          <a:off x="0" y="0"/>
+          <a:ext cx="0" cy="0"/>
+          <a:chOff x="0" y="0"/>
+          <a:chExt cx="0" cy="0"/>
+        </a:xfrm>
+      </p:grpSpPr>
+      <p:sp>
+        <p:nvSpPr>
+          <p:cNvPr id="11" name="PlaceHolder 1"/>
+          <p:cNvSpPr>
+            <a:spLocks noGrp="1"/>
+          </p:cNvSpPr>
+          <p:nvPr>
+            <p:ph type="title"/>
+          </p:nvPr>
+        </p:nvSpPr>
+        <p:spPr>
+          <a:xfrm>
+            <a:off x="609562" y="273422"/>
+            <a:ext cx="10971684" cy="1144631"/>
+          </a:xfrm>
+          <a:prstGeom prst="rect">
+            <a:avLst/>
+          </a:prstGeom>
+          <a:noFill/>
+          <a:ln w="0">
+            <a:noFill/>
+          </a:ln>
+        </p:spPr>
+        <p:txBody>
+          <a:bodyPr lIns="0" tIns="0" rIns="0" bIns="0" anchor="ctr">
+            <a:noAutofit/>
+          </a:bodyPr>
+          <a:lstStyle>
+            <a:lvl1pPr indent="0" algn="ctr">
+              <a:buNone/>
+              <a:defRPr/>
+            </a:lvl1pPr>
+          </a:lstStyle>
+          <a:p>
+            <a:pPr indent="0" algn="ctr">
+              <a:buNone/>
+            </a:pPr>
+            <a:endParaRPr lang="en-US" sz="5321" b="0" strike="noStrike" spc="-1">
+              <a:solidFill>
+                <a:srgbClr val="000000"/>
+              </a:solidFill>
+              <a:latin typeface="Arial"/>
+            </a:endParaRPr>
+          </a:p>
+        </p:txBody>
+      </p:sp>
+      <p:sp>
+        <p:nvSpPr>
+          <p:cNvPr id="12" name="PlaceHolder 2"/>
+          <p:cNvSpPr>
+            <a:spLocks noGrp="1"/>
+          </p:cNvSpPr>
+          <p:nvPr>
+            <p:ph/>
+          </p:nvPr>
+        </p:nvSpPr>
+        <p:spPr>
+          <a:xfrm>
+            <a:off x="609562" y="1604399"/>
+            <a:ext cx="5354133" cy="1896543"/>
+          </a:xfrm>
+          <a:prstGeom prst="rect">
+            <a:avLst/>
+          </a:prstGeom>
+          <a:noFill/>
+          <a:ln w="0">
+            <a:noFill/>
+          </a:ln>
+        </p:spPr>
+        <p:txBody>
+          <a:bodyPr lIns="0" tIns="0" rIns="0" bIns="0" anchor="t">
+            <a:normAutofit/>
+          </a:bodyPr>
+          <a:lstStyle>
+            <a:lvl1pPr indent="0">
+              <a:spcBef>
+                <a:spcPts val="1714"/>
+              </a:spcBef>
+              <a:buNone/>
+              <a:defRPr/>
+            </a:lvl1pPr>
+          </a:lstStyle>
+          <a:p>
+            <a:pPr indent="0">
+              <a:spcBef>
+                <a:spcPts val="1417"/>
+              </a:spcBef>
+              <a:buNone/>
+            </a:pPr>
+            <a:endParaRPr lang="en-US" sz="3870" b="0" strike="noStrike" spc="-1">
+              <a:solidFill>
+                <a:srgbClr val="000000"/>
+              </a:solidFill>
+              <a:latin typeface="Arial"/>
+            </a:endParaRPr>
+          </a:p>
+        </p:txBody>
+      </p:sp>
+      <p:sp>
+        <p:nvSpPr>
+          <p:cNvPr id="13" name="PlaceHolder 3"/>
+          <p:cNvSpPr>
+            <a:spLocks noGrp="1"/>
+          </p:cNvSpPr>
+          <p:nvPr>
+            <p:ph/>
+          </p:nvPr>
+        </p:nvSpPr>
+        <p:spPr>
+          <a:xfrm>
+            <a:off x="6231903" y="1604399"/>
+            <a:ext cx="5354133" cy="3976819"/>
+          </a:xfrm>
+          <a:prstGeom prst="rect">
+            <a:avLst/>
+          </a:prstGeom>
+          <a:noFill/>
+          <a:ln w="0">
+            <a:noFill/>
+          </a:ln>
+        </p:spPr>
+        <p:txBody>
+          <a:bodyPr lIns="0" tIns="0" rIns="0" bIns="0" anchor="t">
+            <a:normAutofit/>
+          </a:bodyPr>
+          <a:lstStyle>
+            <a:lvl1pPr indent="0">
+              <a:spcBef>
+                <a:spcPts val="1714"/>
+              </a:spcBef>
+              <a:buNone/>
+              <a:defRPr/>
+            </a:lvl1pPr>
+          </a:lstStyle>
+          <a:p>
+            <a:pPr indent="0">
+              <a:spcBef>
+                <a:spcPts val="1417"/>
+              </a:spcBef>
+              <a:buNone/>
+            </a:pPr>
+            <a:endParaRPr lang="en-US" sz="3870" b="0" strike="noStrike" spc="-1">
+              <a:solidFill>
+                <a:srgbClr val="000000"/>
+              </a:solidFill>
+              <a:latin typeface="Arial"/>
+            </a:endParaRPr>
+          </a:p>
+        </p:txBody>
+      </p:sp>
+      <p:sp>
+        <p:nvSpPr>
+          <p:cNvPr id="14" name="PlaceHolder 4"/>
+          <p:cNvSpPr>
+            <a:spLocks noGrp="1"/>
+          </p:cNvSpPr>
+          <p:nvPr>
+            <p:ph/>
+          </p:nvPr>
+        </p:nvSpPr>
+        <p:spPr>
+          <a:xfrm>
+            <a:off x="609562" y="3681627"/>
+            <a:ext cx="5354133" cy="1896543"/>
+          </a:xfrm>
+          <a:prstGeom prst="rect">
+            <a:avLst/>
+          </a:prstGeom>
+          <a:noFill/>
+          <a:ln w="0">
+            <a:noFill/>
+          </a:ln>
+        </p:spPr>
+        <p:txBody>
+          <a:bodyPr lIns="0" tIns="0" rIns="0" bIns="0" anchor="t">
+            <a:normAutofit/>
+          </a:bodyPr>
+          <a:lstStyle>
+            <a:lvl1pPr indent="0">
+              <a:spcBef>
+                <a:spcPts val="1714"/>
+              </a:spcBef>
+              <a:buNone/>
+              <a:defRPr/>
+            </a:lvl1pPr>
+          </a:lstStyle>
+          <a:p>
+            <a:pPr indent="0">
+              <a:spcBef>
+                <a:spcPts val="1417"/>
+              </a:spcBef>
+              <a:buNone/>
+            </a:pPr>
+            <a:endParaRPr lang="en-US" sz="3870" b="0" strike="noStrike" spc="-1">
+              <a:solidFill>
+                <a:srgbClr val="000000"/>
+              </a:solidFill>
+              <a:latin typeface="Arial"/>
+            </a:endParaRPr>
+          </a:p>
+        </p:txBody>
+      </p:sp>
+    </p:spTree>
+    <p:extLst>
+      <p:ext uri="{BB962C8B-B14F-4D97-AF65-F5344CB8AC3E}">
+        <p14:creationId xmlns:p14="http://schemas.microsoft.com/office/powerpoint/2010/main" val="3236890338"/>
+      </p:ext>
+    </p:extLst>
+  </p:cSld>
+  <p:clrMapOvr>
+    <a:masterClrMapping/>
+  </p:clrMapOvr>
+</p:sldLayout>
+</file>
+
+<file path=ppt/slideLayouts/slideLayout19.xml><?xml version="1.0" encoding="utf-8"?>
+<p:sldLayout xmlns:a="http://schemas.openxmlformats.org/drawingml/2006/main" xmlns:r="http://schemas.openxmlformats.org/officeDocument/2006/relationships" xmlns:p="http://schemas.openxmlformats.org/presentationml/2006/main" type="objAndTwoObj" preserve="1">
+  <p:cSld name="Title Content and 2 Content">
+    <p:spTree>
+      <p:nvGrpSpPr>
+        <p:cNvPr id="1" name=""/>
+        <p:cNvGrpSpPr/>
+        <p:nvPr/>
+      </p:nvGrpSpPr>
+      <p:grpSpPr>
+        <a:xfrm>
+          <a:off x="0" y="0"/>
+          <a:ext cx="0" cy="0"/>
+          <a:chOff x="0" y="0"/>
+          <a:chExt cx="0" cy="0"/>
+        </a:xfrm>
+      </p:grpSpPr>
+      <p:sp>
+        <p:nvSpPr>
+          <p:cNvPr id="15" name="PlaceHolder 1"/>
+          <p:cNvSpPr>
+            <a:spLocks noGrp="1"/>
+          </p:cNvSpPr>
+          <p:nvPr>
+            <p:ph type="title"/>
+          </p:nvPr>
+        </p:nvSpPr>
+        <p:spPr>
+          <a:xfrm>
+            <a:off x="609562" y="273422"/>
+            <a:ext cx="10971684" cy="1144631"/>
+          </a:xfrm>
+          <a:prstGeom prst="rect">
+            <a:avLst/>
+          </a:prstGeom>
+          <a:noFill/>
+          <a:ln w="0">
+            <a:noFill/>
+          </a:ln>
+        </p:spPr>
+        <p:txBody>
+          <a:bodyPr lIns="0" tIns="0" rIns="0" bIns="0" anchor="ctr">
+            <a:noAutofit/>
+          </a:bodyPr>
+          <a:lstStyle>
+            <a:lvl1pPr indent="0" algn="ctr">
+              <a:buNone/>
+              <a:defRPr/>
+            </a:lvl1pPr>
+          </a:lstStyle>
+          <a:p>
+            <a:pPr indent="0" algn="ctr">
+              <a:buNone/>
+            </a:pPr>
+            <a:endParaRPr lang="en-US" sz="5321" b="0" strike="noStrike" spc="-1">
+              <a:solidFill>
+                <a:srgbClr val="000000"/>
+              </a:solidFill>
+              <a:latin typeface="Arial"/>
+            </a:endParaRPr>
+          </a:p>
+        </p:txBody>
+      </p:sp>
+      <p:sp>
+        <p:nvSpPr>
+          <p:cNvPr id="16" name="PlaceHolder 2"/>
+          <p:cNvSpPr>
+            <a:spLocks noGrp="1"/>
+          </p:cNvSpPr>
+          <p:nvPr>
+            <p:ph/>
+          </p:nvPr>
+        </p:nvSpPr>
+        <p:spPr>
+          <a:xfrm>
+            <a:off x="609562" y="1604399"/>
+            <a:ext cx="5354133" cy="3976819"/>
+          </a:xfrm>
+          <a:prstGeom prst="rect">
+            <a:avLst/>
+          </a:prstGeom>
+          <a:noFill/>
+          <a:ln w="0">
+            <a:noFill/>
+          </a:ln>
+        </p:spPr>
+        <p:txBody>
+          <a:bodyPr lIns="0" tIns="0" rIns="0" bIns="0" anchor="t">
+            <a:normAutofit/>
+          </a:bodyPr>
+          <a:lstStyle>
+            <a:lvl1pPr indent="0">
+              <a:spcBef>
+                <a:spcPts val="1714"/>
+              </a:spcBef>
+              <a:buNone/>
+              <a:defRPr/>
+            </a:lvl1pPr>
+          </a:lstStyle>
+          <a:p>
+            <a:pPr indent="0">
+              <a:spcBef>
+                <a:spcPts val="1417"/>
+              </a:spcBef>
+              <a:buNone/>
+            </a:pPr>
+            <a:endParaRPr lang="en-US" sz="3870" b="0" strike="noStrike" spc="-1">
+              <a:solidFill>
+                <a:srgbClr val="000000"/>
+              </a:solidFill>
+              <a:latin typeface="Arial"/>
+            </a:endParaRPr>
+          </a:p>
+        </p:txBody>
+      </p:sp>
+      <p:sp>
+        <p:nvSpPr>
+          <p:cNvPr id="17" name="PlaceHolder 3"/>
+          <p:cNvSpPr>
+            <a:spLocks noGrp="1"/>
+          </p:cNvSpPr>
+          <p:nvPr>
+            <p:ph/>
+          </p:nvPr>
+        </p:nvSpPr>
+        <p:spPr>
+          <a:xfrm>
+            <a:off x="6231903" y="1604399"/>
+            <a:ext cx="5354133" cy="1896543"/>
+          </a:xfrm>
+          <a:prstGeom prst="rect">
+            <a:avLst/>
+          </a:prstGeom>
+          <a:noFill/>
+          <a:ln w="0">
+            <a:noFill/>
+          </a:ln>
+        </p:spPr>
+        <p:txBody>
+          <a:bodyPr lIns="0" tIns="0" rIns="0" bIns="0" anchor="t">
+            <a:normAutofit/>
+          </a:bodyPr>
+          <a:lstStyle>
+            <a:lvl1pPr indent="0">
+              <a:spcBef>
+                <a:spcPts val="1714"/>
+              </a:spcBef>
+              <a:buNone/>
+              <a:defRPr/>
+            </a:lvl1pPr>
+          </a:lstStyle>
+          <a:p>
+            <a:pPr indent="0">
+              <a:spcBef>
+                <a:spcPts val="1417"/>
+              </a:spcBef>
+              <a:buNone/>
+            </a:pPr>
+            <a:endParaRPr lang="en-US" sz="3870" b="0" strike="noStrike" spc="-1">
+              <a:solidFill>
+                <a:srgbClr val="000000"/>
+              </a:solidFill>
+              <a:latin typeface="Arial"/>
+            </a:endParaRPr>
+          </a:p>
+        </p:txBody>
+      </p:sp>
+      <p:sp>
+        <p:nvSpPr>
+          <p:cNvPr id="18" name="PlaceHolder 4"/>
+          <p:cNvSpPr>
+            <a:spLocks noGrp="1"/>
+          </p:cNvSpPr>
+          <p:nvPr>
+            <p:ph/>
+          </p:nvPr>
+        </p:nvSpPr>
+        <p:spPr>
+          <a:xfrm>
+            <a:off x="6231903" y="3681627"/>
+            <a:ext cx="5354133" cy="1896543"/>
+          </a:xfrm>
+          <a:prstGeom prst="rect">
+            <a:avLst/>
+          </a:prstGeom>
+          <a:noFill/>
+          <a:ln w="0">
+            <a:noFill/>
+          </a:ln>
+        </p:spPr>
+        <p:txBody>
+          <a:bodyPr lIns="0" tIns="0" rIns="0" bIns="0" anchor="t">
+            <a:normAutofit/>
+          </a:bodyPr>
+          <a:lstStyle>
+            <a:lvl1pPr indent="0">
+              <a:spcBef>
+                <a:spcPts val="1714"/>
+              </a:spcBef>
+              <a:buNone/>
+              <a:defRPr/>
+            </a:lvl1pPr>
+          </a:lstStyle>
+          <a:p>
+            <a:pPr indent="0">
+              <a:spcBef>
+                <a:spcPts val="1417"/>
+              </a:spcBef>
+              <a:buNone/>
+            </a:pPr>
+            <a:endParaRPr lang="en-US" sz="3870" b="0" strike="noStrike" spc="-1">
+              <a:solidFill>
+                <a:srgbClr val="000000"/>
+              </a:solidFill>
+              <a:latin typeface="Arial"/>
+            </a:endParaRPr>
+          </a:p>
+        </p:txBody>
+      </p:sp>
+    </p:spTree>
+    <p:extLst>
+      <p:ext uri="{BB962C8B-B14F-4D97-AF65-F5344CB8AC3E}">
+        <p14:creationId xmlns:p14="http://schemas.microsoft.com/office/powerpoint/2010/main" val="883477948"/>
+      </p:ext>
+    </p:extLst>
+  </p:cSld>
+  <p:clrMapOvr>
+    <a:masterClrMapping/>
+  </p:clrMapOvr>
+</p:sldLayout>
+</file>
+
 <file path=ppt/slideLayouts/slideLayout2.xml><?xml version="1.0" encoding="utf-8"?>
 <p:sldLayout xmlns:a="http://schemas.openxmlformats.org/drawingml/2006/main" xmlns:r="http://schemas.openxmlformats.org/officeDocument/2006/relationships" xmlns:p="http://schemas.openxmlformats.org/presentationml/2006/main" type="obj" preserve="1">
   <p:cSld name="Title and Content">
@@ -4093,6 +5802,1090 @@
     <a:masterClrMapping/>
   </p:clrMapOvr>
   <p:hf sldNum="0" hdr="0" ftr="0" dt="0"/>
+</p:sldLayout>
+</file>
+
+<file path=ppt/slideLayouts/slideLayout20.xml><?xml version="1.0" encoding="utf-8"?>
+<p:sldLayout xmlns:a="http://schemas.openxmlformats.org/drawingml/2006/main" xmlns:r="http://schemas.openxmlformats.org/officeDocument/2006/relationships" xmlns:p="http://schemas.openxmlformats.org/presentationml/2006/main" type="twoObjOverTx" preserve="1">
+  <p:cSld name="Title, 2 Content over Content">
+    <p:spTree>
+      <p:nvGrpSpPr>
+        <p:cNvPr id="1" name=""/>
+        <p:cNvGrpSpPr/>
+        <p:nvPr/>
+      </p:nvGrpSpPr>
+      <p:grpSpPr>
+        <a:xfrm>
+          <a:off x="0" y="0"/>
+          <a:ext cx="0" cy="0"/>
+          <a:chOff x="0" y="0"/>
+          <a:chExt cx="0" cy="0"/>
+        </a:xfrm>
+      </p:grpSpPr>
+      <p:sp>
+        <p:nvSpPr>
+          <p:cNvPr id="19" name="PlaceHolder 1"/>
+          <p:cNvSpPr>
+            <a:spLocks noGrp="1"/>
+          </p:cNvSpPr>
+          <p:nvPr>
+            <p:ph type="title"/>
+          </p:nvPr>
+        </p:nvSpPr>
+        <p:spPr>
+          <a:xfrm>
+            <a:off x="609562" y="273422"/>
+            <a:ext cx="10971684" cy="1144631"/>
+          </a:xfrm>
+          <a:prstGeom prst="rect">
+            <a:avLst/>
+          </a:prstGeom>
+          <a:noFill/>
+          <a:ln w="0">
+            <a:noFill/>
+          </a:ln>
+        </p:spPr>
+        <p:txBody>
+          <a:bodyPr lIns="0" tIns="0" rIns="0" bIns="0" anchor="ctr">
+            <a:noAutofit/>
+          </a:bodyPr>
+          <a:lstStyle>
+            <a:lvl1pPr indent="0" algn="ctr">
+              <a:buNone/>
+              <a:defRPr/>
+            </a:lvl1pPr>
+          </a:lstStyle>
+          <a:p>
+            <a:pPr indent="0" algn="ctr">
+              <a:buNone/>
+            </a:pPr>
+            <a:endParaRPr lang="en-US" sz="5321" b="0" strike="noStrike" spc="-1">
+              <a:solidFill>
+                <a:srgbClr val="000000"/>
+              </a:solidFill>
+              <a:latin typeface="Arial"/>
+            </a:endParaRPr>
+          </a:p>
+        </p:txBody>
+      </p:sp>
+      <p:sp>
+        <p:nvSpPr>
+          <p:cNvPr id="20" name="PlaceHolder 2"/>
+          <p:cNvSpPr>
+            <a:spLocks noGrp="1"/>
+          </p:cNvSpPr>
+          <p:nvPr>
+            <p:ph/>
+          </p:nvPr>
+        </p:nvSpPr>
+        <p:spPr>
+          <a:xfrm>
+            <a:off x="609562" y="1604399"/>
+            <a:ext cx="5354133" cy="1896543"/>
+          </a:xfrm>
+          <a:prstGeom prst="rect">
+            <a:avLst/>
+          </a:prstGeom>
+          <a:noFill/>
+          <a:ln w="0">
+            <a:noFill/>
+          </a:ln>
+        </p:spPr>
+        <p:txBody>
+          <a:bodyPr lIns="0" tIns="0" rIns="0" bIns="0" anchor="t">
+            <a:normAutofit/>
+          </a:bodyPr>
+          <a:lstStyle>
+            <a:lvl1pPr indent="0">
+              <a:spcBef>
+                <a:spcPts val="1714"/>
+              </a:spcBef>
+              <a:buNone/>
+              <a:defRPr/>
+            </a:lvl1pPr>
+          </a:lstStyle>
+          <a:p>
+            <a:pPr indent="0">
+              <a:spcBef>
+                <a:spcPts val="1417"/>
+              </a:spcBef>
+              <a:buNone/>
+            </a:pPr>
+            <a:endParaRPr lang="en-US" sz="3870" b="0" strike="noStrike" spc="-1">
+              <a:solidFill>
+                <a:srgbClr val="000000"/>
+              </a:solidFill>
+              <a:latin typeface="Arial"/>
+            </a:endParaRPr>
+          </a:p>
+        </p:txBody>
+      </p:sp>
+      <p:sp>
+        <p:nvSpPr>
+          <p:cNvPr id="21" name="PlaceHolder 3"/>
+          <p:cNvSpPr>
+            <a:spLocks noGrp="1"/>
+          </p:cNvSpPr>
+          <p:nvPr>
+            <p:ph/>
+          </p:nvPr>
+        </p:nvSpPr>
+        <p:spPr>
+          <a:xfrm>
+            <a:off x="6231903" y="1604399"/>
+            <a:ext cx="5354133" cy="1896543"/>
+          </a:xfrm>
+          <a:prstGeom prst="rect">
+            <a:avLst/>
+          </a:prstGeom>
+          <a:noFill/>
+          <a:ln w="0">
+            <a:noFill/>
+          </a:ln>
+        </p:spPr>
+        <p:txBody>
+          <a:bodyPr lIns="0" tIns="0" rIns="0" bIns="0" anchor="t">
+            <a:normAutofit/>
+          </a:bodyPr>
+          <a:lstStyle>
+            <a:lvl1pPr indent="0">
+              <a:spcBef>
+                <a:spcPts val="1714"/>
+              </a:spcBef>
+              <a:buNone/>
+              <a:defRPr/>
+            </a:lvl1pPr>
+          </a:lstStyle>
+          <a:p>
+            <a:pPr indent="0">
+              <a:spcBef>
+                <a:spcPts val="1417"/>
+              </a:spcBef>
+              <a:buNone/>
+            </a:pPr>
+            <a:endParaRPr lang="en-US" sz="3870" b="0" strike="noStrike" spc="-1">
+              <a:solidFill>
+                <a:srgbClr val="000000"/>
+              </a:solidFill>
+              <a:latin typeface="Arial"/>
+            </a:endParaRPr>
+          </a:p>
+        </p:txBody>
+      </p:sp>
+      <p:sp>
+        <p:nvSpPr>
+          <p:cNvPr id="22" name="PlaceHolder 4"/>
+          <p:cNvSpPr>
+            <a:spLocks noGrp="1"/>
+          </p:cNvSpPr>
+          <p:nvPr>
+            <p:ph/>
+          </p:nvPr>
+        </p:nvSpPr>
+        <p:spPr>
+          <a:xfrm>
+            <a:off x="609562" y="3681627"/>
+            <a:ext cx="10971684" cy="1896543"/>
+          </a:xfrm>
+          <a:prstGeom prst="rect">
+            <a:avLst/>
+          </a:prstGeom>
+          <a:noFill/>
+          <a:ln w="0">
+            <a:noFill/>
+          </a:ln>
+        </p:spPr>
+        <p:txBody>
+          <a:bodyPr lIns="0" tIns="0" rIns="0" bIns="0" anchor="t">
+            <a:normAutofit/>
+          </a:bodyPr>
+          <a:lstStyle>
+            <a:lvl1pPr indent="0">
+              <a:spcBef>
+                <a:spcPts val="1714"/>
+              </a:spcBef>
+              <a:buNone/>
+              <a:defRPr/>
+            </a:lvl1pPr>
+          </a:lstStyle>
+          <a:p>
+            <a:pPr indent="0">
+              <a:spcBef>
+                <a:spcPts val="1417"/>
+              </a:spcBef>
+              <a:buNone/>
+            </a:pPr>
+            <a:endParaRPr lang="en-US" sz="3870" b="0" strike="noStrike" spc="-1">
+              <a:solidFill>
+                <a:srgbClr val="000000"/>
+              </a:solidFill>
+              <a:latin typeface="Arial"/>
+            </a:endParaRPr>
+          </a:p>
+        </p:txBody>
+      </p:sp>
+    </p:spTree>
+    <p:extLst>
+      <p:ext uri="{BB962C8B-B14F-4D97-AF65-F5344CB8AC3E}">
+        <p14:creationId xmlns:p14="http://schemas.microsoft.com/office/powerpoint/2010/main" val="1528703436"/>
+      </p:ext>
+    </p:extLst>
+  </p:cSld>
+  <p:clrMapOvr>
+    <a:masterClrMapping/>
+  </p:clrMapOvr>
+</p:sldLayout>
+</file>
+
+<file path=ppt/slideLayouts/slideLayout21.xml><?xml version="1.0" encoding="utf-8"?>
+<p:sldLayout xmlns:a="http://schemas.openxmlformats.org/drawingml/2006/main" xmlns:r="http://schemas.openxmlformats.org/officeDocument/2006/relationships" xmlns:p="http://schemas.openxmlformats.org/presentationml/2006/main" type="objOverTx" preserve="1">
+  <p:cSld name="Title, Content over Content">
+    <p:spTree>
+      <p:nvGrpSpPr>
+        <p:cNvPr id="1" name=""/>
+        <p:cNvGrpSpPr/>
+        <p:nvPr/>
+      </p:nvGrpSpPr>
+      <p:grpSpPr>
+        <a:xfrm>
+          <a:off x="0" y="0"/>
+          <a:ext cx="0" cy="0"/>
+          <a:chOff x="0" y="0"/>
+          <a:chExt cx="0" cy="0"/>
+        </a:xfrm>
+      </p:grpSpPr>
+      <p:sp>
+        <p:nvSpPr>
+          <p:cNvPr id="23" name="PlaceHolder 1"/>
+          <p:cNvSpPr>
+            <a:spLocks noGrp="1"/>
+          </p:cNvSpPr>
+          <p:nvPr>
+            <p:ph type="title"/>
+          </p:nvPr>
+        </p:nvSpPr>
+        <p:spPr>
+          <a:xfrm>
+            <a:off x="609562" y="273422"/>
+            <a:ext cx="10971684" cy="1144631"/>
+          </a:xfrm>
+          <a:prstGeom prst="rect">
+            <a:avLst/>
+          </a:prstGeom>
+          <a:noFill/>
+          <a:ln w="0">
+            <a:noFill/>
+          </a:ln>
+        </p:spPr>
+        <p:txBody>
+          <a:bodyPr lIns="0" tIns="0" rIns="0" bIns="0" anchor="ctr">
+            <a:noAutofit/>
+          </a:bodyPr>
+          <a:lstStyle>
+            <a:lvl1pPr indent="0" algn="ctr">
+              <a:buNone/>
+              <a:defRPr/>
+            </a:lvl1pPr>
+          </a:lstStyle>
+          <a:p>
+            <a:pPr indent="0" algn="ctr">
+              <a:buNone/>
+            </a:pPr>
+            <a:endParaRPr lang="en-US" sz="5321" b="0" strike="noStrike" spc="-1">
+              <a:solidFill>
+                <a:srgbClr val="000000"/>
+              </a:solidFill>
+              <a:latin typeface="Arial"/>
+            </a:endParaRPr>
+          </a:p>
+        </p:txBody>
+      </p:sp>
+      <p:sp>
+        <p:nvSpPr>
+          <p:cNvPr id="24" name="PlaceHolder 2"/>
+          <p:cNvSpPr>
+            <a:spLocks noGrp="1"/>
+          </p:cNvSpPr>
+          <p:nvPr>
+            <p:ph/>
+          </p:nvPr>
+        </p:nvSpPr>
+        <p:spPr>
+          <a:xfrm>
+            <a:off x="609562" y="1604399"/>
+            <a:ext cx="10971684" cy="1896543"/>
+          </a:xfrm>
+          <a:prstGeom prst="rect">
+            <a:avLst/>
+          </a:prstGeom>
+          <a:noFill/>
+          <a:ln w="0">
+            <a:noFill/>
+          </a:ln>
+        </p:spPr>
+        <p:txBody>
+          <a:bodyPr lIns="0" tIns="0" rIns="0" bIns="0" anchor="t">
+            <a:normAutofit/>
+          </a:bodyPr>
+          <a:lstStyle>
+            <a:lvl1pPr indent="0">
+              <a:spcBef>
+                <a:spcPts val="1714"/>
+              </a:spcBef>
+              <a:buNone/>
+              <a:defRPr/>
+            </a:lvl1pPr>
+          </a:lstStyle>
+          <a:p>
+            <a:pPr indent="0">
+              <a:spcBef>
+                <a:spcPts val="1417"/>
+              </a:spcBef>
+              <a:buNone/>
+            </a:pPr>
+            <a:endParaRPr lang="en-US" sz="3870" b="0" strike="noStrike" spc="-1">
+              <a:solidFill>
+                <a:srgbClr val="000000"/>
+              </a:solidFill>
+              <a:latin typeface="Arial"/>
+            </a:endParaRPr>
+          </a:p>
+        </p:txBody>
+      </p:sp>
+      <p:sp>
+        <p:nvSpPr>
+          <p:cNvPr id="25" name="PlaceHolder 3"/>
+          <p:cNvSpPr>
+            <a:spLocks noGrp="1"/>
+          </p:cNvSpPr>
+          <p:nvPr>
+            <p:ph/>
+          </p:nvPr>
+        </p:nvSpPr>
+        <p:spPr>
+          <a:xfrm>
+            <a:off x="609562" y="3681627"/>
+            <a:ext cx="10971684" cy="1896543"/>
+          </a:xfrm>
+          <a:prstGeom prst="rect">
+            <a:avLst/>
+          </a:prstGeom>
+          <a:noFill/>
+          <a:ln w="0">
+            <a:noFill/>
+          </a:ln>
+        </p:spPr>
+        <p:txBody>
+          <a:bodyPr lIns="0" tIns="0" rIns="0" bIns="0" anchor="t">
+            <a:normAutofit/>
+          </a:bodyPr>
+          <a:lstStyle>
+            <a:lvl1pPr indent="0">
+              <a:spcBef>
+                <a:spcPts val="1714"/>
+              </a:spcBef>
+              <a:buNone/>
+              <a:defRPr/>
+            </a:lvl1pPr>
+          </a:lstStyle>
+          <a:p>
+            <a:pPr indent="0">
+              <a:spcBef>
+                <a:spcPts val="1417"/>
+              </a:spcBef>
+              <a:buNone/>
+            </a:pPr>
+            <a:endParaRPr lang="en-US" sz="3870" b="0" strike="noStrike" spc="-1">
+              <a:solidFill>
+                <a:srgbClr val="000000"/>
+              </a:solidFill>
+              <a:latin typeface="Arial"/>
+            </a:endParaRPr>
+          </a:p>
+        </p:txBody>
+      </p:sp>
+    </p:spTree>
+    <p:extLst>
+      <p:ext uri="{BB962C8B-B14F-4D97-AF65-F5344CB8AC3E}">
+        <p14:creationId xmlns:p14="http://schemas.microsoft.com/office/powerpoint/2010/main" val="3612387332"/>
+      </p:ext>
+    </p:extLst>
+  </p:cSld>
+  <p:clrMapOvr>
+    <a:masterClrMapping/>
+  </p:clrMapOvr>
+</p:sldLayout>
+</file>
+
+<file path=ppt/slideLayouts/slideLayout22.xml><?xml version="1.0" encoding="utf-8"?>
+<p:sldLayout xmlns:a="http://schemas.openxmlformats.org/drawingml/2006/main" xmlns:r="http://schemas.openxmlformats.org/officeDocument/2006/relationships" xmlns:p="http://schemas.openxmlformats.org/presentationml/2006/main" type="fourObj" preserve="1">
+  <p:cSld name="Title, 4 Content">
+    <p:spTree>
+      <p:nvGrpSpPr>
+        <p:cNvPr id="1" name=""/>
+        <p:cNvGrpSpPr/>
+        <p:nvPr/>
+      </p:nvGrpSpPr>
+      <p:grpSpPr>
+        <a:xfrm>
+          <a:off x="0" y="0"/>
+          <a:ext cx="0" cy="0"/>
+          <a:chOff x="0" y="0"/>
+          <a:chExt cx="0" cy="0"/>
+        </a:xfrm>
+      </p:grpSpPr>
+      <p:sp>
+        <p:nvSpPr>
+          <p:cNvPr id="26" name="PlaceHolder 1"/>
+          <p:cNvSpPr>
+            <a:spLocks noGrp="1"/>
+          </p:cNvSpPr>
+          <p:nvPr>
+            <p:ph type="title"/>
+          </p:nvPr>
+        </p:nvSpPr>
+        <p:spPr>
+          <a:xfrm>
+            <a:off x="609562" y="273422"/>
+            <a:ext cx="10971684" cy="1144631"/>
+          </a:xfrm>
+          <a:prstGeom prst="rect">
+            <a:avLst/>
+          </a:prstGeom>
+          <a:noFill/>
+          <a:ln w="0">
+            <a:noFill/>
+          </a:ln>
+        </p:spPr>
+        <p:txBody>
+          <a:bodyPr lIns="0" tIns="0" rIns="0" bIns="0" anchor="ctr">
+            <a:noAutofit/>
+          </a:bodyPr>
+          <a:lstStyle>
+            <a:lvl1pPr indent="0" algn="ctr">
+              <a:buNone/>
+              <a:defRPr/>
+            </a:lvl1pPr>
+          </a:lstStyle>
+          <a:p>
+            <a:pPr indent="0" algn="ctr">
+              <a:buNone/>
+            </a:pPr>
+            <a:endParaRPr lang="en-US" sz="5321" b="0" strike="noStrike" spc="-1">
+              <a:solidFill>
+                <a:srgbClr val="000000"/>
+              </a:solidFill>
+              <a:latin typeface="Arial"/>
+            </a:endParaRPr>
+          </a:p>
+        </p:txBody>
+      </p:sp>
+      <p:sp>
+        <p:nvSpPr>
+          <p:cNvPr id="27" name="PlaceHolder 2"/>
+          <p:cNvSpPr>
+            <a:spLocks noGrp="1"/>
+          </p:cNvSpPr>
+          <p:nvPr>
+            <p:ph/>
+          </p:nvPr>
+        </p:nvSpPr>
+        <p:spPr>
+          <a:xfrm>
+            <a:off x="609562" y="1604399"/>
+            <a:ext cx="5354133" cy="1896543"/>
+          </a:xfrm>
+          <a:prstGeom prst="rect">
+            <a:avLst/>
+          </a:prstGeom>
+          <a:noFill/>
+          <a:ln w="0">
+            <a:noFill/>
+          </a:ln>
+        </p:spPr>
+        <p:txBody>
+          <a:bodyPr lIns="0" tIns="0" rIns="0" bIns="0" anchor="t">
+            <a:normAutofit/>
+          </a:bodyPr>
+          <a:lstStyle>
+            <a:lvl1pPr indent="0">
+              <a:spcBef>
+                <a:spcPts val="1714"/>
+              </a:spcBef>
+              <a:buNone/>
+              <a:defRPr/>
+            </a:lvl1pPr>
+          </a:lstStyle>
+          <a:p>
+            <a:pPr indent="0">
+              <a:spcBef>
+                <a:spcPts val="1417"/>
+              </a:spcBef>
+              <a:buNone/>
+            </a:pPr>
+            <a:endParaRPr lang="en-US" sz="3870" b="0" strike="noStrike" spc="-1">
+              <a:solidFill>
+                <a:srgbClr val="000000"/>
+              </a:solidFill>
+              <a:latin typeface="Arial"/>
+            </a:endParaRPr>
+          </a:p>
+        </p:txBody>
+      </p:sp>
+      <p:sp>
+        <p:nvSpPr>
+          <p:cNvPr id="28" name="PlaceHolder 3"/>
+          <p:cNvSpPr>
+            <a:spLocks noGrp="1"/>
+          </p:cNvSpPr>
+          <p:nvPr>
+            <p:ph/>
+          </p:nvPr>
+        </p:nvSpPr>
+        <p:spPr>
+          <a:xfrm>
+            <a:off x="6231903" y="1604399"/>
+            <a:ext cx="5354133" cy="1896543"/>
+          </a:xfrm>
+          <a:prstGeom prst="rect">
+            <a:avLst/>
+          </a:prstGeom>
+          <a:noFill/>
+          <a:ln w="0">
+            <a:noFill/>
+          </a:ln>
+        </p:spPr>
+        <p:txBody>
+          <a:bodyPr lIns="0" tIns="0" rIns="0" bIns="0" anchor="t">
+            <a:normAutofit/>
+          </a:bodyPr>
+          <a:lstStyle>
+            <a:lvl1pPr indent="0">
+              <a:spcBef>
+                <a:spcPts val="1714"/>
+              </a:spcBef>
+              <a:buNone/>
+              <a:defRPr/>
+            </a:lvl1pPr>
+          </a:lstStyle>
+          <a:p>
+            <a:pPr indent="0">
+              <a:spcBef>
+                <a:spcPts val="1417"/>
+              </a:spcBef>
+              <a:buNone/>
+            </a:pPr>
+            <a:endParaRPr lang="en-US" sz="3870" b="0" strike="noStrike" spc="-1">
+              <a:solidFill>
+                <a:srgbClr val="000000"/>
+              </a:solidFill>
+              <a:latin typeface="Arial"/>
+            </a:endParaRPr>
+          </a:p>
+        </p:txBody>
+      </p:sp>
+      <p:sp>
+        <p:nvSpPr>
+          <p:cNvPr id="29" name="PlaceHolder 4"/>
+          <p:cNvSpPr>
+            <a:spLocks noGrp="1"/>
+          </p:cNvSpPr>
+          <p:nvPr>
+            <p:ph/>
+          </p:nvPr>
+        </p:nvSpPr>
+        <p:spPr>
+          <a:xfrm>
+            <a:off x="609562" y="3681627"/>
+            <a:ext cx="5354133" cy="1896543"/>
+          </a:xfrm>
+          <a:prstGeom prst="rect">
+            <a:avLst/>
+          </a:prstGeom>
+          <a:noFill/>
+          <a:ln w="0">
+            <a:noFill/>
+          </a:ln>
+        </p:spPr>
+        <p:txBody>
+          <a:bodyPr lIns="0" tIns="0" rIns="0" bIns="0" anchor="t">
+            <a:normAutofit/>
+          </a:bodyPr>
+          <a:lstStyle>
+            <a:lvl1pPr indent="0">
+              <a:spcBef>
+                <a:spcPts val="1714"/>
+              </a:spcBef>
+              <a:buNone/>
+              <a:defRPr/>
+            </a:lvl1pPr>
+          </a:lstStyle>
+          <a:p>
+            <a:pPr indent="0">
+              <a:spcBef>
+                <a:spcPts val="1417"/>
+              </a:spcBef>
+              <a:buNone/>
+            </a:pPr>
+            <a:endParaRPr lang="en-US" sz="3870" b="0" strike="noStrike" spc="-1">
+              <a:solidFill>
+                <a:srgbClr val="000000"/>
+              </a:solidFill>
+              <a:latin typeface="Arial"/>
+            </a:endParaRPr>
+          </a:p>
+        </p:txBody>
+      </p:sp>
+      <p:sp>
+        <p:nvSpPr>
+          <p:cNvPr id="30" name="PlaceHolder 5"/>
+          <p:cNvSpPr>
+            <a:spLocks noGrp="1"/>
+          </p:cNvSpPr>
+          <p:nvPr>
+            <p:ph/>
+          </p:nvPr>
+        </p:nvSpPr>
+        <p:spPr>
+          <a:xfrm>
+            <a:off x="6231903" y="3681627"/>
+            <a:ext cx="5354133" cy="1896543"/>
+          </a:xfrm>
+          <a:prstGeom prst="rect">
+            <a:avLst/>
+          </a:prstGeom>
+          <a:noFill/>
+          <a:ln w="0">
+            <a:noFill/>
+          </a:ln>
+        </p:spPr>
+        <p:txBody>
+          <a:bodyPr lIns="0" tIns="0" rIns="0" bIns="0" anchor="t">
+            <a:normAutofit/>
+          </a:bodyPr>
+          <a:lstStyle>
+            <a:lvl1pPr indent="0">
+              <a:spcBef>
+                <a:spcPts val="1714"/>
+              </a:spcBef>
+              <a:buNone/>
+              <a:defRPr/>
+            </a:lvl1pPr>
+          </a:lstStyle>
+          <a:p>
+            <a:pPr indent="0">
+              <a:spcBef>
+                <a:spcPts val="1417"/>
+              </a:spcBef>
+              <a:buNone/>
+            </a:pPr>
+            <a:endParaRPr lang="en-US" sz="3870" b="0" strike="noStrike" spc="-1">
+              <a:solidFill>
+                <a:srgbClr val="000000"/>
+              </a:solidFill>
+              <a:latin typeface="Arial"/>
+            </a:endParaRPr>
+          </a:p>
+        </p:txBody>
+      </p:sp>
+    </p:spTree>
+    <p:extLst>
+      <p:ext uri="{BB962C8B-B14F-4D97-AF65-F5344CB8AC3E}">
+        <p14:creationId xmlns:p14="http://schemas.microsoft.com/office/powerpoint/2010/main" val="1134018045"/>
+      </p:ext>
+    </p:extLst>
+  </p:cSld>
+  <p:clrMapOvr>
+    <a:masterClrMapping/>
+  </p:clrMapOvr>
+</p:sldLayout>
+</file>
+
+<file path=ppt/slideLayouts/slideLayout23.xml><?xml version="1.0" encoding="utf-8"?>
+<p:sldLayout xmlns:a="http://schemas.openxmlformats.org/drawingml/2006/main" xmlns:r="http://schemas.openxmlformats.org/officeDocument/2006/relationships" xmlns:p="http://schemas.openxmlformats.org/presentationml/2006/main" type="blank" preserve="1">
+  <p:cSld name="Title, 6 Content">
+    <p:spTree>
+      <p:nvGrpSpPr>
+        <p:cNvPr id="1" name=""/>
+        <p:cNvGrpSpPr/>
+        <p:nvPr/>
+      </p:nvGrpSpPr>
+      <p:grpSpPr>
+        <a:xfrm>
+          <a:off x="0" y="0"/>
+          <a:ext cx="0" cy="0"/>
+          <a:chOff x="0" y="0"/>
+          <a:chExt cx="0" cy="0"/>
+        </a:xfrm>
+      </p:grpSpPr>
+      <p:sp>
+        <p:nvSpPr>
+          <p:cNvPr id="31" name="PlaceHolder 1"/>
+          <p:cNvSpPr>
+            <a:spLocks noGrp="1"/>
+          </p:cNvSpPr>
+          <p:nvPr>
+            <p:ph type="title"/>
+          </p:nvPr>
+        </p:nvSpPr>
+        <p:spPr>
+          <a:xfrm>
+            <a:off x="609562" y="273422"/>
+            <a:ext cx="10971684" cy="1144631"/>
+          </a:xfrm>
+          <a:prstGeom prst="rect">
+            <a:avLst/>
+          </a:prstGeom>
+          <a:noFill/>
+          <a:ln w="0">
+            <a:noFill/>
+          </a:ln>
+        </p:spPr>
+        <p:txBody>
+          <a:bodyPr lIns="0" tIns="0" rIns="0" bIns="0" anchor="ctr">
+            <a:noAutofit/>
+          </a:bodyPr>
+          <a:lstStyle>
+            <a:lvl1pPr indent="0" algn="ctr">
+              <a:buNone/>
+              <a:defRPr/>
+            </a:lvl1pPr>
+          </a:lstStyle>
+          <a:p>
+            <a:pPr indent="0" algn="ctr">
+              <a:buNone/>
+            </a:pPr>
+            <a:endParaRPr lang="en-US" sz="5321" b="0" strike="noStrike" spc="-1">
+              <a:solidFill>
+                <a:srgbClr val="000000"/>
+              </a:solidFill>
+              <a:latin typeface="Arial"/>
+            </a:endParaRPr>
+          </a:p>
+        </p:txBody>
+      </p:sp>
+      <p:sp>
+        <p:nvSpPr>
+          <p:cNvPr id="32" name="PlaceHolder 2"/>
+          <p:cNvSpPr>
+            <a:spLocks noGrp="1"/>
+          </p:cNvSpPr>
+          <p:nvPr>
+            <p:ph/>
+          </p:nvPr>
+        </p:nvSpPr>
+        <p:spPr>
+          <a:xfrm>
+            <a:off x="609562" y="1604399"/>
+            <a:ext cx="3532413" cy="1896543"/>
+          </a:xfrm>
+          <a:prstGeom prst="rect">
+            <a:avLst/>
+          </a:prstGeom>
+          <a:noFill/>
+          <a:ln w="0">
+            <a:noFill/>
+          </a:ln>
+        </p:spPr>
+        <p:txBody>
+          <a:bodyPr lIns="0" tIns="0" rIns="0" bIns="0" anchor="t">
+            <a:normAutofit/>
+          </a:bodyPr>
+          <a:lstStyle>
+            <a:lvl1pPr indent="0">
+              <a:spcBef>
+                <a:spcPts val="1714"/>
+              </a:spcBef>
+              <a:buNone/>
+              <a:defRPr/>
+            </a:lvl1pPr>
+          </a:lstStyle>
+          <a:p>
+            <a:pPr indent="0">
+              <a:spcBef>
+                <a:spcPts val="1417"/>
+              </a:spcBef>
+              <a:buNone/>
+            </a:pPr>
+            <a:endParaRPr lang="en-US" sz="3870" b="0" strike="noStrike" spc="-1">
+              <a:solidFill>
+                <a:srgbClr val="000000"/>
+              </a:solidFill>
+              <a:latin typeface="Arial"/>
+            </a:endParaRPr>
+          </a:p>
+        </p:txBody>
+      </p:sp>
+      <p:sp>
+        <p:nvSpPr>
+          <p:cNvPr id="33" name="PlaceHolder 3"/>
+          <p:cNvSpPr>
+            <a:spLocks noGrp="1"/>
+          </p:cNvSpPr>
+          <p:nvPr>
+            <p:ph/>
+          </p:nvPr>
+        </p:nvSpPr>
+        <p:spPr>
+          <a:xfrm>
+            <a:off x="4319184" y="1604399"/>
+            <a:ext cx="3532413" cy="1896543"/>
+          </a:xfrm>
+          <a:prstGeom prst="rect">
+            <a:avLst/>
+          </a:prstGeom>
+          <a:noFill/>
+          <a:ln w="0">
+            <a:noFill/>
+          </a:ln>
+        </p:spPr>
+        <p:txBody>
+          <a:bodyPr lIns="0" tIns="0" rIns="0" bIns="0" anchor="t">
+            <a:normAutofit/>
+          </a:bodyPr>
+          <a:lstStyle>
+            <a:lvl1pPr indent="0">
+              <a:spcBef>
+                <a:spcPts val="1714"/>
+              </a:spcBef>
+              <a:buNone/>
+              <a:defRPr/>
+            </a:lvl1pPr>
+          </a:lstStyle>
+          <a:p>
+            <a:pPr indent="0">
+              <a:spcBef>
+                <a:spcPts val="1417"/>
+              </a:spcBef>
+              <a:buNone/>
+            </a:pPr>
+            <a:endParaRPr lang="en-US" sz="3870" b="0" strike="noStrike" spc="-1">
+              <a:solidFill>
+                <a:srgbClr val="000000"/>
+              </a:solidFill>
+              <a:latin typeface="Arial"/>
+            </a:endParaRPr>
+          </a:p>
+        </p:txBody>
+      </p:sp>
+      <p:sp>
+        <p:nvSpPr>
+          <p:cNvPr id="34" name="PlaceHolder 4"/>
+          <p:cNvSpPr>
+            <a:spLocks noGrp="1"/>
+          </p:cNvSpPr>
+          <p:nvPr>
+            <p:ph/>
+          </p:nvPr>
+        </p:nvSpPr>
+        <p:spPr>
+          <a:xfrm>
+            <a:off x="8028370" y="1604399"/>
+            <a:ext cx="3532413" cy="1896543"/>
+          </a:xfrm>
+          <a:prstGeom prst="rect">
+            <a:avLst/>
+          </a:prstGeom>
+          <a:noFill/>
+          <a:ln w="0">
+            <a:noFill/>
+          </a:ln>
+        </p:spPr>
+        <p:txBody>
+          <a:bodyPr lIns="0" tIns="0" rIns="0" bIns="0" anchor="t">
+            <a:normAutofit/>
+          </a:bodyPr>
+          <a:lstStyle>
+            <a:lvl1pPr indent="0">
+              <a:spcBef>
+                <a:spcPts val="1714"/>
+              </a:spcBef>
+              <a:buNone/>
+              <a:defRPr/>
+            </a:lvl1pPr>
+          </a:lstStyle>
+          <a:p>
+            <a:pPr indent="0">
+              <a:spcBef>
+                <a:spcPts val="1417"/>
+              </a:spcBef>
+              <a:buNone/>
+            </a:pPr>
+            <a:endParaRPr lang="en-US" sz="3870" b="0" strike="noStrike" spc="-1">
+              <a:solidFill>
+                <a:srgbClr val="000000"/>
+              </a:solidFill>
+              <a:latin typeface="Arial"/>
+            </a:endParaRPr>
+          </a:p>
+        </p:txBody>
+      </p:sp>
+      <p:sp>
+        <p:nvSpPr>
+          <p:cNvPr id="35" name="PlaceHolder 5"/>
+          <p:cNvSpPr>
+            <a:spLocks noGrp="1"/>
+          </p:cNvSpPr>
+          <p:nvPr>
+            <p:ph/>
+          </p:nvPr>
+        </p:nvSpPr>
+        <p:spPr>
+          <a:xfrm>
+            <a:off x="609562" y="3681627"/>
+            <a:ext cx="3532413" cy="1896543"/>
+          </a:xfrm>
+          <a:prstGeom prst="rect">
+            <a:avLst/>
+          </a:prstGeom>
+          <a:noFill/>
+          <a:ln w="0">
+            <a:noFill/>
+          </a:ln>
+        </p:spPr>
+        <p:txBody>
+          <a:bodyPr lIns="0" tIns="0" rIns="0" bIns="0" anchor="t">
+            <a:normAutofit/>
+          </a:bodyPr>
+          <a:lstStyle>
+            <a:lvl1pPr indent="0">
+              <a:spcBef>
+                <a:spcPts val="1714"/>
+              </a:spcBef>
+              <a:buNone/>
+              <a:defRPr/>
+            </a:lvl1pPr>
+          </a:lstStyle>
+          <a:p>
+            <a:pPr indent="0">
+              <a:spcBef>
+                <a:spcPts val="1417"/>
+              </a:spcBef>
+              <a:buNone/>
+            </a:pPr>
+            <a:endParaRPr lang="en-US" sz="3870" b="0" strike="noStrike" spc="-1">
+              <a:solidFill>
+                <a:srgbClr val="000000"/>
+              </a:solidFill>
+              <a:latin typeface="Arial"/>
+            </a:endParaRPr>
+          </a:p>
+        </p:txBody>
+      </p:sp>
+      <p:sp>
+        <p:nvSpPr>
+          <p:cNvPr id="36" name="PlaceHolder 6"/>
+          <p:cNvSpPr>
+            <a:spLocks noGrp="1"/>
+          </p:cNvSpPr>
+          <p:nvPr>
+            <p:ph/>
+          </p:nvPr>
+        </p:nvSpPr>
+        <p:spPr>
+          <a:xfrm>
+            <a:off x="4319184" y="3681627"/>
+            <a:ext cx="3532413" cy="1896543"/>
+          </a:xfrm>
+          <a:prstGeom prst="rect">
+            <a:avLst/>
+          </a:prstGeom>
+          <a:noFill/>
+          <a:ln w="0">
+            <a:noFill/>
+          </a:ln>
+        </p:spPr>
+        <p:txBody>
+          <a:bodyPr lIns="0" tIns="0" rIns="0" bIns="0" anchor="t">
+            <a:normAutofit/>
+          </a:bodyPr>
+          <a:lstStyle>
+            <a:lvl1pPr indent="0">
+              <a:spcBef>
+                <a:spcPts val="1714"/>
+              </a:spcBef>
+              <a:buNone/>
+              <a:defRPr/>
+            </a:lvl1pPr>
+          </a:lstStyle>
+          <a:p>
+            <a:pPr indent="0">
+              <a:spcBef>
+                <a:spcPts val="1417"/>
+              </a:spcBef>
+              <a:buNone/>
+            </a:pPr>
+            <a:endParaRPr lang="en-US" sz="3870" b="0" strike="noStrike" spc="-1">
+              <a:solidFill>
+                <a:srgbClr val="000000"/>
+              </a:solidFill>
+              <a:latin typeface="Arial"/>
+            </a:endParaRPr>
+          </a:p>
+        </p:txBody>
+      </p:sp>
+      <p:sp>
+        <p:nvSpPr>
+          <p:cNvPr id="37" name="PlaceHolder 7"/>
+          <p:cNvSpPr>
+            <a:spLocks noGrp="1"/>
+          </p:cNvSpPr>
+          <p:nvPr>
+            <p:ph/>
+          </p:nvPr>
+        </p:nvSpPr>
+        <p:spPr>
+          <a:xfrm>
+            <a:off x="8028370" y="3681627"/>
+            <a:ext cx="3532413" cy="1896543"/>
+          </a:xfrm>
+          <a:prstGeom prst="rect">
+            <a:avLst/>
+          </a:prstGeom>
+          <a:noFill/>
+          <a:ln w="0">
+            <a:noFill/>
+          </a:ln>
+        </p:spPr>
+        <p:txBody>
+          <a:bodyPr lIns="0" tIns="0" rIns="0" bIns="0" anchor="t">
+            <a:normAutofit/>
+          </a:bodyPr>
+          <a:lstStyle>
+            <a:lvl1pPr indent="0">
+              <a:spcBef>
+                <a:spcPts val="1714"/>
+              </a:spcBef>
+              <a:buNone/>
+              <a:defRPr/>
+            </a:lvl1pPr>
+          </a:lstStyle>
+          <a:p>
+            <a:pPr indent="0">
+              <a:spcBef>
+                <a:spcPts val="1417"/>
+              </a:spcBef>
+              <a:buNone/>
+            </a:pPr>
+            <a:endParaRPr lang="en-US" sz="3870" b="0" strike="noStrike" spc="-1">
+              <a:solidFill>
+                <a:srgbClr val="000000"/>
+              </a:solidFill>
+              <a:latin typeface="Arial"/>
+            </a:endParaRPr>
+          </a:p>
+        </p:txBody>
+      </p:sp>
+    </p:spTree>
+    <p:extLst>
+      <p:ext uri="{BB962C8B-B14F-4D97-AF65-F5344CB8AC3E}">
+        <p14:creationId xmlns:p14="http://schemas.microsoft.com/office/powerpoint/2010/main" val="1865394244"/>
+      </p:ext>
+    </p:extLst>
+  </p:cSld>
+  <p:clrMapOvr>
+    <a:masterClrMapping/>
+  </p:clrMapOvr>
 </p:sldLayout>
 </file>
 
@@ -5907,6 +8700,565 @@
       </a:lvl8pPr>
       <a:lvl9pPr marL="3657600" algn="l" defTabSz="914400" rtl="0" eaLnBrk="1" latinLnBrk="0" hangingPunct="1">
         <a:defRPr sz="1800" kern="1200">
+          <a:solidFill>
+            <a:schemeClr val="tx1"/>
+          </a:solidFill>
+          <a:latin typeface="+mn-lt"/>
+          <a:ea typeface="+mn-ea"/>
+          <a:cs typeface="+mn-cs"/>
+        </a:defRPr>
+      </a:lvl9pPr>
+    </p:otherStyle>
+  </p:txStyles>
+</p:sldMaster>
+</file>
+
+<file path=ppt/slideMasters/slideMaster2.xml><?xml version="1.0" encoding="utf-8"?>
+<p:sldMaster xmlns:a="http://schemas.openxmlformats.org/drawingml/2006/main" xmlns:r="http://schemas.openxmlformats.org/officeDocument/2006/relationships" xmlns:p="http://schemas.openxmlformats.org/presentationml/2006/main">
+  <p:cSld>
+    <p:bg>
+      <p:bgRef idx="1001">
+        <a:schemeClr val="bg1"/>
+      </p:bgRef>
+    </p:bg>
+    <p:spTree>
+      <p:nvGrpSpPr>
+        <p:cNvPr id="1" name=""/>
+        <p:cNvGrpSpPr/>
+        <p:nvPr/>
+      </p:nvGrpSpPr>
+      <p:grpSpPr>
+        <a:xfrm>
+          <a:off x="0" y="0"/>
+          <a:ext cx="0" cy="0"/>
+          <a:chOff x="0" y="0"/>
+          <a:chExt cx="0" cy="0"/>
+        </a:xfrm>
+      </p:grpSpPr>
+      <p:sp>
+        <p:nvSpPr>
+          <p:cNvPr id="2" name="PlaceHolder 1"/>
+          <p:cNvSpPr>
+            <a:spLocks noGrp="1"/>
+          </p:cNvSpPr>
+          <p:nvPr>
+            <p:ph type="title"/>
+          </p:nvPr>
+        </p:nvSpPr>
+        <p:spPr>
+          <a:xfrm>
+            <a:off x="609562" y="273422"/>
+            <a:ext cx="10971684" cy="1144631"/>
+          </a:xfrm>
+          <a:prstGeom prst="rect">
+            <a:avLst/>
+          </a:prstGeom>
+          <a:noFill/>
+          <a:ln w="0">
+            <a:noFill/>
+          </a:ln>
+        </p:spPr>
+        <p:txBody>
+          <a:bodyPr lIns="0" tIns="0" rIns="0" bIns="0" anchor="ctr">
+            <a:noAutofit/>
+          </a:bodyPr>
+          <a:lstStyle/>
+          <a:p>
+            <a:pPr indent="0" algn="ctr">
+              <a:buNone/>
+            </a:pPr>
+            <a:r>
+              <a:rPr lang="en-US" sz="5321" b="0" strike="noStrike" spc="-1">
+                <a:solidFill>
+                  <a:srgbClr val="000000"/>
+                </a:solidFill>
+                <a:latin typeface="Arial"/>
+              </a:rPr>
+              <a:t>Clique para editar o formato do texto do título</a:t>
+            </a:r>
+          </a:p>
+        </p:txBody>
+      </p:sp>
+      <p:sp>
+        <p:nvSpPr>
+          <p:cNvPr id="3" name="PlaceHolder 2"/>
+          <p:cNvSpPr>
+            <a:spLocks noGrp="1"/>
+          </p:cNvSpPr>
+          <p:nvPr>
+            <p:ph type="body"/>
+          </p:nvPr>
+        </p:nvSpPr>
+        <p:spPr>
+          <a:xfrm>
+            <a:off x="609562" y="1604399"/>
+            <a:ext cx="10971684" cy="3976819"/>
+          </a:xfrm>
+          <a:prstGeom prst="rect">
+            <a:avLst/>
+          </a:prstGeom>
+          <a:noFill/>
+          <a:ln w="0">
+            <a:noFill/>
+          </a:ln>
+        </p:spPr>
+        <p:txBody>
+          <a:bodyPr lIns="0" tIns="0" rIns="0" bIns="0" anchor="t">
+            <a:normAutofit/>
+          </a:bodyPr>
+          <a:lstStyle/>
+          <a:p>
+            <a:pPr marL="432000" indent="-324000">
+              <a:spcBef>
+                <a:spcPts val="1417"/>
+              </a:spcBef>
+              <a:buClr>
+                <a:srgbClr val="000000"/>
+              </a:buClr>
+              <a:buSzPct val="45000"/>
+              <a:buFont typeface="Wingdings" charset="2"/>
+              <a:buChar char=""/>
+            </a:pPr>
+            <a:r>
+              <a:rPr lang="en-US" sz="3870" b="0" strike="noStrike" spc="-1">
+                <a:solidFill>
+                  <a:srgbClr val="000000"/>
+                </a:solidFill>
+                <a:latin typeface="Arial"/>
+              </a:rPr>
+              <a:t>Clique para editar o formato de texto dos tópicos</a:t>
+            </a:r>
+          </a:p>
+          <a:p>
+            <a:pPr marL="1044922" lvl="1" indent="-391846">
+              <a:spcBef>
+                <a:spcPts val="1371"/>
+              </a:spcBef>
+              <a:buClr>
+                <a:srgbClr val="000000"/>
+              </a:buClr>
+              <a:buSzPct val="75000"/>
+              <a:buFont typeface="Symbol" charset="2"/>
+              <a:buChar char=""/>
+            </a:pPr>
+            <a:r>
+              <a:rPr lang="en-US" sz="3386" b="0" strike="noStrike" spc="-1">
+                <a:solidFill>
+                  <a:srgbClr val="000000"/>
+                </a:solidFill>
+                <a:latin typeface="Arial"/>
+              </a:rPr>
+              <a:t>2.º nível de tópicos</a:t>
+            </a:r>
+          </a:p>
+          <a:p>
+            <a:pPr marL="1567382" lvl="2" indent="-348307">
+              <a:spcBef>
+                <a:spcPts val="1028"/>
+              </a:spcBef>
+              <a:buClr>
+                <a:srgbClr val="000000"/>
+              </a:buClr>
+              <a:buSzPct val="45000"/>
+              <a:buFont typeface="Wingdings" charset="2"/>
+              <a:buChar char=""/>
+            </a:pPr>
+            <a:r>
+              <a:rPr lang="en-US" sz="2903" b="0" strike="noStrike" spc="-1">
+                <a:solidFill>
+                  <a:srgbClr val="000000"/>
+                </a:solidFill>
+                <a:latin typeface="Arial"/>
+              </a:rPr>
+              <a:t>3.º nível de tópicos</a:t>
+            </a:r>
+          </a:p>
+          <a:p>
+            <a:pPr marL="2089843" lvl="3" indent="-261230">
+              <a:spcBef>
+                <a:spcPts val="686"/>
+              </a:spcBef>
+              <a:buClr>
+                <a:srgbClr val="000000"/>
+              </a:buClr>
+              <a:buSzPct val="75000"/>
+              <a:buFont typeface="Symbol" charset="2"/>
+              <a:buChar char=""/>
+            </a:pPr>
+            <a:r>
+              <a:rPr lang="en-US" sz="2419" b="0" strike="noStrike" spc="-1">
+                <a:solidFill>
+                  <a:srgbClr val="000000"/>
+                </a:solidFill>
+                <a:latin typeface="Arial"/>
+              </a:rPr>
+              <a:t>4.º nível de tópicos</a:t>
+            </a:r>
+          </a:p>
+          <a:p>
+            <a:pPr marL="2612304" lvl="4" indent="-261230">
+              <a:spcBef>
+                <a:spcPts val="342"/>
+              </a:spcBef>
+              <a:buClr>
+                <a:srgbClr val="000000"/>
+              </a:buClr>
+              <a:buSzPct val="45000"/>
+              <a:buFont typeface="Wingdings" charset="2"/>
+              <a:buChar char=""/>
+            </a:pPr>
+            <a:r>
+              <a:rPr lang="en-US" sz="2419" b="0" strike="noStrike" spc="-1">
+                <a:solidFill>
+                  <a:srgbClr val="000000"/>
+                </a:solidFill>
+                <a:latin typeface="Arial"/>
+              </a:rPr>
+              <a:t>5.º nível de tópicos</a:t>
+            </a:r>
+          </a:p>
+          <a:p>
+            <a:pPr marL="3134765" lvl="5" indent="-261230">
+              <a:spcBef>
+                <a:spcPts val="342"/>
+              </a:spcBef>
+              <a:buClr>
+                <a:srgbClr val="000000"/>
+              </a:buClr>
+              <a:buSzPct val="45000"/>
+              <a:buFont typeface="Wingdings" charset="2"/>
+              <a:buChar char=""/>
+            </a:pPr>
+            <a:r>
+              <a:rPr lang="en-US" sz="2419" b="0" strike="noStrike" spc="-1">
+                <a:solidFill>
+                  <a:srgbClr val="000000"/>
+                </a:solidFill>
+                <a:latin typeface="Arial"/>
+              </a:rPr>
+              <a:t>6.º nível de tópicos</a:t>
+            </a:r>
+          </a:p>
+          <a:p>
+            <a:pPr marL="3657226" lvl="6" indent="-261230">
+              <a:spcBef>
+                <a:spcPts val="342"/>
+              </a:spcBef>
+              <a:buClr>
+                <a:srgbClr val="000000"/>
+              </a:buClr>
+              <a:buSzPct val="45000"/>
+              <a:buFont typeface="Wingdings" charset="2"/>
+              <a:buChar char=""/>
+            </a:pPr>
+            <a:r>
+              <a:rPr lang="en-US" sz="2419" b="0" strike="noStrike" spc="-1">
+                <a:solidFill>
+                  <a:srgbClr val="000000"/>
+                </a:solidFill>
+                <a:latin typeface="Arial"/>
+              </a:rPr>
+              <a:t>7.º nível de tópicos</a:t>
+            </a:r>
+          </a:p>
+        </p:txBody>
+      </p:sp>
+    </p:spTree>
+    <p:extLst>
+      <p:ext uri="{BB962C8B-B14F-4D97-AF65-F5344CB8AC3E}">
+        <p14:creationId xmlns:p14="http://schemas.microsoft.com/office/powerpoint/2010/main" val="1090862023"/>
+      </p:ext>
+    </p:extLst>
+  </p:cSld>
+  <p:clrMap bg1="lt1" tx1="dk1" bg2="lt2" tx2="dk2" accent1="accent1" accent2="accent2" accent3="accent3" accent4="accent4" accent5="accent5" accent6="accent6" hlink="hlink" folHlink="folHlink"/>
+  <p:sldLayoutIdLst>
+    <p:sldLayoutId id="2147483664" r:id="rId1"/>
+    <p:sldLayoutId id="2147483665" r:id="rId2"/>
+    <p:sldLayoutId id="2147483666" r:id="rId3"/>
+    <p:sldLayoutId id="2147483667" r:id="rId4"/>
+    <p:sldLayoutId id="2147483668" r:id="rId5"/>
+    <p:sldLayoutId id="2147483669" r:id="rId6"/>
+    <p:sldLayoutId id="2147483670" r:id="rId7"/>
+    <p:sldLayoutId id="2147483671" r:id="rId8"/>
+    <p:sldLayoutId id="2147483672" r:id="rId9"/>
+    <p:sldLayoutId id="2147483673" r:id="rId10"/>
+    <p:sldLayoutId id="2147483674" r:id="rId11"/>
+    <p:sldLayoutId id="2147483675" r:id="rId12"/>
+  </p:sldLayoutIdLst>
+  <p:txStyles>
+    <p:titleStyle>
+      <a:lvl1pPr indent="0" algn="ctr" defTabSz="1105875" rtl="0" eaLnBrk="1" latinLnBrk="0" hangingPunct="1">
+        <a:lnSpc>
+          <a:spcPct val="90000"/>
+        </a:lnSpc>
+        <a:spcBef>
+          <a:spcPct val="0"/>
+        </a:spcBef>
+        <a:buNone/>
+        <a:defRPr sz="5321" kern="1200">
+          <a:solidFill>
+            <a:schemeClr val="tx1"/>
+          </a:solidFill>
+          <a:latin typeface="+mj-lt"/>
+          <a:ea typeface="+mj-ea"/>
+          <a:cs typeface="+mj-cs"/>
+        </a:defRPr>
+      </a:lvl1pPr>
+    </p:titleStyle>
+    <p:bodyStyle>
+      <a:lvl1pPr marL="522461" indent="-391846" algn="l" defTabSz="1105875" rtl="0" eaLnBrk="1" latinLnBrk="0" hangingPunct="1">
+        <a:lnSpc>
+          <a:spcPct val="90000"/>
+        </a:lnSpc>
+        <a:spcBef>
+          <a:spcPts val="1714"/>
+        </a:spcBef>
+        <a:buClr>
+          <a:srgbClr val="000000"/>
+        </a:buClr>
+        <a:buSzPct val="45000"/>
+        <a:buFont typeface="Wingdings" charset="2"/>
+        <a:buChar char=""/>
+        <a:defRPr sz="3386" kern="1200">
+          <a:solidFill>
+            <a:schemeClr val="tx1"/>
+          </a:solidFill>
+          <a:latin typeface="+mn-lt"/>
+          <a:ea typeface="+mn-ea"/>
+          <a:cs typeface="+mn-cs"/>
+        </a:defRPr>
+      </a:lvl1pPr>
+      <a:lvl2pPr marL="829407" indent="-276469" algn="l" defTabSz="1105875" rtl="0" eaLnBrk="1" latinLnBrk="0" hangingPunct="1">
+        <a:lnSpc>
+          <a:spcPct val="90000"/>
+        </a:lnSpc>
+        <a:spcBef>
+          <a:spcPts val="605"/>
+        </a:spcBef>
+        <a:buFont typeface="Arial" panose="020B0604020202020204" pitchFamily="34" charset="0"/>
+        <a:buChar char="•"/>
+        <a:defRPr sz="2903" kern="1200">
+          <a:solidFill>
+            <a:schemeClr val="tx1"/>
+          </a:solidFill>
+          <a:latin typeface="+mn-lt"/>
+          <a:ea typeface="+mn-ea"/>
+          <a:cs typeface="+mn-cs"/>
+        </a:defRPr>
+      </a:lvl2pPr>
+      <a:lvl3pPr marL="1382344" indent="-276469" algn="l" defTabSz="1105875" rtl="0" eaLnBrk="1" latinLnBrk="0" hangingPunct="1">
+        <a:lnSpc>
+          <a:spcPct val="90000"/>
+        </a:lnSpc>
+        <a:spcBef>
+          <a:spcPts val="605"/>
+        </a:spcBef>
+        <a:buFont typeface="Arial" panose="020B0604020202020204" pitchFamily="34" charset="0"/>
+        <a:buChar char="•"/>
+        <a:defRPr sz="2419" kern="1200">
+          <a:solidFill>
+            <a:schemeClr val="tx1"/>
+          </a:solidFill>
+          <a:latin typeface="+mn-lt"/>
+          <a:ea typeface="+mn-ea"/>
+          <a:cs typeface="+mn-cs"/>
+        </a:defRPr>
+      </a:lvl3pPr>
+      <a:lvl4pPr marL="1935282" indent="-276469" algn="l" defTabSz="1105875" rtl="0" eaLnBrk="1" latinLnBrk="0" hangingPunct="1">
+        <a:lnSpc>
+          <a:spcPct val="90000"/>
+        </a:lnSpc>
+        <a:spcBef>
+          <a:spcPts val="605"/>
+        </a:spcBef>
+        <a:buFont typeface="Arial" panose="020B0604020202020204" pitchFamily="34" charset="0"/>
+        <a:buChar char="•"/>
+        <a:defRPr sz="2177" kern="1200">
+          <a:solidFill>
+            <a:schemeClr val="tx1"/>
+          </a:solidFill>
+          <a:latin typeface="+mn-lt"/>
+          <a:ea typeface="+mn-ea"/>
+          <a:cs typeface="+mn-cs"/>
+        </a:defRPr>
+      </a:lvl4pPr>
+      <a:lvl5pPr marL="2488220" indent="-276469" algn="l" defTabSz="1105875" rtl="0" eaLnBrk="1" latinLnBrk="0" hangingPunct="1">
+        <a:lnSpc>
+          <a:spcPct val="90000"/>
+        </a:lnSpc>
+        <a:spcBef>
+          <a:spcPts val="605"/>
+        </a:spcBef>
+        <a:buFont typeface="Arial" panose="020B0604020202020204" pitchFamily="34" charset="0"/>
+        <a:buChar char="•"/>
+        <a:defRPr sz="2177" kern="1200">
+          <a:solidFill>
+            <a:schemeClr val="tx1"/>
+          </a:solidFill>
+          <a:latin typeface="+mn-lt"/>
+          <a:ea typeface="+mn-ea"/>
+          <a:cs typeface="+mn-cs"/>
+        </a:defRPr>
+      </a:lvl5pPr>
+      <a:lvl6pPr marL="3041157" indent="-276469" algn="l" defTabSz="1105875" rtl="0" eaLnBrk="1" latinLnBrk="0" hangingPunct="1">
+        <a:lnSpc>
+          <a:spcPct val="90000"/>
+        </a:lnSpc>
+        <a:spcBef>
+          <a:spcPts val="605"/>
+        </a:spcBef>
+        <a:buFont typeface="Arial" panose="020B0604020202020204" pitchFamily="34" charset="0"/>
+        <a:buChar char="•"/>
+        <a:defRPr sz="2177" kern="1200">
+          <a:solidFill>
+            <a:schemeClr val="tx1"/>
+          </a:solidFill>
+          <a:latin typeface="+mn-lt"/>
+          <a:ea typeface="+mn-ea"/>
+          <a:cs typeface="+mn-cs"/>
+        </a:defRPr>
+      </a:lvl6pPr>
+      <a:lvl7pPr marL="3594095" indent="-276469" algn="l" defTabSz="1105875" rtl="0" eaLnBrk="1" latinLnBrk="0" hangingPunct="1">
+        <a:lnSpc>
+          <a:spcPct val="90000"/>
+        </a:lnSpc>
+        <a:spcBef>
+          <a:spcPts val="605"/>
+        </a:spcBef>
+        <a:buFont typeface="Arial" panose="020B0604020202020204" pitchFamily="34" charset="0"/>
+        <a:buChar char="•"/>
+        <a:defRPr sz="2177" kern="1200">
+          <a:solidFill>
+            <a:schemeClr val="tx1"/>
+          </a:solidFill>
+          <a:latin typeface="+mn-lt"/>
+          <a:ea typeface="+mn-ea"/>
+          <a:cs typeface="+mn-cs"/>
+        </a:defRPr>
+      </a:lvl7pPr>
+      <a:lvl8pPr marL="4147033" indent="-276469" algn="l" defTabSz="1105875" rtl="0" eaLnBrk="1" latinLnBrk="0" hangingPunct="1">
+        <a:lnSpc>
+          <a:spcPct val="90000"/>
+        </a:lnSpc>
+        <a:spcBef>
+          <a:spcPts val="605"/>
+        </a:spcBef>
+        <a:buFont typeface="Arial" panose="020B0604020202020204" pitchFamily="34" charset="0"/>
+        <a:buChar char="•"/>
+        <a:defRPr sz="2177" kern="1200">
+          <a:solidFill>
+            <a:schemeClr val="tx1"/>
+          </a:solidFill>
+          <a:latin typeface="+mn-lt"/>
+          <a:ea typeface="+mn-ea"/>
+          <a:cs typeface="+mn-cs"/>
+        </a:defRPr>
+      </a:lvl8pPr>
+      <a:lvl9pPr marL="4699970" indent="-276469" algn="l" defTabSz="1105875" rtl="0" eaLnBrk="1" latinLnBrk="0" hangingPunct="1">
+        <a:lnSpc>
+          <a:spcPct val="90000"/>
+        </a:lnSpc>
+        <a:spcBef>
+          <a:spcPts val="605"/>
+        </a:spcBef>
+        <a:buFont typeface="Arial" panose="020B0604020202020204" pitchFamily="34" charset="0"/>
+        <a:buChar char="•"/>
+        <a:defRPr sz="2177" kern="1200">
+          <a:solidFill>
+            <a:schemeClr val="tx1"/>
+          </a:solidFill>
+          <a:latin typeface="+mn-lt"/>
+          <a:ea typeface="+mn-ea"/>
+          <a:cs typeface="+mn-cs"/>
+        </a:defRPr>
+      </a:lvl9pPr>
+    </p:bodyStyle>
+    <p:otherStyle>
+      <a:defPPr>
+        <a:defRPr lang="en-US"/>
+      </a:defPPr>
+      <a:lvl1pPr marL="0" algn="l" defTabSz="1105875" rtl="0" eaLnBrk="1" latinLnBrk="0" hangingPunct="1">
+        <a:defRPr sz="2177" kern="1200">
+          <a:solidFill>
+            <a:schemeClr val="tx1"/>
+          </a:solidFill>
+          <a:latin typeface="+mn-lt"/>
+          <a:ea typeface="+mn-ea"/>
+          <a:cs typeface="+mn-cs"/>
+        </a:defRPr>
+      </a:lvl1pPr>
+      <a:lvl2pPr marL="552938" algn="l" defTabSz="1105875" rtl="0" eaLnBrk="1" latinLnBrk="0" hangingPunct="1">
+        <a:defRPr sz="2177" kern="1200">
+          <a:solidFill>
+            <a:schemeClr val="tx1"/>
+          </a:solidFill>
+          <a:latin typeface="+mn-lt"/>
+          <a:ea typeface="+mn-ea"/>
+          <a:cs typeface="+mn-cs"/>
+        </a:defRPr>
+      </a:lvl2pPr>
+      <a:lvl3pPr marL="1105875" algn="l" defTabSz="1105875" rtl="0" eaLnBrk="1" latinLnBrk="0" hangingPunct="1">
+        <a:defRPr sz="2177" kern="1200">
+          <a:solidFill>
+            <a:schemeClr val="tx1"/>
+          </a:solidFill>
+          <a:latin typeface="+mn-lt"/>
+          <a:ea typeface="+mn-ea"/>
+          <a:cs typeface="+mn-cs"/>
+        </a:defRPr>
+      </a:lvl3pPr>
+      <a:lvl4pPr marL="1658813" algn="l" defTabSz="1105875" rtl="0" eaLnBrk="1" latinLnBrk="0" hangingPunct="1">
+        <a:defRPr sz="2177" kern="1200">
+          <a:solidFill>
+            <a:schemeClr val="tx1"/>
+          </a:solidFill>
+          <a:latin typeface="+mn-lt"/>
+          <a:ea typeface="+mn-ea"/>
+          <a:cs typeface="+mn-cs"/>
+        </a:defRPr>
+      </a:lvl4pPr>
+      <a:lvl5pPr marL="2211751" algn="l" defTabSz="1105875" rtl="0" eaLnBrk="1" latinLnBrk="0" hangingPunct="1">
+        <a:defRPr sz="2177" kern="1200">
+          <a:solidFill>
+            <a:schemeClr val="tx1"/>
+          </a:solidFill>
+          <a:latin typeface="+mn-lt"/>
+          <a:ea typeface="+mn-ea"/>
+          <a:cs typeface="+mn-cs"/>
+        </a:defRPr>
+      </a:lvl5pPr>
+      <a:lvl6pPr marL="2764688" algn="l" defTabSz="1105875" rtl="0" eaLnBrk="1" latinLnBrk="0" hangingPunct="1">
+        <a:defRPr sz="2177" kern="1200">
+          <a:solidFill>
+            <a:schemeClr val="tx1"/>
+          </a:solidFill>
+          <a:latin typeface="+mn-lt"/>
+          <a:ea typeface="+mn-ea"/>
+          <a:cs typeface="+mn-cs"/>
+        </a:defRPr>
+      </a:lvl6pPr>
+      <a:lvl7pPr marL="3317626" algn="l" defTabSz="1105875" rtl="0" eaLnBrk="1" latinLnBrk="0" hangingPunct="1">
+        <a:defRPr sz="2177" kern="1200">
+          <a:solidFill>
+            <a:schemeClr val="tx1"/>
+          </a:solidFill>
+          <a:latin typeface="+mn-lt"/>
+          <a:ea typeface="+mn-ea"/>
+          <a:cs typeface="+mn-cs"/>
+        </a:defRPr>
+      </a:lvl7pPr>
+      <a:lvl8pPr marL="3870564" algn="l" defTabSz="1105875" rtl="0" eaLnBrk="1" latinLnBrk="0" hangingPunct="1">
+        <a:defRPr sz="2177" kern="1200">
+          <a:solidFill>
+            <a:schemeClr val="tx1"/>
+          </a:solidFill>
+          <a:latin typeface="+mn-lt"/>
+          <a:ea typeface="+mn-ea"/>
+          <a:cs typeface="+mn-cs"/>
+        </a:defRPr>
+      </a:lvl8pPr>
+      <a:lvl9pPr marL="4423501" algn="l" defTabSz="1105875" rtl="0" eaLnBrk="1" latinLnBrk="0" hangingPunct="1">
+        <a:defRPr sz="2177" kern="1200">
           <a:solidFill>
             <a:schemeClr val="tx1"/>
           </a:solidFill>
@@ -10292,6 +13644,1285 @@
 </p:sld>
 </file>
 
+<file path=ppt/slides/slide16.xml><?xml version="1.0" encoding="utf-8"?>
+<p:sld xmlns:a="http://schemas.openxmlformats.org/drawingml/2006/main" xmlns:r="http://schemas.openxmlformats.org/officeDocument/2006/relationships" xmlns:p="http://schemas.openxmlformats.org/presentationml/2006/main">
+  <p:cSld>
+    <p:spTree>
+      <p:nvGrpSpPr>
+        <p:cNvPr id="1" name=""/>
+        <p:cNvGrpSpPr/>
+        <p:nvPr/>
+      </p:nvGrpSpPr>
+      <p:grpSpPr>
+        <a:xfrm>
+          <a:off x="0" y="0"/>
+          <a:ext cx="0" cy="0"/>
+          <a:chOff x="0" y="0"/>
+          <a:chExt cx="0" cy="0"/>
+        </a:xfrm>
+      </p:grpSpPr>
+      <p:sp>
+        <p:nvSpPr>
+          <p:cNvPr id="4" name="Title 3">
+            <a:extLst>
+              <a:ext uri="{FF2B5EF4-FFF2-40B4-BE49-F238E27FC236}">
+                <a16:creationId xmlns:a16="http://schemas.microsoft.com/office/drawing/2014/main" id="{024EA8F5-531F-415B-BA8D-5D730E033E13}"/>
+              </a:ext>
+            </a:extLst>
+          </p:cNvPr>
+          <p:cNvSpPr>
+            <a:spLocks noGrp="1"/>
+          </p:cNvSpPr>
+          <p:nvPr>
+            <p:ph type="ctrTitle"/>
+          </p:nvPr>
+        </p:nvSpPr>
+        <p:spPr>
+          <a:xfrm>
+            <a:off x="731520" y="3068277"/>
+            <a:ext cx="10515600" cy="1861022"/>
+          </a:xfrm>
+          <a:noFill/>
+        </p:spPr>
+        <p:txBody>
+          <a:bodyPr/>
+          <a:lstStyle/>
+          <a:p>
+            <a:r>
+              <a:rPr lang="en-US" dirty="0"/>
+              <a:t>Ongoing development</a:t>
+            </a:r>
+            <a:br>
+              <a:rPr lang="en-US" dirty="0"/>
+            </a:br>
+            <a:br>
+              <a:rPr lang="en-US" dirty="0"/>
+            </a:br>
+            <a:endParaRPr lang="en-US" sz="2400" dirty="0"/>
+          </a:p>
+        </p:txBody>
+      </p:sp>
+      <p:sp>
+        <p:nvSpPr>
+          <p:cNvPr id="5" name="Subtitle 4">
+            <a:extLst>
+              <a:ext uri="{FF2B5EF4-FFF2-40B4-BE49-F238E27FC236}">
+                <a16:creationId xmlns:a16="http://schemas.microsoft.com/office/drawing/2014/main" id="{BA626D02-1AEA-4CDB-97A0-D5A8B67EB593}"/>
+              </a:ext>
+            </a:extLst>
+          </p:cNvPr>
+          <p:cNvSpPr>
+            <a:spLocks noGrp="1"/>
+          </p:cNvSpPr>
+          <p:nvPr>
+            <p:ph type="subTitle" idx="1"/>
+          </p:nvPr>
+        </p:nvSpPr>
+        <p:spPr/>
+        <p:txBody>
+          <a:bodyPr/>
+          <a:lstStyle/>
+          <a:p>
+            <a:r>
+              <a:rPr lang="en-US" dirty="0"/>
+              <a:t>may 7, 2024</a:t>
+            </a:r>
+          </a:p>
+        </p:txBody>
+      </p:sp>
+      <p:sp>
+        <p:nvSpPr>
+          <p:cNvPr id="6" name="Text Placeholder 5">
+            <a:extLst>
+              <a:ext uri="{FF2B5EF4-FFF2-40B4-BE49-F238E27FC236}">
+                <a16:creationId xmlns:a16="http://schemas.microsoft.com/office/drawing/2014/main" id="{B315B9E3-2A71-4D2B-8D97-05503E8A8F51}"/>
+              </a:ext>
+            </a:extLst>
+          </p:cNvPr>
+          <p:cNvSpPr>
+            <a:spLocks noGrp="1"/>
+          </p:cNvSpPr>
+          <p:nvPr>
+            <p:ph type="body" sz="quarter" idx="10"/>
+          </p:nvPr>
+        </p:nvSpPr>
+        <p:spPr>
+          <a:xfrm>
+            <a:off x="731520" y="5690946"/>
+            <a:ext cx="7772400" cy="256993"/>
+          </a:xfrm>
+        </p:spPr>
+        <p:txBody>
+          <a:bodyPr/>
+          <a:lstStyle/>
+          <a:p>
+            <a:r>
+              <a:rPr lang="en-US" sz="1800" dirty="0"/>
+              <a:t>Renato poli</a:t>
+            </a:r>
+          </a:p>
+        </p:txBody>
+      </p:sp>
+    </p:spTree>
+    <p:extLst>
+      <p:ext uri="{BB962C8B-B14F-4D97-AF65-F5344CB8AC3E}">
+        <p14:creationId xmlns:p14="http://schemas.microsoft.com/office/powerpoint/2010/main" val="3716456909"/>
+      </p:ext>
+    </p:extLst>
+  </p:cSld>
+  <p:clrMapOvr>
+    <a:masterClrMapping/>
+  </p:clrMapOvr>
+</p:sld>
+</file>
+
+<file path=ppt/slides/slide17.xml><?xml version="1.0" encoding="utf-8"?>
+<p:sld xmlns:a="http://schemas.openxmlformats.org/drawingml/2006/main" xmlns:r="http://schemas.openxmlformats.org/officeDocument/2006/relationships" xmlns:p="http://schemas.openxmlformats.org/presentationml/2006/main">
+  <p:cSld>
+    <p:spTree>
+      <p:nvGrpSpPr>
+        <p:cNvPr id="1" name=""/>
+        <p:cNvGrpSpPr/>
+        <p:nvPr/>
+      </p:nvGrpSpPr>
+      <p:grpSpPr>
+        <a:xfrm>
+          <a:off x="0" y="0"/>
+          <a:ext cx="0" cy="0"/>
+          <a:chOff x="0" y="0"/>
+          <a:chExt cx="0" cy="0"/>
+        </a:xfrm>
+      </p:grpSpPr>
+      <p:sp>
+        <p:nvSpPr>
+          <p:cNvPr id="79" name="PlaceHolder 1"/>
+          <p:cNvSpPr>
+            <a:spLocks noGrp="1"/>
+          </p:cNvSpPr>
+          <p:nvPr>
+            <p:ph/>
+          </p:nvPr>
+        </p:nvSpPr>
+        <p:spPr>
+          <a:xfrm>
+            <a:off x="609755" y="276471"/>
+            <a:ext cx="10971300" cy="6358817"/>
+          </a:xfrm>
+          <a:prstGeom prst="rect">
+            <a:avLst/>
+          </a:prstGeom>
+          <a:noFill/>
+          <a:ln w="0">
+            <a:noFill/>
+          </a:ln>
+        </p:spPr>
+        <p:txBody>
+          <a:bodyPr lIns="0" tIns="0" rIns="0" bIns="0" anchor="t">
+            <a:noAutofit/>
+          </a:bodyPr>
+          <a:lstStyle/>
+          <a:p>
+            <a:pPr marL="522461" indent="-391846" algn="l">
+              <a:lnSpc>
+                <a:spcPct val="115000"/>
+              </a:lnSpc>
+              <a:spcBef>
+                <a:spcPts val="350"/>
+              </a:spcBef>
+              <a:buClr>
+                <a:srgbClr val="000000"/>
+              </a:buClr>
+              <a:buSzPct val="45000"/>
+              <a:buFont typeface="Wingdings" charset="2"/>
+              <a:buChar char=""/>
+            </a:pPr>
+            <a:r>
+              <a:rPr lang="en-US" sz="2400" spc="-1" dirty="0">
+                <a:solidFill>
+                  <a:srgbClr val="000000"/>
+                </a:solidFill>
+                <a:latin typeface="Arial"/>
+                <a:ea typeface="Noto Sans CJK SC"/>
+              </a:rPr>
+              <a:t>Research</a:t>
+            </a:r>
+            <a:endParaRPr lang="en-US" sz="2400" spc="-1" dirty="0">
+              <a:solidFill>
+                <a:srgbClr val="000000"/>
+              </a:solidFill>
+              <a:latin typeface="Arial"/>
+            </a:endParaRPr>
+          </a:p>
+          <a:p>
+            <a:pPr marL="1044922" lvl="1" indent="-391846" algn="l">
+              <a:lnSpc>
+                <a:spcPct val="115000"/>
+              </a:lnSpc>
+              <a:spcBef>
+                <a:spcPts val="350"/>
+              </a:spcBef>
+              <a:buClr>
+                <a:srgbClr val="000000"/>
+              </a:buClr>
+              <a:buSzPct val="75000"/>
+              <a:buFont typeface="Symbol" charset="2"/>
+              <a:buChar char=""/>
+            </a:pPr>
+            <a:r>
+              <a:rPr lang="en-US" sz="2400" spc="-1" dirty="0">
+                <a:solidFill>
+                  <a:srgbClr val="000000"/>
+                </a:solidFill>
+                <a:latin typeface="Arial"/>
+                <a:ea typeface="Noto Sans CJK SC"/>
+              </a:rPr>
+              <a:t>Phenomenological investigation of fracture dynamics in 3D</a:t>
+            </a:r>
+            <a:endParaRPr lang="en-US" sz="2400" spc="-1" dirty="0">
+              <a:solidFill>
+                <a:srgbClr val="000000"/>
+              </a:solidFill>
+              <a:latin typeface="Arial"/>
+            </a:endParaRPr>
+          </a:p>
+          <a:p>
+            <a:pPr marL="1044922" lvl="1" indent="-391846" algn="l">
+              <a:lnSpc>
+                <a:spcPct val="115000"/>
+              </a:lnSpc>
+              <a:spcBef>
+                <a:spcPts val="350"/>
+              </a:spcBef>
+              <a:buClr>
+                <a:srgbClr val="000000"/>
+              </a:buClr>
+              <a:buSzPct val="75000"/>
+              <a:buFont typeface="Symbol" charset="2"/>
+              <a:buChar char=""/>
+            </a:pPr>
+            <a:r>
+              <a:rPr lang="en-US" sz="2400" spc="-1" dirty="0">
+                <a:solidFill>
+                  <a:srgbClr val="000000"/>
+                </a:solidFill>
+                <a:latin typeface="Arial"/>
+                <a:ea typeface="Noto Sans CJK SC"/>
+              </a:rPr>
+              <a:t>Integrate fracture dynamics in reservoir simulation</a:t>
+            </a:r>
+            <a:endParaRPr lang="en-US" sz="2400" spc="-1" dirty="0">
+              <a:solidFill>
+                <a:srgbClr val="000000"/>
+              </a:solidFill>
+              <a:latin typeface="Arial"/>
+            </a:endParaRPr>
+          </a:p>
+          <a:p>
+            <a:pPr marL="522461" indent="-391846" algn="l">
+              <a:lnSpc>
+                <a:spcPct val="115000"/>
+              </a:lnSpc>
+              <a:spcBef>
+                <a:spcPts val="350"/>
+              </a:spcBef>
+              <a:buClr>
+                <a:srgbClr val="000000"/>
+              </a:buClr>
+              <a:buSzPct val="45000"/>
+              <a:buFont typeface="Wingdings" charset="2"/>
+              <a:buChar char=""/>
+            </a:pPr>
+            <a:r>
+              <a:rPr lang="en-US" sz="2400" spc="-1" dirty="0">
+                <a:solidFill>
+                  <a:srgbClr val="000000"/>
+                </a:solidFill>
+                <a:latin typeface="Arial"/>
+                <a:ea typeface="Noto Sans CJK SC"/>
+              </a:rPr>
+              <a:t>Remarks</a:t>
+            </a:r>
+            <a:endParaRPr lang="en-US" sz="2400" spc="-1" dirty="0">
+              <a:solidFill>
+                <a:srgbClr val="000000"/>
+              </a:solidFill>
+              <a:latin typeface="Arial"/>
+            </a:endParaRPr>
+          </a:p>
+          <a:p>
+            <a:pPr marL="1044922" lvl="1" indent="-391846" algn="l">
+              <a:lnSpc>
+                <a:spcPct val="115000"/>
+              </a:lnSpc>
+              <a:spcBef>
+                <a:spcPts val="350"/>
+              </a:spcBef>
+              <a:buClr>
+                <a:srgbClr val="000000"/>
+              </a:buClr>
+              <a:buSzPct val="75000"/>
+              <a:buFont typeface="Symbol" charset="2"/>
+              <a:buChar char=""/>
+            </a:pPr>
+            <a:r>
+              <a:rPr lang="en-US" sz="2400" spc="-1" dirty="0">
+                <a:solidFill>
+                  <a:srgbClr val="000000"/>
+                </a:solidFill>
+                <a:latin typeface="Arial"/>
+              </a:rPr>
+              <a:t>Geomechanics effects are often analyzed with more complexity than necessary for </a:t>
+            </a:r>
+            <a:r>
+              <a:rPr lang="en-US" sz="2400" spc="-1" dirty="0" err="1">
+                <a:solidFill>
+                  <a:srgbClr val="000000"/>
+                </a:solidFill>
+                <a:latin typeface="Arial"/>
+              </a:rPr>
+              <a:t>conventionals</a:t>
+            </a:r>
+            <a:endParaRPr lang="en-US" sz="2400" spc="-1" dirty="0">
+              <a:solidFill>
+                <a:srgbClr val="000000"/>
+              </a:solidFill>
+              <a:latin typeface="Arial"/>
+            </a:endParaRPr>
+          </a:p>
+          <a:p>
+            <a:pPr marL="1044922" lvl="1" indent="-391846" algn="l">
+              <a:lnSpc>
+                <a:spcPct val="115000"/>
+              </a:lnSpc>
+              <a:spcBef>
+                <a:spcPts val="350"/>
+              </a:spcBef>
+              <a:buClr>
+                <a:srgbClr val="000000"/>
+              </a:buClr>
+              <a:buSzPct val="75000"/>
+              <a:buFont typeface="Symbol" charset="2"/>
+              <a:buChar char=""/>
+            </a:pPr>
+            <a:r>
+              <a:rPr lang="en-US" sz="2400" spc="-1" dirty="0">
+                <a:solidFill>
+                  <a:srgbClr val="000000"/>
+                </a:solidFill>
+                <a:latin typeface="Arial"/>
+              </a:rPr>
+              <a:t>Need an application where geomechanics is relevant and cannot be handled by linear tables for porosity/permeability or plane strain simulation</a:t>
+            </a:r>
+          </a:p>
+          <a:p>
+            <a:pPr marL="522461" indent="-391846" algn="l">
+              <a:lnSpc>
+                <a:spcPct val="115000"/>
+              </a:lnSpc>
+              <a:spcBef>
+                <a:spcPts val="350"/>
+              </a:spcBef>
+              <a:buClr>
+                <a:srgbClr val="000000"/>
+              </a:buClr>
+              <a:buSzPct val="45000"/>
+              <a:buFont typeface="Wingdings" charset="2"/>
+              <a:buChar char=""/>
+            </a:pPr>
+            <a:r>
+              <a:rPr lang="en-US" sz="2400" spc="-1" dirty="0">
+                <a:solidFill>
+                  <a:srgbClr val="000000"/>
+                </a:solidFill>
+                <a:latin typeface="Arial"/>
+                <a:ea typeface="Noto Sans CJK SC"/>
+              </a:rPr>
+              <a:t>Application ideas</a:t>
+            </a:r>
+            <a:endParaRPr lang="en-US" sz="2400" spc="-1" dirty="0">
+              <a:solidFill>
+                <a:srgbClr val="000000"/>
+              </a:solidFill>
+              <a:latin typeface="Arial"/>
+            </a:endParaRPr>
+          </a:p>
+          <a:p>
+            <a:pPr marL="1044922" lvl="1" indent="-391846" algn="l">
+              <a:lnSpc>
+                <a:spcPct val="115000"/>
+              </a:lnSpc>
+              <a:spcBef>
+                <a:spcPts val="350"/>
+              </a:spcBef>
+              <a:buClr>
+                <a:srgbClr val="000000"/>
+              </a:buClr>
+              <a:buSzPct val="75000"/>
+              <a:buFont typeface="Symbol" charset="2"/>
+              <a:buChar char=""/>
+            </a:pPr>
+            <a:r>
+              <a:rPr lang="en-US" sz="2400" spc="-1" dirty="0">
+                <a:solidFill>
+                  <a:srgbClr val="000000"/>
+                </a:solidFill>
+                <a:latin typeface="Arial"/>
+                <a:ea typeface="Noto Sans CJK SC"/>
+              </a:rPr>
+              <a:t>Non-isothermal water/gas injection in carbonates (NFR)</a:t>
+            </a:r>
+            <a:endParaRPr lang="en-US" sz="2400" spc="-1" dirty="0">
+              <a:solidFill>
+                <a:srgbClr val="000000"/>
+              </a:solidFill>
+              <a:latin typeface="Arial"/>
+            </a:endParaRPr>
+          </a:p>
+          <a:p>
+            <a:pPr marL="1044922" lvl="1" indent="-391846" algn="l">
+              <a:lnSpc>
+                <a:spcPct val="115000"/>
+              </a:lnSpc>
+              <a:spcBef>
+                <a:spcPts val="350"/>
+              </a:spcBef>
+              <a:buClr>
+                <a:srgbClr val="000000"/>
+              </a:buClr>
+              <a:buSzPct val="75000"/>
+              <a:buFont typeface="Symbol" charset="2"/>
+              <a:buChar char=""/>
+            </a:pPr>
+            <a:r>
+              <a:rPr lang="en-US" sz="2400" spc="-1" dirty="0">
+                <a:solidFill>
+                  <a:srgbClr val="000000"/>
+                </a:solidFill>
+                <a:latin typeface="Arial"/>
+                <a:ea typeface="Noto Sans CJK SC"/>
+              </a:rPr>
+              <a:t>Fracture propagation and fluid containment with salt as caprock</a:t>
+            </a:r>
+            <a:endParaRPr lang="en-US" sz="2400" spc="-1" dirty="0">
+              <a:solidFill>
+                <a:srgbClr val="000000"/>
+              </a:solidFill>
+              <a:latin typeface="Arial"/>
+            </a:endParaRPr>
+          </a:p>
+          <a:p>
+            <a:pPr marL="522461" indent="-391846" algn="l">
+              <a:lnSpc>
+                <a:spcPct val="115000"/>
+              </a:lnSpc>
+              <a:spcBef>
+                <a:spcPts val="1714"/>
+              </a:spcBef>
+              <a:buClr>
+                <a:srgbClr val="000000"/>
+              </a:buClr>
+              <a:buSzPct val="45000"/>
+              <a:buFont typeface="Wingdings" charset="2"/>
+              <a:buChar char=""/>
+            </a:pPr>
+            <a:r>
+              <a:rPr lang="en-US" sz="2400" spc="-1" dirty="0">
+                <a:solidFill>
+                  <a:srgbClr val="000000"/>
+                </a:solidFill>
+                <a:latin typeface="Arial"/>
+                <a:ea typeface="Noto Sans CJK SC"/>
+              </a:rPr>
+              <a:t>PAPER RECOMMENDATION: </a:t>
+            </a:r>
+            <a:r>
+              <a:rPr lang="en-US" sz="2400" b="1" u="sng" spc="-1" dirty="0">
+                <a:solidFill>
+                  <a:srgbClr val="000000"/>
+                </a:solidFill>
+                <a:latin typeface="Arial"/>
+                <a:ea typeface="Noto Sans CJK SC"/>
+              </a:rPr>
+              <a:t>SPE219461</a:t>
+            </a:r>
+            <a:endParaRPr lang="en-US" sz="2400" spc="-1" dirty="0">
+              <a:solidFill>
+                <a:srgbClr val="000000"/>
+              </a:solidFill>
+              <a:latin typeface="Arial"/>
+            </a:endParaRPr>
+          </a:p>
+        </p:txBody>
+      </p:sp>
+    </p:spTree>
+  </p:cSld>
+  <p:clrMapOvr>
+    <a:masterClrMapping/>
+  </p:clrMapOvr>
+</p:sld>
+</file>
+
+<file path=ppt/slides/slide18.xml><?xml version="1.0" encoding="utf-8"?>
+<p:sld xmlns:a="http://schemas.openxmlformats.org/drawingml/2006/main" xmlns:r="http://schemas.openxmlformats.org/officeDocument/2006/relationships" xmlns:p="http://schemas.openxmlformats.org/presentationml/2006/main">
+  <p:cSld>
+    <p:spTree>
+      <p:nvGrpSpPr>
+        <p:cNvPr id="1" name=""/>
+        <p:cNvGrpSpPr/>
+        <p:nvPr/>
+      </p:nvGrpSpPr>
+      <p:grpSpPr>
+        <a:xfrm>
+          <a:off x="0" y="0"/>
+          <a:ext cx="0" cy="0"/>
+          <a:chOff x="0" y="0"/>
+          <a:chExt cx="0" cy="0"/>
+        </a:xfrm>
+      </p:grpSpPr>
+      <p:sp>
+        <p:nvSpPr>
+          <p:cNvPr id="80" name="PlaceHolder 1"/>
+          <p:cNvSpPr>
+            <a:spLocks noGrp="1"/>
+          </p:cNvSpPr>
+          <p:nvPr>
+            <p:ph/>
+          </p:nvPr>
+        </p:nvSpPr>
+        <p:spPr>
+          <a:xfrm>
+            <a:off x="609755" y="276471"/>
+            <a:ext cx="10971300" cy="6358817"/>
+          </a:xfrm>
+          <a:prstGeom prst="rect">
+            <a:avLst/>
+          </a:prstGeom>
+          <a:noFill/>
+          <a:ln w="0">
+            <a:noFill/>
+          </a:ln>
+        </p:spPr>
+        <p:txBody>
+          <a:bodyPr lIns="0" tIns="0" rIns="0" bIns="0" anchor="t">
+            <a:normAutofit/>
+          </a:bodyPr>
+          <a:lstStyle/>
+          <a:p>
+            <a:pPr marL="522461" indent="-391846" algn="l">
+              <a:lnSpc>
+                <a:spcPct val="115000"/>
+              </a:lnSpc>
+              <a:buClr>
+                <a:srgbClr val="000000"/>
+              </a:buClr>
+              <a:buSzPct val="45000"/>
+              <a:buFont typeface="Wingdings" charset="2"/>
+              <a:buChar char=""/>
+            </a:pPr>
+            <a:r>
+              <a:rPr lang="en-US" sz="2661" spc="-1" dirty="0">
+                <a:solidFill>
+                  <a:srgbClr val="000000"/>
+                </a:solidFill>
+                <a:latin typeface="Arial"/>
+                <a:ea typeface="Noto Sans CJK SC"/>
+              </a:rPr>
+              <a:t>Strategy</a:t>
+            </a:r>
+            <a:endParaRPr lang="en-US" sz="2661" spc="-1" dirty="0">
+              <a:solidFill>
+                <a:srgbClr val="000000"/>
+              </a:solidFill>
+              <a:latin typeface="Arial"/>
+            </a:endParaRPr>
+          </a:p>
+          <a:p>
+            <a:pPr marL="1044922" lvl="1" indent="-391846" algn="l">
+              <a:lnSpc>
+                <a:spcPct val="115000"/>
+              </a:lnSpc>
+              <a:buClr>
+                <a:srgbClr val="000000"/>
+              </a:buClr>
+              <a:buSzPct val="75000"/>
+              <a:buFont typeface="Symbol" charset="2"/>
+              <a:buChar char=""/>
+            </a:pPr>
+            <a:r>
+              <a:rPr lang="en-US" sz="2661" spc="-1" dirty="0">
+                <a:solidFill>
+                  <a:srgbClr val="000000"/>
+                </a:solidFill>
+                <a:latin typeface="Arial"/>
+                <a:ea typeface="Noto Sans CJK SC"/>
+              </a:rPr>
+              <a:t>develop simulation routines gradually</a:t>
+            </a:r>
+            <a:endParaRPr lang="en-US" sz="2661" spc="-1" dirty="0">
+              <a:solidFill>
+                <a:srgbClr val="000000"/>
+              </a:solidFill>
+              <a:latin typeface="Arial"/>
+            </a:endParaRPr>
+          </a:p>
+          <a:p>
+            <a:pPr marL="1044922" lvl="1" indent="-391846" algn="l">
+              <a:lnSpc>
+                <a:spcPct val="115000"/>
+              </a:lnSpc>
+              <a:buClr>
+                <a:srgbClr val="000000"/>
+              </a:buClr>
+              <a:buSzPct val="75000"/>
+              <a:buFont typeface="Symbol" charset="2"/>
+              <a:buChar char=""/>
+            </a:pPr>
+            <a:r>
+              <a:rPr lang="en-US" sz="2661" spc="-1" dirty="0">
+                <a:solidFill>
+                  <a:srgbClr val="000000"/>
+                </a:solidFill>
+                <a:latin typeface="Arial"/>
+                <a:ea typeface="Noto Sans CJK SC"/>
+              </a:rPr>
+              <a:t>find intermediate applications for </a:t>
+            </a:r>
+            <a:r>
+              <a:rPr lang="en-US" sz="2661" spc="-1" dirty="0" err="1">
+                <a:solidFill>
+                  <a:srgbClr val="000000"/>
+                </a:solidFill>
+                <a:latin typeface="Arial"/>
+                <a:ea typeface="Noto Sans CJK SC"/>
+              </a:rPr>
+              <a:t>valitation</a:t>
+            </a:r>
+            <a:r>
+              <a:rPr lang="en-US" sz="2661" spc="-1" dirty="0">
+                <a:solidFill>
+                  <a:srgbClr val="000000"/>
+                </a:solidFill>
+                <a:latin typeface="Arial"/>
+                <a:ea typeface="Noto Sans CJK SC"/>
+              </a:rPr>
+              <a:t> and maturing</a:t>
+            </a:r>
+            <a:endParaRPr lang="en-US" sz="2661" spc="-1" dirty="0">
+              <a:solidFill>
+                <a:srgbClr val="000000"/>
+              </a:solidFill>
+              <a:latin typeface="Arial"/>
+            </a:endParaRPr>
+          </a:p>
+          <a:p>
+            <a:pPr marL="522461" indent="-391846" algn="l">
+              <a:lnSpc>
+                <a:spcPct val="115000"/>
+              </a:lnSpc>
+              <a:buClr>
+                <a:srgbClr val="000000"/>
+              </a:buClr>
+              <a:buSzPct val="45000"/>
+              <a:buFont typeface="Wingdings" charset="2"/>
+              <a:buChar char=""/>
+            </a:pPr>
+            <a:r>
+              <a:rPr lang="en-US" sz="2661" spc="-1" dirty="0">
+                <a:solidFill>
+                  <a:srgbClr val="000000"/>
+                </a:solidFill>
+                <a:latin typeface="Arial"/>
+                <a:ea typeface="Noto Sans CJK SC"/>
+              </a:rPr>
+              <a:t>Starting point</a:t>
+            </a:r>
+            <a:endParaRPr lang="en-US" sz="2661" spc="-1" dirty="0">
+              <a:solidFill>
+                <a:srgbClr val="000000"/>
+              </a:solidFill>
+              <a:latin typeface="Arial"/>
+            </a:endParaRPr>
+          </a:p>
+          <a:p>
+            <a:pPr marL="1044922" lvl="1" indent="-391846" algn="l">
+              <a:lnSpc>
+                <a:spcPct val="115000"/>
+              </a:lnSpc>
+              <a:buClr>
+                <a:srgbClr val="000000"/>
+              </a:buClr>
+              <a:buSzPct val="75000"/>
+              <a:buFont typeface="Symbol" charset="2"/>
+              <a:buChar char=""/>
+            </a:pPr>
+            <a:r>
+              <a:rPr lang="en-US" sz="2661" spc="-1" dirty="0">
+                <a:solidFill>
+                  <a:srgbClr val="000000"/>
+                </a:solidFill>
+                <a:latin typeface="Arial"/>
+                <a:ea typeface="Noto Sans CJK SC"/>
+              </a:rPr>
+              <a:t>The elastic homogenization application we are working on</a:t>
+            </a:r>
+            <a:endParaRPr lang="en-US" sz="2661" spc="-1" dirty="0">
+              <a:solidFill>
+                <a:srgbClr val="000000"/>
+              </a:solidFill>
+              <a:latin typeface="Arial"/>
+            </a:endParaRPr>
+          </a:p>
+          <a:p>
+            <a:pPr marL="522461" indent="-391846" algn="l">
+              <a:lnSpc>
+                <a:spcPct val="115000"/>
+              </a:lnSpc>
+              <a:buClr>
+                <a:srgbClr val="000000"/>
+              </a:buClr>
+              <a:buSzPct val="45000"/>
+              <a:buFont typeface="Wingdings" charset="2"/>
+              <a:buChar char=""/>
+            </a:pPr>
+            <a:r>
+              <a:rPr lang="en-US" sz="2661" spc="-1" dirty="0">
+                <a:solidFill>
+                  <a:srgbClr val="000000"/>
+                </a:solidFill>
+                <a:latin typeface="Arial"/>
+                <a:ea typeface="Noto Sans CJK SC"/>
+              </a:rPr>
+              <a:t>Where we are</a:t>
+            </a:r>
+            <a:endParaRPr lang="en-US" sz="2661" spc="-1" dirty="0">
+              <a:solidFill>
+                <a:srgbClr val="000000"/>
+              </a:solidFill>
+              <a:latin typeface="Arial"/>
+            </a:endParaRPr>
+          </a:p>
+          <a:p>
+            <a:pPr marL="1044922" lvl="1" indent="-391846" algn="l">
+              <a:lnSpc>
+                <a:spcPct val="115000"/>
+              </a:lnSpc>
+              <a:buClr>
+                <a:srgbClr val="000000"/>
+              </a:buClr>
+              <a:buSzPct val="75000"/>
+              <a:buFont typeface="Symbol" charset="2"/>
+              <a:buChar char=""/>
+            </a:pPr>
+            <a:r>
+              <a:rPr lang="en-US" sz="2661" spc="-1" dirty="0">
+                <a:solidFill>
+                  <a:srgbClr val="000000"/>
+                </a:solidFill>
+                <a:latin typeface="Arial"/>
+                <a:ea typeface="Noto Sans CJK SC"/>
+              </a:rPr>
+              <a:t>Validation went through</a:t>
+            </a:r>
+            <a:endParaRPr lang="en-US" sz="2661" spc="-1" dirty="0">
+              <a:solidFill>
+                <a:srgbClr val="000000"/>
+              </a:solidFill>
+              <a:latin typeface="Arial"/>
+            </a:endParaRPr>
+          </a:p>
+          <a:p>
+            <a:pPr marL="1044922" lvl="1" indent="-391846" algn="l">
+              <a:lnSpc>
+                <a:spcPct val="115000"/>
+              </a:lnSpc>
+              <a:buClr>
+                <a:srgbClr val="000000"/>
+              </a:buClr>
+              <a:buSzPct val="75000"/>
+              <a:buFont typeface="Symbol" charset="2"/>
+              <a:buChar char=""/>
+            </a:pPr>
+            <a:r>
+              <a:rPr lang="en-US" sz="2661" spc="-1" dirty="0">
+                <a:solidFill>
+                  <a:srgbClr val="000000"/>
+                </a:solidFill>
+                <a:latin typeface="Arial"/>
+                <a:ea typeface="Noto Sans CJK SC"/>
+              </a:rPr>
+              <a:t>Mesh generator used to work …</a:t>
+            </a:r>
+            <a:endParaRPr lang="en-US" sz="2661" spc="-1" dirty="0">
+              <a:solidFill>
+                <a:srgbClr val="000000"/>
+              </a:solidFill>
+              <a:latin typeface="Arial"/>
+            </a:endParaRPr>
+          </a:p>
+          <a:p>
+            <a:pPr marL="522461" indent="-391846" algn="l">
+              <a:lnSpc>
+                <a:spcPct val="115000"/>
+              </a:lnSpc>
+              <a:buClr>
+                <a:srgbClr val="000000"/>
+              </a:buClr>
+              <a:buSzPct val="45000"/>
+              <a:buFont typeface="Wingdings" charset="2"/>
+              <a:buChar char=""/>
+            </a:pPr>
+            <a:r>
+              <a:rPr lang="en-US" sz="2661" spc="-1" dirty="0">
+                <a:solidFill>
+                  <a:srgbClr val="000000"/>
+                </a:solidFill>
+                <a:latin typeface="Arial"/>
+                <a:ea typeface="Noto Sans CJK SC"/>
+              </a:rPr>
+              <a:t>Next step</a:t>
+            </a:r>
+            <a:endParaRPr lang="en-US" sz="2661" spc="-1" dirty="0">
+              <a:solidFill>
+                <a:srgbClr val="000000"/>
+              </a:solidFill>
+              <a:latin typeface="Arial"/>
+            </a:endParaRPr>
+          </a:p>
+          <a:p>
+            <a:pPr marL="1044922" lvl="1" indent="-391846" algn="l">
+              <a:lnSpc>
+                <a:spcPct val="115000"/>
+              </a:lnSpc>
+              <a:buClr>
+                <a:srgbClr val="000000"/>
+              </a:buClr>
+              <a:buSzPct val="75000"/>
+              <a:buFont typeface="Symbol" charset="2"/>
+              <a:buChar char=""/>
+            </a:pPr>
+            <a:r>
+              <a:rPr lang="en-US" sz="2661" spc="-1" dirty="0">
+                <a:solidFill>
+                  <a:srgbClr val="000000"/>
+                </a:solidFill>
+                <a:latin typeface="Arial"/>
+                <a:ea typeface="Noto Sans CJK SC"/>
+              </a:rPr>
+              <a:t>Generate meshes</a:t>
+            </a:r>
+            <a:endParaRPr lang="en-US" sz="2661" spc="-1" dirty="0">
+              <a:solidFill>
+                <a:srgbClr val="000000"/>
+              </a:solidFill>
+              <a:latin typeface="Arial"/>
+            </a:endParaRPr>
+          </a:p>
+          <a:p>
+            <a:pPr marL="1044922" lvl="1" indent="-391846" algn="l">
+              <a:lnSpc>
+                <a:spcPct val="115000"/>
+              </a:lnSpc>
+              <a:buClr>
+                <a:srgbClr val="000000"/>
+              </a:buClr>
+              <a:buSzPct val="75000"/>
+              <a:buFont typeface="Symbol" charset="2"/>
+              <a:buChar char=""/>
+            </a:pPr>
+            <a:r>
+              <a:rPr lang="en-US" sz="2661" spc="-1" dirty="0">
+                <a:solidFill>
+                  <a:srgbClr val="000000"/>
+                </a:solidFill>
+                <a:latin typeface="Arial"/>
+                <a:ea typeface="Noto Sans CJK SC"/>
+              </a:rPr>
+              <a:t>Run simples testcases</a:t>
+            </a:r>
+            <a:endParaRPr lang="en-US" sz="2661" spc="-1" dirty="0">
+              <a:solidFill>
+                <a:srgbClr val="000000"/>
+              </a:solidFill>
+              <a:latin typeface="Arial"/>
+            </a:endParaRPr>
+          </a:p>
+        </p:txBody>
+      </p:sp>
+    </p:spTree>
+  </p:cSld>
+  <p:clrMapOvr>
+    <a:masterClrMapping/>
+  </p:clrMapOvr>
+</p:sld>
+</file>
+
+<file path=ppt/slides/slide19.xml><?xml version="1.0" encoding="utf-8"?>
+<p:sld xmlns:a="http://schemas.openxmlformats.org/drawingml/2006/main" xmlns:r="http://schemas.openxmlformats.org/officeDocument/2006/relationships" xmlns:p="http://schemas.openxmlformats.org/presentationml/2006/main">
+  <p:cSld>
+    <p:spTree>
+      <p:nvGrpSpPr>
+        <p:cNvPr id="1" name=""/>
+        <p:cNvGrpSpPr/>
+        <p:nvPr/>
+      </p:nvGrpSpPr>
+      <p:grpSpPr>
+        <a:xfrm>
+          <a:off x="0" y="0"/>
+          <a:ext cx="0" cy="0"/>
+          <a:chOff x="0" y="0"/>
+          <a:chExt cx="0" cy="0"/>
+        </a:xfrm>
+      </p:grpSpPr>
+      <p:pic>
+        <p:nvPicPr>
+          <p:cNvPr id="81" name="Picture 80"/>
+          <p:cNvPicPr/>
+          <p:nvPr/>
+        </p:nvPicPr>
+        <p:blipFill>
+          <a:blip r:embed="rId2"/>
+          <a:stretch/>
+        </p:blipFill>
+        <p:spPr>
+          <a:xfrm>
+            <a:off x="276684" y="2240934"/>
+            <a:ext cx="6082347" cy="4561978"/>
+          </a:xfrm>
+          <a:prstGeom prst="rect">
+            <a:avLst/>
+          </a:prstGeom>
+          <a:ln w="0">
+            <a:noFill/>
+          </a:ln>
+        </p:spPr>
+      </p:pic>
+      <p:pic>
+        <p:nvPicPr>
+          <p:cNvPr id="82" name="Picture 81"/>
+          <p:cNvPicPr/>
+          <p:nvPr/>
+        </p:nvPicPr>
+        <p:blipFill>
+          <a:blip r:embed="rId3"/>
+          <a:stretch/>
+        </p:blipFill>
+        <p:spPr>
+          <a:xfrm>
+            <a:off x="6082561" y="1935292"/>
+            <a:ext cx="6358817" cy="4769222"/>
+          </a:xfrm>
+          <a:prstGeom prst="rect">
+            <a:avLst/>
+          </a:prstGeom>
+          <a:ln w="0">
+            <a:noFill/>
+          </a:ln>
+        </p:spPr>
+      </p:pic>
+      <p:sp>
+        <p:nvSpPr>
+          <p:cNvPr id="83" name="TextBox 82"/>
+          <p:cNvSpPr txBox="1"/>
+          <p:nvPr/>
+        </p:nvSpPr>
+        <p:spPr>
+          <a:xfrm>
+            <a:off x="5806091" y="-80111"/>
+            <a:ext cx="3267139" cy="2338460"/>
+          </a:xfrm>
+          <a:prstGeom prst="rect">
+            <a:avLst/>
+          </a:prstGeom>
+          <a:noFill/>
+          <a:ln w="0">
+            <a:noFill/>
+          </a:ln>
+        </p:spPr>
+        <p:txBody>
+          <a:bodyPr lIns="108847" tIns="54423" rIns="108847" bIns="54423" anchor="t">
+            <a:noAutofit/>
+          </a:bodyPr>
+          <a:lstStyle/>
+          <a:p>
+            <a:pPr defTabSz="1105875"/>
+            <a:r>
+              <a:rPr lang="en-US" sz="1572" spc="-1">
+                <a:solidFill>
+                  <a:srgbClr val="000000"/>
+                </a:solidFill>
+                <a:latin typeface="Arial"/>
+                <a:ea typeface="DejaVu Sans"/>
+                <a:cs typeface="DejaVu Sans"/>
+              </a:rPr>
+              <a:t> Mesh Information:</a:t>
+            </a:r>
+          </a:p>
+          <a:p>
+            <a:pPr defTabSz="1105875"/>
+            <a:r>
+              <a:rPr lang="en-US" sz="1572" spc="-1">
+                <a:solidFill>
+                  <a:srgbClr val="000000"/>
+                </a:solidFill>
+                <a:latin typeface="Arial"/>
+                <a:ea typeface="DejaVu Sans"/>
+                <a:cs typeface="DejaVu Sans"/>
+              </a:rPr>
+              <a:t>  elem_dimensions()={3}</a:t>
+            </a:r>
+          </a:p>
+          <a:p>
+            <a:pPr defTabSz="1105875"/>
+            <a:r>
+              <a:rPr lang="en-US" sz="1572" spc="-1">
+                <a:solidFill>
+                  <a:srgbClr val="000000"/>
+                </a:solidFill>
+                <a:latin typeface="Arial"/>
+                <a:ea typeface="DejaVu Sans"/>
+                <a:cs typeface="DejaVu Sans"/>
+              </a:rPr>
+              <a:t>  spatial_dimension()=3</a:t>
+            </a:r>
+          </a:p>
+          <a:p>
+            <a:pPr defTabSz="1105875"/>
+            <a:r>
+              <a:rPr lang="en-US" sz="1572" spc="-1">
+                <a:solidFill>
+                  <a:srgbClr val="000000"/>
+                </a:solidFill>
+                <a:latin typeface="Arial"/>
+                <a:ea typeface="DejaVu Sans"/>
+                <a:cs typeface="DejaVu Sans"/>
+              </a:rPr>
+              <a:t>  n_nodes()=13086</a:t>
+            </a:r>
+          </a:p>
+          <a:p>
+            <a:pPr defTabSz="1105875"/>
+            <a:r>
+              <a:rPr lang="en-US" sz="1572" spc="-1">
+                <a:solidFill>
+                  <a:srgbClr val="000000"/>
+                </a:solidFill>
+                <a:latin typeface="Arial"/>
+                <a:ea typeface="DejaVu Sans"/>
+                <a:cs typeface="DejaVu Sans"/>
+              </a:rPr>
+              <a:t>    n_local_nodes()=3829</a:t>
+            </a:r>
+          </a:p>
+          <a:p>
+            <a:pPr defTabSz="1105875"/>
+            <a:r>
+              <a:rPr lang="en-US" sz="1572" spc="-1">
+                <a:solidFill>
+                  <a:srgbClr val="000000"/>
+                </a:solidFill>
+                <a:latin typeface="Arial"/>
+                <a:ea typeface="DejaVu Sans"/>
+                <a:cs typeface="DejaVu Sans"/>
+              </a:rPr>
+              <a:t>  n_elem()=9138</a:t>
+            </a:r>
+          </a:p>
+          <a:p>
+            <a:pPr defTabSz="1105875"/>
+            <a:r>
+              <a:rPr lang="en-US" sz="1572" spc="-1">
+                <a:solidFill>
+                  <a:srgbClr val="000000"/>
+                </a:solidFill>
+                <a:latin typeface="Arial"/>
+                <a:ea typeface="DejaVu Sans"/>
+                <a:cs typeface="DejaVu Sans"/>
+              </a:rPr>
+              <a:t>    n_local_elem()=2285</a:t>
+            </a:r>
+          </a:p>
+          <a:p>
+            <a:pPr defTabSz="1105875"/>
+            <a:r>
+              <a:rPr lang="en-US" sz="1572" spc="-1">
+                <a:solidFill>
+                  <a:srgbClr val="000000"/>
+                </a:solidFill>
+                <a:latin typeface="Arial"/>
+                <a:ea typeface="DejaVu Sans"/>
+                <a:cs typeface="DejaVu Sans"/>
+              </a:rPr>
+              <a:t>    n_active_elem()=9138</a:t>
+            </a:r>
+          </a:p>
+          <a:p>
+            <a:pPr defTabSz="1105875"/>
+            <a:endParaRPr lang="en-US" sz="1572" spc="-1">
+              <a:solidFill>
+                <a:srgbClr val="000000"/>
+              </a:solidFill>
+              <a:latin typeface="Arial"/>
+              <a:ea typeface="DejaVu Sans"/>
+              <a:cs typeface="DejaVu Sans"/>
+            </a:endParaRPr>
+          </a:p>
+          <a:p>
+            <a:pPr defTabSz="1105875"/>
+            <a:r>
+              <a:rPr lang="en-US" sz="1572" spc="-1">
+                <a:solidFill>
+                  <a:srgbClr val="000000"/>
+                </a:solidFill>
+                <a:latin typeface="Arial"/>
+                <a:ea typeface="DejaVu Sans"/>
+                <a:cs typeface="DejaVu Sans"/>
+              </a:rPr>
+              <a:t>Time: 10s</a:t>
+            </a:r>
+          </a:p>
+        </p:txBody>
+      </p:sp>
+      <p:sp>
+        <p:nvSpPr>
+          <p:cNvPr id="84" name="TextBox 83"/>
+          <p:cNvSpPr txBox="1"/>
+          <p:nvPr/>
+        </p:nvSpPr>
+        <p:spPr>
+          <a:xfrm>
+            <a:off x="214" y="0"/>
+            <a:ext cx="5529406" cy="1105881"/>
+          </a:xfrm>
+          <a:prstGeom prst="rect">
+            <a:avLst/>
+          </a:prstGeom>
+          <a:noFill/>
+          <a:ln w="0">
+            <a:noFill/>
+          </a:ln>
+        </p:spPr>
+        <p:txBody>
+          <a:bodyPr lIns="108847" tIns="54423" rIns="108847" bIns="54423" anchor="t">
+            <a:noAutofit/>
+          </a:bodyPr>
+          <a:lstStyle/>
+          <a:p>
+            <a:pPr defTabSz="1105875"/>
+            <a:r>
+              <a:rPr lang="en-US" sz="2177" spc="-1">
+                <a:solidFill>
+                  <a:srgbClr val="000000"/>
+                </a:solidFill>
+                <a:latin typeface="Arial"/>
+                <a:ea typeface="DejaVu Sans"/>
+                <a:cs typeface="DejaVu Sans"/>
+              </a:rPr>
+              <a:t>SNEDDON, COARSE MESH</a:t>
+            </a:r>
+          </a:p>
+          <a:p>
+            <a:pPr defTabSz="1105875"/>
+            <a:endParaRPr lang="en-US" sz="2177" spc="-1">
+              <a:solidFill>
+                <a:srgbClr val="000000"/>
+              </a:solidFill>
+              <a:latin typeface="Arial"/>
+              <a:ea typeface="DejaVu Sans"/>
+              <a:cs typeface="DejaVu Sans"/>
+            </a:endParaRPr>
+          </a:p>
+          <a:p>
+            <a:pPr defTabSz="1105875"/>
+            <a:r>
+              <a:rPr lang="en-US" sz="2177" spc="-1">
+                <a:solidFill>
+                  <a:srgbClr val="000000"/>
+                </a:solidFill>
+                <a:latin typeface="Arial"/>
+                <a:ea typeface="DejaVu Sans"/>
+                <a:cs typeface="DejaVu Sans"/>
+              </a:rPr>
+              <a:t>Book (VALKO, ECONOMIDES)</a:t>
+            </a:r>
+          </a:p>
+        </p:txBody>
+      </p:sp>
+      <p:sp>
+        <p:nvSpPr>
+          <p:cNvPr id="85" name="TextBox 84"/>
+          <p:cNvSpPr txBox="1"/>
+          <p:nvPr/>
+        </p:nvSpPr>
+        <p:spPr>
+          <a:xfrm>
+            <a:off x="8294324" y="343955"/>
+            <a:ext cx="3735179" cy="1038396"/>
+          </a:xfrm>
+          <a:prstGeom prst="rect">
+            <a:avLst/>
+          </a:prstGeom>
+          <a:noFill/>
+          <a:ln w="0">
+            <a:noFill/>
+          </a:ln>
+        </p:spPr>
+        <p:txBody>
+          <a:bodyPr lIns="108847" tIns="54423" rIns="108847" bIns="54423" anchor="t">
+            <a:noAutofit/>
+          </a:bodyPr>
+          <a:lstStyle/>
+          <a:p>
+            <a:pPr defTabSz="1105875"/>
+            <a:r>
+              <a:rPr lang="en-US" sz="1451" spc="-1">
+                <a:solidFill>
+                  <a:srgbClr val="000000"/>
+                </a:solidFill>
+                <a:latin typeface="Arial"/>
+                <a:ea typeface="DejaVu Sans"/>
+                <a:cs typeface="DejaVu Sans"/>
+              </a:rPr>
+              <a:t>Maximum UZ displacement: 4.1952e-07</a:t>
+            </a:r>
+          </a:p>
+          <a:p>
+            <a:pPr defTabSz="1105875"/>
+            <a:r>
+              <a:rPr lang="en-US" sz="1451" spc="-1">
+                <a:solidFill>
+                  <a:srgbClr val="000000"/>
+                </a:solidFill>
+                <a:latin typeface="Arial"/>
+                <a:ea typeface="DejaVu Sans"/>
+                <a:cs typeface="DejaVu Sans"/>
+              </a:rPr>
+              <a:t>WMAX: 4.3450e-07</a:t>
+            </a:r>
+          </a:p>
+          <a:p>
+            <a:pPr defTabSz="1105875"/>
+            <a:r>
+              <a:rPr lang="en-US" sz="1451" spc="-1">
+                <a:solidFill>
+                  <a:srgbClr val="000000"/>
+                </a:solidFill>
+                <a:latin typeface="Arial"/>
+                <a:ea typeface="DejaVu Sans"/>
+                <a:cs typeface="DejaVu Sans"/>
+              </a:rPr>
+              <a:t>ERR: -3.45 %</a:t>
+            </a:r>
+          </a:p>
+        </p:txBody>
+      </p:sp>
+    </p:spTree>
+  </p:cSld>
+  <p:clrMapOvr>
+    <a:masterClrMapping/>
+  </p:clrMapOvr>
+</p:sld>
+</file>
+
 <file path=ppt/slides/slide2.xml><?xml version="1.0" encoding="utf-8"?>
 <p:sld xmlns:a="http://schemas.openxmlformats.org/drawingml/2006/main" xmlns:r="http://schemas.openxmlformats.org/officeDocument/2006/relationships" xmlns:p="http://schemas.openxmlformats.org/presentationml/2006/main">
   <p:cSld>
@@ -10387,6 +15018,1826 @@
         <p14:creationId xmlns:p14="http://schemas.microsoft.com/office/powerpoint/2010/main" val="507867524"/>
       </p:ext>
     </p:extLst>
+  </p:cSld>
+  <p:clrMapOvr>
+    <a:masterClrMapping/>
+  </p:clrMapOvr>
+</p:sld>
+</file>
+
+<file path=ppt/slides/slide20.xml><?xml version="1.0" encoding="utf-8"?>
+<p:sld xmlns:a="http://schemas.openxmlformats.org/drawingml/2006/main" xmlns:r="http://schemas.openxmlformats.org/officeDocument/2006/relationships" xmlns:p="http://schemas.openxmlformats.org/presentationml/2006/main">
+  <p:cSld>
+    <p:spTree>
+      <p:nvGrpSpPr>
+        <p:cNvPr id="1" name=""/>
+        <p:cNvGrpSpPr/>
+        <p:nvPr/>
+      </p:nvGrpSpPr>
+      <p:grpSpPr>
+        <a:xfrm>
+          <a:off x="0" y="0"/>
+          <a:ext cx="0" cy="0"/>
+          <a:chOff x="0" y="0"/>
+          <a:chExt cx="0" cy="0"/>
+        </a:xfrm>
+      </p:grpSpPr>
+      <p:pic>
+        <p:nvPicPr>
+          <p:cNvPr id="86" name="Picture 85"/>
+          <p:cNvPicPr/>
+          <p:nvPr/>
+        </p:nvPicPr>
+        <p:blipFill>
+          <a:blip r:embed="rId2"/>
+          <a:stretch/>
+        </p:blipFill>
+        <p:spPr>
+          <a:xfrm>
+            <a:off x="3317858" y="2786908"/>
+            <a:ext cx="5749712" cy="3298052"/>
+          </a:xfrm>
+          <a:prstGeom prst="rect">
+            <a:avLst/>
+          </a:prstGeom>
+          <a:ln w="0">
+            <a:noFill/>
+          </a:ln>
+        </p:spPr>
+      </p:pic>
+      <p:sp>
+        <p:nvSpPr>
+          <p:cNvPr id="87" name="TextBox 86"/>
+          <p:cNvSpPr txBox="1"/>
+          <p:nvPr/>
+        </p:nvSpPr>
+        <p:spPr>
+          <a:xfrm>
+            <a:off x="4474244" y="167188"/>
+            <a:ext cx="3267139" cy="2338460"/>
+          </a:xfrm>
+          <a:prstGeom prst="rect">
+            <a:avLst/>
+          </a:prstGeom>
+          <a:noFill/>
+          <a:ln w="0">
+            <a:noFill/>
+          </a:ln>
+        </p:spPr>
+        <p:txBody>
+          <a:bodyPr lIns="108847" tIns="54423" rIns="108847" bIns="54423" anchor="t">
+            <a:noAutofit/>
+          </a:bodyPr>
+          <a:lstStyle/>
+          <a:p>
+            <a:pPr defTabSz="1105875"/>
+            <a:r>
+              <a:rPr lang="en-US" sz="1572" spc="-1">
+                <a:solidFill>
+                  <a:srgbClr val="000000"/>
+                </a:solidFill>
+                <a:latin typeface="Arial"/>
+                <a:ea typeface="DejaVu Sans"/>
+                <a:cs typeface="DejaVu Sans"/>
+              </a:rPr>
+              <a:t> Mesh Information:</a:t>
+            </a:r>
+          </a:p>
+          <a:p>
+            <a:pPr defTabSz="1105875"/>
+            <a:r>
+              <a:rPr lang="en-US" sz="1572" spc="-1">
+                <a:solidFill>
+                  <a:srgbClr val="000000"/>
+                </a:solidFill>
+                <a:latin typeface="Arial"/>
+                <a:ea typeface="DejaVu Sans"/>
+                <a:cs typeface="DejaVu Sans"/>
+              </a:rPr>
+              <a:t>  elem_dimensions()={3}</a:t>
+            </a:r>
+          </a:p>
+          <a:p>
+            <a:pPr defTabSz="1105875"/>
+            <a:r>
+              <a:rPr lang="en-US" sz="1572" spc="-1">
+                <a:solidFill>
+                  <a:srgbClr val="000000"/>
+                </a:solidFill>
+                <a:latin typeface="Arial"/>
+                <a:ea typeface="DejaVu Sans"/>
+                <a:cs typeface="DejaVu Sans"/>
+              </a:rPr>
+              <a:t>  spatial_dimension()=3</a:t>
+            </a:r>
+          </a:p>
+          <a:p>
+            <a:pPr defTabSz="1105875"/>
+            <a:r>
+              <a:rPr lang="en-US" sz="1572" spc="-1">
+                <a:solidFill>
+                  <a:srgbClr val="000000"/>
+                </a:solidFill>
+                <a:latin typeface="Arial"/>
+                <a:ea typeface="DejaVu Sans"/>
+                <a:cs typeface="DejaVu Sans"/>
+              </a:rPr>
+              <a:t>  n_nodes()=13086</a:t>
+            </a:r>
+          </a:p>
+          <a:p>
+            <a:pPr defTabSz="1105875"/>
+            <a:r>
+              <a:rPr lang="en-US" sz="1572" spc="-1">
+                <a:solidFill>
+                  <a:srgbClr val="000000"/>
+                </a:solidFill>
+                <a:latin typeface="Arial"/>
+                <a:ea typeface="DejaVu Sans"/>
+                <a:cs typeface="DejaVu Sans"/>
+              </a:rPr>
+              <a:t>    n_local_nodes()=3829</a:t>
+            </a:r>
+          </a:p>
+          <a:p>
+            <a:pPr defTabSz="1105875"/>
+            <a:r>
+              <a:rPr lang="en-US" sz="1572" spc="-1">
+                <a:solidFill>
+                  <a:srgbClr val="000000"/>
+                </a:solidFill>
+                <a:latin typeface="Arial"/>
+                <a:ea typeface="DejaVu Sans"/>
+                <a:cs typeface="DejaVu Sans"/>
+              </a:rPr>
+              <a:t>  n_elem()=9138</a:t>
+            </a:r>
+          </a:p>
+          <a:p>
+            <a:pPr defTabSz="1105875"/>
+            <a:r>
+              <a:rPr lang="en-US" sz="1572" spc="-1">
+                <a:solidFill>
+                  <a:srgbClr val="000000"/>
+                </a:solidFill>
+                <a:latin typeface="Arial"/>
+                <a:ea typeface="DejaVu Sans"/>
+                <a:cs typeface="DejaVu Sans"/>
+              </a:rPr>
+              <a:t>    n_local_elem()=2285</a:t>
+            </a:r>
+          </a:p>
+          <a:p>
+            <a:pPr defTabSz="1105875"/>
+            <a:r>
+              <a:rPr lang="en-US" sz="1572" spc="-1">
+                <a:solidFill>
+                  <a:srgbClr val="000000"/>
+                </a:solidFill>
+                <a:latin typeface="Arial"/>
+                <a:ea typeface="DejaVu Sans"/>
+                <a:cs typeface="DejaVu Sans"/>
+              </a:rPr>
+              <a:t>    n_active_elem()=9138</a:t>
+            </a:r>
+          </a:p>
+          <a:p>
+            <a:pPr defTabSz="1105875"/>
+            <a:endParaRPr lang="en-US" sz="1572" spc="-1">
+              <a:solidFill>
+                <a:srgbClr val="000000"/>
+              </a:solidFill>
+              <a:latin typeface="Arial"/>
+              <a:ea typeface="DejaVu Sans"/>
+              <a:cs typeface="DejaVu Sans"/>
+            </a:endParaRPr>
+          </a:p>
+          <a:p>
+            <a:pPr defTabSz="1105875"/>
+            <a:r>
+              <a:rPr lang="en-US" sz="1572" spc="-1">
+                <a:solidFill>
+                  <a:srgbClr val="000000"/>
+                </a:solidFill>
+                <a:latin typeface="Arial"/>
+                <a:ea typeface="DejaVu Sans"/>
+                <a:cs typeface="DejaVu Sans"/>
+              </a:rPr>
+              <a:t>Time: 10s</a:t>
+            </a:r>
+          </a:p>
+        </p:txBody>
+      </p:sp>
+      <p:sp>
+        <p:nvSpPr>
+          <p:cNvPr id="88" name="TextBox 87"/>
+          <p:cNvSpPr txBox="1"/>
+          <p:nvPr/>
+        </p:nvSpPr>
+        <p:spPr>
+          <a:xfrm>
+            <a:off x="214" y="0"/>
+            <a:ext cx="4147055" cy="1105881"/>
+          </a:xfrm>
+          <a:prstGeom prst="rect">
+            <a:avLst/>
+          </a:prstGeom>
+          <a:noFill/>
+          <a:ln w="0">
+            <a:noFill/>
+          </a:ln>
+        </p:spPr>
+        <p:txBody>
+          <a:bodyPr lIns="108847" tIns="54423" rIns="108847" bIns="54423" anchor="t">
+            <a:noAutofit/>
+          </a:bodyPr>
+          <a:lstStyle/>
+          <a:p>
+            <a:pPr defTabSz="1105875"/>
+            <a:r>
+              <a:rPr lang="en-US" sz="2177" spc="-1">
+                <a:solidFill>
+                  <a:srgbClr val="000000"/>
+                </a:solidFill>
+                <a:latin typeface="Arial"/>
+                <a:ea typeface="DejaVu Sans"/>
+                <a:cs typeface="DejaVu Sans"/>
+              </a:rPr>
+              <a:t>SNEDDON, COARSE MESH</a:t>
+            </a:r>
+          </a:p>
+          <a:p>
+            <a:pPr defTabSz="1105875"/>
+            <a:r>
+              <a:rPr lang="en-US" sz="2177" i="1" spc="-1">
+                <a:solidFill>
+                  <a:srgbClr val="C9211E"/>
+                </a:solidFill>
+                <a:latin typeface="Arial"/>
+                <a:ea typeface="DejaVu Sans"/>
+                <a:cs typeface="DejaVu Sans"/>
+              </a:rPr>
+              <a:t>ISOGEOMETRIC ANALYSIS?</a:t>
+            </a:r>
+            <a:endParaRPr lang="en-US" sz="2177" spc="-1">
+              <a:solidFill>
+                <a:srgbClr val="000000"/>
+              </a:solidFill>
+              <a:latin typeface="Arial"/>
+              <a:ea typeface="DejaVu Sans"/>
+              <a:cs typeface="DejaVu Sans"/>
+            </a:endParaRPr>
+          </a:p>
+        </p:txBody>
+      </p:sp>
+      <p:sp>
+        <p:nvSpPr>
+          <p:cNvPr id="89" name="TextBox 88"/>
+          <p:cNvSpPr txBox="1"/>
+          <p:nvPr/>
+        </p:nvSpPr>
+        <p:spPr>
+          <a:xfrm>
+            <a:off x="8294324" y="343955"/>
+            <a:ext cx="3735179" cy="1038396"/>
+          </a:xfrm>
+          <a:prstGeom prst="rect">
+            <a:avLst/>
+          </a:prstGeom>
+          <a:noFill/>
+          <a:ln w="0">
+            <a:noFill/>
+          </a:ln>
+        </p:spPr>
+        <p:txBody>
+          <a:bodyPr lIns="108847" tIns="54423" rIns="108847" bIns="54423" anchor="t">
+            <a:noAutofit/>
+          </a:bodyPr>
+          <a:lstStyle/>
+          <a:p>
+            <a:pPr defTabSz="1105875"/>
+            <a:r>
+              <a:rPr lang="en-US" sz="1451" spc="-1">
+                <a:solidFill>
+                  <a:srgbClr val="000000"/>
+                </a:solidFill>
+                <a:latin typeface="Arial"/>
+                <a:ea typeface="DejaVu Sans"/>
+                <a:cs typeface="DejaVu Sans"/>
+              </a:rPr>
+              <a:t>Maximum UZ displacement: 4.1952e-07</a:t>
+            </a:r>
+          </a:p>
+          <a:p>
+            <a:pPr defTabSz="1105875"/>
+            <a:r>
+              <a:rPr lang="en-US" sz="1451" spc="-1">
+                <a:solidFill>
+                  <a:srgbClr val="000000"/>
+                </a:solidFill>
+                <a:latin typeface="Arial"/>
+                <a:ea typeface="DejaVu Sans"/>
+                <a:cs typeface="DejaVu Sans"/>
+              </a:rPr>
+              <a:t>WMAX: 4.3450e-07</a:t>
+            </a:r>
+          </a:p>
+          <a:p>
+            <a:pPr defTabSz="1105875"/>
+            <a:r>
+              <a:rPr lang="en-US" sz="1451" spc="-1">
+                <a:solidFill>
+                  <a:srgbClr val="000000"/>
+                </a:solidFill>
+                <a:latin typeface="Arial"/>
+                <a:ea typeface="DejaVu Sans"/>
+                <a:cs typeface="DejaVu Sans"/>
+              </a:rPr>
+              <a:t>ERR: -3.45 %</a:t>
+            </a:r>
+          </a:p>
+        </p:txBody>
+      </p:sp>
+      <p:pic>
+        <p:nvPicPr>
+          <p:cNvPr id="90" name="Picture 89"/>
+          <p:cNvPicPr/>
+          <p:nvPr/>
+        </p:nvPicPr>
+        <p:blipFill>
+          <a:blip r:embed="rId3"/>
+          <a:stretch/>
+        </p:blipFill>
+        <p:spPr>
+          <a:xfrm>
+            <a:off x="276684" y="881657"/>
+            <a:ext cx="3594114" cy="5203302"/>
+          </a:xfrm>
+          <a:prstGeom prst="rect">
+            <a:avLst/>
+          </a:prstGeom>
+          <a:ln w="0">
+            <a:noFill/>
+          </a:ln>
+        </p:spPr>
+      </p:pic>
+      <p:pic>
+        <p:nvPicPr>
+          <p:cNvPr id="91" name="Picture 90"/>
+          <p:cNvPicPr/>
+          <p:nvPr/>
+        </p:nvPicPr>
+        <p:blipFill>
+          <a:blip r:embed="rId4"/>
+          <a:stretch/>
+        </p:blipFill>
+        <p:spPr>
+          <a:xfrm>
+            <a:off x="8570794" y="1935292"/>
+            <a:ext cx="3193994" cy="4582006"/>
+          </a:xfrm>
+          <a:prstGeom prst="rect">
+            <a:avLst/>
+          </a:prstGeom>
+          <a:ln w="0">
+            <a:noFill/>
+          </a:ln>
+        </p:spPr>
+      </p:pic>
+    </p:spTree>
+  </p:cSld>
+  <p:clrMapOvr>
+    <a:masterClrMapping/>
+  </p:clrMapOvr>
+</p:sld>
+</file>
+
+<file path=ppt/slides/slide21.xml><?xml version="1.0" encoding="utf-8"?>
+<p:sld xmlns:a="http://schemas.openxmlformats.org/drawingml/2006/main" xmlns:r="http://schemas.openxmlformats.org/officeDocument/2006/relationships" xmlns:p="http://schemas.openxmlformats.org/presentationml/2006/main">
+  <p:cSld>
+    <p:spTree>
+      <p:nvGrpSpPr>
+        <p:cNvPr id="1" name=""/>
+        <p:cNvGrpSpPr/>
+        <p:nvPr/>
+      </p:nvGrpSpPr>
+      <p:grpSpPr>
+        <a:xfrm>
+          <a:off x="0" y="0"/>
+          <a:ext cx="0" cy="0"/>
+          <a:chOff x="0" y="0"/>
+          <a:chExt cx="0" cy="0"/>
+        </a:xfrm>
+      </p:grpSpPr>
+      <p:sp>
+        <p:nvSpPr>
+          <p:cNvPr id="92" name="TextBox 91"/>
+          <p:cNvSpPr txBox="1"/>
+          <p:nvPr/>
+        </p:nvSpPr>
+        <p:spPr>
+          <a:xfrm>
+            <a:off x="5806091" y="-80111"/>
+            <a:ext cx="3267139" cy="2338460"/>
+          </a:xfrm>
+          <a:prstGeom prst="rect">
+            <a:avLst/>
+          </a:prstGeom>
+          <a:noFill/>
+          <a:ln w="0">
+            <a:noFill/>
+          </a:ln>
+        </p:spPr>
+        <p:txBody>
+          <a:bodyPr lIns="108847" tIns="54423" rIns="108847" bIns="54423" anchor="t">
+            <a:noAutofit/>
+          </a:bodyPr>
+          <a:lstStyle/>
+          <a:p>
+            <a:pPr defTabSz="1105875"/>
+            <a:r>
+              <a:rPr lang="en-US" sz="1572" spc="-1">
+                <a:solidFill>
+                  <a:srgbClr val="000000"/>
+                </a:solidFill>
+                <a:latin typeface="Arial"/>
+                <a:ea typeface="DejaVu Sans"/>
+                <a:cs typeface="DejaVu Sans"/>
+              </a:rPr>
+              <a:t> Mesh Information:</a:t>
+            </a:r>
+          </a:p>
+          <a:p>
+            <a:pPr defTabSz="1105875"/>
+            <a:r>
+              <a:rPr lang="en-US" sz="1572" spc="-1">
+                <a:solidFill>
+                  <a:srgbClr val="000000"/>
+                </a:solidFill>
+                <a:latin typeface="Arial"/>
+                <a:ea typeface="DejaVu Sans"/>
+                <a:cs typeface="DejaVu Sans"/>
+              </a:rPr>
+              <a:t>  elem_dimensions()={3}</a:t>
+            </a:r>
+          </a:p>
+          <a:p>
+            <a:pPr defTabSz="1105875"/>
+            <a:r>
+              <a:rPr lang="en-US" sz="1572" spc="-1">
+                <a:solidFill>
+                  <a:srgbClr val="000000"/>
+                </a:solidFill>
+                <a:latin typeface="Arial"/>
+                <a:ea typeface="DejaVu Sans"/>
+                <a:cs typeface="DejaVu Sans"/>
+              </a:rPr>
+              <a:t>  spatial_dimension()=3</a:t>
+            </a:r>
+          </a:p>
+          <a:p>
+            <a:pPr defTabSz="1105875"/>
+            <a:r>
+              <a:rPr lang="en-US" sz="1572" spc="-1">
+                <a:solidFill>
+                  <a:srgbClr val="000000"/>
+                </a:solidFill>
+                <a:latin typeface="Arial"/>
+                <a:ea typeface="DejaVu Sans"/>
+                <a:cs typeface="DejaVu Sans"/>
+              </a:rPr>
+              <a:t>  n_nodes()=13086</a:t>
+            </a:r>
+          </a:p>
+          <a:p>
+            <a:pPr defTabSz="1105875"/>
+            <a:r>
+              <a:rPr lang="en-US" sz="1572" spc="-1">
+                <a:solidFill>
+                  <a:srgbClr val="000000"/>
+                </a:solidFill>
+                <a:latin typeface="Arial"/>
+                <a:ea typeface="DejaVu Sans"/>
+                <a:cs typeface="DejaVu Sans"/>
+              </a:rPr>
+              <a:t>    n_local_nodes()=3829</a:t>
+            </a:r>
+          </a:p>
+          <a:p>
+            <a:pPr defTabSz="1105875"/>
+            <a:r>
+              <a:rPr lang="en-US" sz="1572" spc="-1">
+                <a:solidFill>
+                  <a:srgbClr val="000000"/>
+                </a:solidFill>
+                <a:latin typeface="Arial"/>
+                <a:ea typeface="DejaVu Sans"/>
+                <a:cs typeface="DejaVu Sans"/>
+              </a:rPr>
+              <a:t>  n_elem()=9138</a:t>
+            </a:r>
+          </a:p>
+          <a:p>
+            <a:pPr defTabSz="1105875"/>
+            <a:r>
+              <a:rPr lang="en-US" sz="1572" spc="-1">
+                <a:solidFill>
+                  <a:srgbClr val="000000"/>
+                </a:solidFill>
+                <a:latin typeface="Arial"/>
+                <a:ea typeface="DejaVu Sans"/>
+                <a:cs typeface="DejaVu Sans"/>
+              </a:rPr>
+              <a:t>    n_local_elem()=2285</a:t>
+            </a:r>
+          </a:p>
+          <a:p>
+            <a:pPr defTabSz="1105875"/>
+            <a:r>
+              <a:rPr lang="en-US" sz="1572" spc="-1">
+                <a:solidFill>
+                  <a:srgbClr val="000000"/>
+                </a:solidFill>
+                <a:latin typeface="Arial"/>
+                <a:ea typeface="DejaVu Sans"/>
+                <a:cs typeface="DejaVu Sans"/>
+              </a:rPr>
+              <a:t>    n_active_elem()=9138</a:t>
+            </a:r>
+          </a:p>
+          <a:p>
+            <a:pPr defTabSz="1105875"/>
+            <a:endParaRPr lang="en-US" sz="1572" spc="-1">
+              <a:solidFill>
+                <a:srgbClr val="000000"/>
+              </a:solidFill>
+              <a:latin typeface="Arial"/>
+              <a:ea typeface="DejaVu Sans"/>
+              <a:cs typeface="DejaVu Sans"/>
+            </a:endParaRPr>
+          </a:p>
+          <a:p>
+            <a:pPr defTabSz="1105875"/>
+            <a:r>
+              <a:rPr lang="en-US" sz="1572" spc="-1">
+                <a:solidFill>
+                  <a:srgbClr val="000000"/>
+                </a:solidFill>
+                <a:latin typeface="Arial"/>
+                <a:ea typeface="DejaVu Sans"/>
+                <a:cs typeface="DejaVu Sans"/>
+              </a:rPr>
+              <a:t>Time: 10s</a:t>
+            </a:r>
+          </a:p>
+        </p:txBody>
+      </p:sp>
+      <p:sp>
+        <p:nvSpPr>
+          <p:cNvPr id="93" name="TextBox 92"/>
+          <p:cNvSpPr txBox="1"/>
+          <p:nvPr/>
+        </p:nvSpPr>
+        <p:spPr>
+          <a:xfrm>
+            <a:off x="214" y="0"/>
+            <a:ext cx="4147055" cy="1105881"/>
+          </a:xfrm>
+          <a:prstGeom prst="rect">
+            <a:avLst/>
+          </a:prstGeom>
+          <a:noFill/>
+          <a:ln w="0">
+            <a:noFill/>
+          </a:ln>
+        </p:spPr>
+        <p:txBody>
+          <a:bodyPr lIns="108847" tIns="54423" rIns="108847" bIns="54423" anchor="t">
+            <a:noAutofit/>
+          </a:bodyPr>
+          <a:lstStyle/>
+          <a:p>
+            <a:pPr defTabSz="1105875"/>
+            <a:r>
+              <a:rPr lang="en-US" sz="2177" spc="-1">
+                <a:solidFill>
+                  <a:srgbClr val="000000"/>
+                </a:solidFill>
+                <a:latin typeface="Arial"/>
+                <a:ea typeface="DejaVu Sans"/>
+                <a:cs typeface="DejaVu Sans"/>
+              </a:rPr>
+              <a:t>SNEDDON, COARSE MESH</a:t>
+            </a:r>
+          </a:p>
+        </p:txBody>
+      </p:sp>
+      <p:sp>
+        <p:nvSpPr>
+          <p:cNvPr id="94" name="TextBox 93"/>
+          <p:cNvSpPr txBox="1"/>
+          <p:nvPr/>
+        </p:nvSpPr>
+        <p:spPr>
+          <a:xfrm>
+            <a:off x="8294324" y="343955"/>
+            <a:ext cx="3735179" cy="1038396"/>
+          </a:xfrm>
+          <a:prstGeom prst="rect">
+            <a:avLst/>
+          </a:prstGeom>
+          <a:noFill/>
+          <a:ln w="0">
+            <a:noFill/>
+          </a:ln>
+        </p:spPr>
+        <p:txBody>
+          <a:bodyPr lIns="108847" tIns="54423" rIns="108847" bIns="54423" anchor="t">
+            <a:noAutofit/>
+          </a:bodyPr>
+          <a:lstStyle/>
+          <a:p>
+            <a:pPr defTabSz="1105875"/>
+            <a:r>
+              <a:rPr lang="en-US" sz="1451" spc="-1">
+                <a:solidFill>
+                  <a:srgbClr val="000000"/>
+                </a:solidFill>
+                <a:latin typeface="Arial"/>
+                <a:ea typeface="DejaVu Sans"/>
+                <a:cs typeface="DejaVu Sans"/>
+              </a:rPr>
+              <a:t>Maximum UZ displacement: 4.1952e-07</a:t>
+            </a:r>
+          </a:p>
+          <a:p>
+            <a:pPr defTabSz="1105875"/>
+            <a:r>
+              <a:rPr lang="en-US" sz="1451" spc="-1">
+                <a:solidFill>
+                  <a:srgbClr val="000000"/>
+                </a:solidFill>
+                <a:latin typeface="Arial"/>
+                <a:ea typeface="DejaVu Sans"/>
+                <a:cs typeface="DejaVu Sans"/>
+              </a:rPr>
+              <a:t>WMAX: 4.3450e-07</a:t>
+            </a:r>
+          </a:p>
+          <a:p>
+            <a:pPr defTabSz="1105875"/>
+            <a:r>
+              <a:rPr lang="en-US" sz="1451" spc="-1">
+                <a:solidFill>
+                  <a:srgbClr val="000000"/>
+                </a:solidFill>
+                <a:latin typeface="Arial"/>
+                <a:ea typeface="DejaVu Sans"/>
+                <a:cs typeface="DejaVu Sans"/>
+              </a:rPr>
+              <a:t>ERR: -3.45 %</a:t>
+            </a:r>
+          </a:p>
+        </p:txBody>
+      </p:sp>
+      <p:pic>
+        <p:nvPicPr>
+          <p:cNvPr id="95" name="Picture 94"/>
+          <p:cNvPicPr/>
+          <p:nvPr/>
+        </p:nvPicPr>
+        <p:blipFill>
+          <a:blip r:embed="rId2"/>
+          <a:stretch/>
+        </p:blipFill>
+        <p:spPr>
+          <a:xfrm>
+            <a:off x="237064" y="2211763"/>
+            <a:ext cx="5016086" cy="3753901"/>
+          </a:xfrm>
+          <a:prstGeom prst="rect">
+            <a:avLst/>
+          </a:prstGeom>
+          <a:ln w="0">
+            <a:noFill/>
+          </a:ln>
+        </p:spPr>
+      </p:pic>
+      <p:pic>
+        <p:nvPicPr>
+          <p:cNvPr id="96" name="Picture 95"/>
+          <p:cNvPicPr/>
+          <p:nvPr/>
+        </p:nvPicPr>
+        <p:blipFill>
+          <a:blip r:embed="rId3"/>
+          <a:stretch/>
+        </p:blipFill>
+        <p:spPr>
+          <a:xfrm>
+            <a:off x="5481728" y="2490410"/>
+            <a:ext cx="6683180" cy="3315467"/>
+          </a:xfrm>
+          <a:prstGeom prst="rect">
+            <a:avLst/>
+          </a:prstGeom>
+          <a:ln w="0">
+            <a:noFill/>
+          </a:ln>
+        </p:spPr>
+      </p:pic>
+    </p:spTree>
+  </p:cSld>
+  <p:clrMapOvr>
+    <a:masterClrMapping/>
+  </p:clrMapOvr>
+</p:sld>
+</file>
+
+<file path=ppt/slides/slide22.xml><?xml version="1.0" encoding="utf-8"?>
+<p:sld xmlns:a="http://schemas.openxmlformats.org/drawingml/2006/main" xmlns:r="http://schemas.openxmlformats.org/officeDocument/2006/relationships" xmlns:p="http://schemas.openxmlformats.org/presentationml/2006/main">
+  <p:cSld>
+    <p:spTree>
+      <p:nvGrpSpPr>
+        <p:cNvPr id="1" name=""/>
+        <p:cNvGrpSpPr/>
+        <p:nvPr/>
+      </p:nvGrpSpPr>
+      <p:grpSpPr>
+        <a:xfrm>
+          <a:off x="0" y="0"/>
+          <a:ext cx="0" cy="0"/>
+          <a:chOff x="0" y="0"/>
+          <a:chExt cx="0" cy="0"/>
+        </a:xfrm>
+      </p:grpSpPr>
+      <p:pic>
+        <p:nvPicPr>
+          <p:cNvPr id="97" name="Picture 96"/>
+          <p:cNvPicPr/>
+          <p:nvPr/>
+        </p:nvPicPr>
+        <p:blipFill>
+          <a:blip r:embed="rId2"/>
+          <a:stretch/>
+        </p:blipFill>
+        <p:spPr>
+          <a:xfrm>
+            <a:off x="276249" y="1935292"/>
+            <a:ext cx="8294545" cy="4147055"/>
+          </a:xfrm>
+          <a:prstGeom prst="rect">
+            <a:avLst/>
+          </a:prstGeom>
+          <a:ln w="0">
+            <a:noFill/>
+          </a:ln>
+        </p:spPr>
+      </p:pic>
+      <p:sp>
+        <p:nvSpPr>
+          <p:cNvPr id="98" name="TextBox 97"/>
+          <p:cNvSpPr txBox="1"/>
+          <p:nvPr/>
+        </p:nvSpPr>
+        <p:spPr>
+          <a:xfrm>
+            <a:off x="1106095" y="552941"/>
+            <a:ext cx="7741169" cy="829411"/>
+          </a:xfrm>
+          <a:prstGeom prst="rect">
+            <a:avLst/>
+          </a:prstGeom>
+          <a:noFill/>
+          <a:ln w="0">
+            <a:noFill/>
+          </a:ln>
+        </p:spPr>
+        <p:txBody>
+          <a:bodyPr lIns="108847" tIns="54423" rIns="108847" bIns="54423" anchor="t">
+            <a:noAutofit/>
+          </a:bodyPr>
+          <a:lstStyle/>
+          <a:p>
+            <a:pPr defTabSz="1105875"/>
+            <a:r>
+              <a:rPr lang="en-US" sz="2177" spc="-1">
+                <a:solidFill>
+                  <a:srgbClr val="000000"/>
+                </a:solidFill>
+                <a:latin typeface="Arial"/>
+                <a:ea typeface="DejaVu Sans"/>
+                <a:cs typeface="DejaVu Sans"/>
+              </a:rPr>
+              <a:t>TERZAGHI, CRANK NICHOLSON (9s)</a:t>
+            </a:r>
+          </a:p>
+        </p:txBody>
+      </p:sp>
+      <p:sp>
+        <p:nvSpPr>
+          <p:cNvPr id="99" name="TextBox 98"/>
+          <p:cNvSpPr txBox="1"/>
+          <p:nvPr/>
+        </p:nvSpPr>
+        <p:spPr>
+          <a:xfrm>
+            <a:off x="8683995" y="178508"/>
+            <a:ext cx="3204443" cy="2586195"/>
+          </a:xfrm>
+          <a:prstGeom prst="rect">
+            <a:avLst/>
+          </a:prstGeom>
+          <a:noFill/>
+          <a:ln w="0">
+            <a:noFill/>
+          </a:ln>
+        </p:spPr>
+        <p:txBody>
+          <a:bodyPr lIns="108847" tIns="54423" rIns="108847" bIns="54423" anchor="t">
+            <a:noAutofit/>
+          </a:bodyPr>
+          <a:lstStyle/>
+          <a:p>
+            <a:pPr defTabSz="1105875"/>
+            <a:r>
+              <a:rPr lang="en-US" sz="1572" spc="-1">
+                <a:solidFill>
+                  <a:srgbClr val="000000"/>
+                </a:solidFill>
+                <a:latin typeface="Arial"/>
+                <a:ea typeface="DejaVu Sans"/>
+                <a:cs typeface="DejaVu Sans"/>
+              </a:rPr>
+              <a:t> Mesh Information:</a:t>
+            </a:r>
+          </a:p>
+          <a:p>
+            <a:pPr defTabSz="1105875"/>
+            <a:r>
+              <a:rPr lang="en-US" sz="1572" spc="-1">
+                <a:solidFill>
+                  <a:srgbClr val="000000"/>
+                </a:solidFill>
+                <a:latin typeface="Arial"/>
+                <a:ea typeface="DejaVu Sans"/>
+                <a:cs typeface="DejaVu Sans"/>
+              </a:rPr>
+              <a:t>  elem_dimensions()={3}</a:t>
+            </a:r>
+          </a:p>
+          <a:p>
+            <a:pPr defTabSz="1105875"/>
+            <a:r>
+              <a:rPr lang="en-US" sz="1572" spc="-1">
+                <a:solidFill>
+                  <a:srgbClr val="000000"/>
+                </a:solidFill>
+                <a:latin typeface="Arial"/>
+                <a:ea typeface="DejaVu Sans"/>
+                <a:cs typeface="DejaVu Sans"/>
+              </a:rPr>
+              <a:t>  spatial_dimension()=3</a:t>
+            </a:r>
+          </a:p>
+          <a:p>
+            <a:pPr defTabSz="1105875"/>
+            <a:r>
+              <a:rPr lang="en-US" sz="1572" spc="-1">
+                <a:solidFill>
+                  <a:srgbClr val="000000"/>
+                </a:solidFill>
+                <a:latin typeface="Arial"/>
+                <a:ea typeface="DejaVu Sans"/>
+                <a:cs typeface="DejaVu Sans"/>
+              </a:rPr>
+              <a:t>  n_nodes()=1798</a:t>
+            </a:r>
+          </a:p>
+          <a:p>
+            <a:pPr defTabSz="1105875"/>
+            <a:r>
+              <a:rPr lang="en-US" sz="1572" spc="-1">
+                <a:solidFill>
+                  <a:srgbClr val="000000"/>
+                </a:solidFill>
+                <a:latin typeface="Arial"/>
+                <a:ea typeface="DejaVu Sans"/>
+                <a:cs typeface="DejaVu Sans"/>
+              </a:rPr>
+              <a:t>    n_local_nodes()=515</a:t>
+            </a:r>
+          </a:p>
+          <a:p>
+            <a:pPr defTabSz="1105875"/>
+            <a:r>
+              <a:rPr lang="en-US" sz="1572" spc="-1">
+                <a:solidFill>
+                  <a:srgbClr val="000000"/>
+                </a:solidFill>
+                <a:latin typeface="Arial"/>
+                <a:ea typeface="DejaVu Sans"/>
+                <a:cs typeface="DejaVu Sans"/>
+              </a:rPr>
+              <a:t>  n_elem()=942</a:t>
+            </a:r>
+          </a:p>
+          <a:p>
+            <a:pPr defTabSz="1105875"/>
+            <a:r>
+              <a:rPr lang="en-US" sz="1572" spc="-1">
+                <a:solidFill>
+                  <a:srgbClr val="000000"/>
+                </a:solidFill>
+                <a:latin typeface="Arial"/>
+                <a:ea typeface="DejaVu Sans"/>
+                <a:cs typeface="DejaVu Sans"/>
+              </a:rPr>
+              <a:t>    n_local_elem()=235</a:t>
+            </a:r>
+          </a:p>
+          <a:p>
+            <a:pPr defTabSz="1105875"/>
+            <a:r>
+              <a:rPr lang="en-US" sz="1572" spc="-1">
+                <a:solidFill>
+                  <a:srgbClr val="000000"/>
+                </a:solidFill>
+                <a:latin typeface="Arial"/>
+                <a:ea typeface="DejaVu Sans"/>
+                <a:cs typeface="DejaVu Sans"/>
+              </a:rPr>
+              <a:t>    n_active_elem()=942</a:t>
+            </a:r>
+          </a:p>
+        </p:txBody>
+      </p:sp>
+    </p:spTree>
+  </p:cSld>
+  <p:clrMapOvr>
+    <a:masterClrMapping/>
+  </p:clrMapOvr>
+</p:sld>
+</file>
+
+<file path=ppt/slides/slide23.xml><?xml version="1.0" encoding="utf-8"?>
+<p:sld xmlns:a="http://schemas.openxmlformats.org/drawingml/2006/main" xmlns:r="http://schemas.openxmlformats.org/officeDocument/2006/relationships" xmlns:p="http://schemas.openxmlformats.org/presentationml/2006/main">
+  <p:cSld>
+    <p:spTree>
+      <p:nvGrpSpPr>
+        <p:cNvPr id="1" name=""/>
+        <p:cNvGrpSpPr/>
+        <p:nvPr/>
+      </p:nvGrpSpPr>
+      <p:grpSpPr>
+        <a:xfrm>
+          <a:off x="0" y="0"/>
+          <a:ext cx="0" cy="0"/>
+          <a:chOff x="0" y="0"/>
+          <a:chExt cx="0" cy="0"/>
+        </a:xfrm>
+      </p:grpSpPr>
+      <p:sp>
+        <p:nvSpPr>
+          <p:cNvPr id="100" name="TextBox 99"/>
+          <p:cNvSpPr txBox="1"/>
+          <p:nvPr/>
+        </p:nvSpPr>
+        <p:spPr>
+          <a:xfrm>
+            <a:off x="1106095" y="552941"/>
+            <a:ext cx="7741169" cy="829411"/>
+          </a:xfrm>
+          <a:prstGeom prst="rect">
+            <a:avLst/>
+          </a:prstGeom>
+          <a:noFill/>
+          <a:ln w="0">
+            <a:noFill/>
+          </a:ln>
+        </p:spPr>
+        <p:txBody>
+          <a:bodyPr lIns="108847" tIns="54423" rIns="108847" bIns="54423" anchor="t">
+            <a:noAutofit/>
+          </a:bodyPr>
+          <a:lstStyle/>
+          <a:p>
+            <a:pPr defTabSz="1105875"/>
+            <a:r>
+              <a:rPr lang="en-US" sz="2177" spc="-1">
+                <a:solidFill>
+                  <a:srgbClr val="000000"/>
+                </a:solidFill>
+                <a:latin typeface="Arial"/>
+                <a:ea typeface="DejaVu Sans"/>
+                <a:cs typeface="DejaVu Sans"/>
+              </a:rPr>
+              <a:t>TERZAGHI, IMPLICIT</a:t>
+            </a:r>
+          </a:p>
+        </p:txBody>
+      </p:sp>
+      <p:sp>
+        <p:nvSpPr>
+          <p:cNvPr id="101" name="TextBox 100"/>
+          <p:cNvSpPr txBox="1"/>
+          <p:nvPr/>
+        </p:nvSpPr>
+        <p:spPr>
+          <a:xfrm>
+            <a:off x="5253150" y="0"/>
+            <a:ext cx="3204443" cy="2586195"/>
+          </a:xfrm>
+          <a:prstGeom prst="rect">
+            <a:avLst/>
+          </a:prstGeom>
+          <a:noFill/>
+          <a:ln w="0">
+            <a:noFill/>
+          </a:ln>
+        </p:spPr>
+        <p:txBody>
+          <a:bodyPr lIns="108847" tIns="54423" rIns="108847" bIns="54423" anchor="t">
+            <a:noAutofit/>
+          </a:bodyPr>
+          <a:lstStyle/>
+          <a:p>
+            <a:pPr defTabSz="1105875"/>
+            <a:r>
+              <a:rPr lang="en-US" sz="1572" spc="-1">
+                <a:solidFill>
+                  <a:srgbClr val="000000"/>
+                </a:solidFill>
+                <a:latin typeface="Arial"/>
+                <a:ea typeface="DejaVu Sans"/>
+                <a:cs typeface="DejaVu Sans"/>
+              </a:rPr>
+              <a:t> Mesh Information:</a:t>
+            </a:r>
+          </a:p>
+          <a:p>
+            <a:pPr defTabSz="1105875"/>
+            <a:r>
+              <a:rPr lang="en-US" sz="1572" spc="-1">
+                <a:solidFill>
+                  <a:srgbClr val="000000"/>
+                </a:solidFill>
+                <a:latin typeface="Arial"/>
+                <a:ea typeface="DejaVu Sans"/>
+                <a:cs typeface="DejaVu Sans"/>
+              </a:rPr>
+              <a:t>  elem_dimensions()={3}</a:t>
+            </a:r>
+          </a:p>
+          <a:p>
+            <a:pPr defTabSz="1105875"/>
+            <a:r>
+              <a:rPr lang="en-US" sz="1572" spc="-1">
+                <a:solidFill>
+                  <a:srgbClr val="000000"/>
+                </a:solidFill>
+                <a:latin typeface="Arial"/>
+                <a:ea typeface="DejaVu Sans"/>
+                <a:cs typeface="DejaVu Sans"/>
+              </a:rPr>
+              <a:t>  spatial_dimension()=3</a:t>
+            </a:r>
+          </a:p>
+          <a:p>
+            <a:pPr defTabSz="1105875"/>
+            <a:r>
+              <a:rPr lang="en-US" sz="1572" spc="-1">
+                <a:solidFill>
+                  <a:srgbClr val="000000"/>
+                </a:solidFill>
+                <a:latin typeface="Arial"/>
+                <a:ea typeface="DejaVu Sans"/>
+                <a:cs typeface="DejaVu Sans"/>
+              </a:rPr>
+              <a:t>  n_nodes()=1798</a:t>
+            </a:r>
+          </a:p>
+          <a:p>
+            <a:pPr defTabSz="1105875"/>
+            <a:r>
+              <a:rPr lang="en-US" sz="1572" spc="-1">
+                <a:solidFill>
+                  <a:srgbClr val="000000"/>
+                </a:solidFill>
+                <a:latin typeface="Arial"/>
+                <a:ea typeface="DejaVu Sans"/>
+                <a:cs typeface="DejaVu Sans"/>
+              </a:rPr>
+              <a:t>    n_local_nodes()=515</a:t>
+            </a:r>
+          </a:p>
+          <a:p>
+            <a:pPr defTabSz="1105875"/>
+            <a:r>
+              <a:rPr lang="en-US" sz="1572" spc="-1">
+                <a:solidFill>
+                  <a:srgbClr val="000000"/>
+                </a:solidFill>
+                <a:latin typeface="Arial"/>
+                <a:ea typeface="DejaVu Sans"/>
+                <a:cs typeface="DejaVu Sans"/>
+              </a:rPr>
+              <a:t>  n_elem()=942</a:t>
+            </a:r>
+          </a:p>
+          <a:p>
+            <a:pPr defTabSz="1105875"/>
+            <a:r>
+              <a:rPr lang="en-US" sz="1572" spc="-1">
+                <a:solidFill>
+                  <a:srgbClr val="000000"/>
+                </a:solidFill>
+                <a:latin typeface="Arial"/>
+                <a:ea typeface="DejaVu Sans"/>
+                <a:cs typeface="DejaVu Sans"/>
+              </a:rPr>
+              <a:t>    n_local_elem()=235</a:t>
+            </a:r>
+          </a:p>
+          <a:p>
+            <a:pPr defTabSz="1105875"/>
+            <a:r>
+              <a:rPr lang="en-US" sz="1572" spc="-1">
+                <a:solidFill>
+                  <a:srgbClr val="000000"/>
+                </a:solidFill>
+                <a:latin typeface="Arial"/>
+                <a:ea typeface="DejaVu Sans"/>
+                <a:cs typeface="DejaVu Sans"/>
+              </a:rPr>
+              <a:t>    n_active_elem()=942</a:t>
+            </a:r>
+          </a:p>
+        </p:txBody>
+      </p:sp>
+      <p:pic>
+        <p:nvPicPr>
+          <p:cNvPr id="102" name="Picture 101"/>
+          <p:cNvPicPr/>
+          <p:nvPr/>
+        </p:nvPicPr>
+        <p:blipFill>
+          <a:blip r:embed="rId2"/>
+          <a:stretch/>
+        </p:blipFill>
+        <p:spPr>
+          <a:xfrm>
+            <a:off x="276684" y="2212198"/>
+            <a:ext cx="8846615" cy="4423090"/>
+          </a:xfrm>
+          <a:prstGeom prst="rect">
+            <a:avLst/>
+          </a:prstGeom>
+          <a:ln w="0">
+            <a:noFill/>
+          </a:ln>
+        </p:spPr>
+      </p:pic>
+      <p:pic>
+        <p:nvPicPr>
+          <p:cNvPr id="103" name="Picture 102"/>
+          <p:cNvPicPr/>
+          <p:nvPr/>
+        </p:nvPicPr>
+        <p:blipFill>
+          <a:blip r:embed="rId3"/>
+          <a:stretch/>
+        </p:blipFill>
+        <p:spPr>
+          <a:xfrm>
+            <a:off x="9123735" y="1382352"/>
+            <a:ext cx="2811725" cy="4924219"/>
+          </a:xfrm>
+          <a:prstGeom prst="rect">
+            <a:avLst/>
+          </a:prstGeom>
+          <a:ln w="0">
+            <a:noFill/>
+          </a:ln>
+        </p:spPr>
+      </p:pic>
+    </p:spTree>
+  </p:cSld>
+  <p:clrMapOvr>
+    <a:masterClrMapping/>
+  </p:clrMapOvr>
+</p:sld>
+</file>
+
+<file path=ppt/slides/slide24.xml><?xml version="1.0" encoding="utf-8"?>
+<p:sld xmlns:a="http://schemas.openxmlformats.org/drawingml/2006/main" xmlns:r="http://schemas.openxmlformats.org/officeDocument/2006/relationships" xmlns:p="http://schemas.openxmlformats.org/presentationml/2006/main">
+  <p:cSld>
+    <p:spTree>
+      <p:nvGrpSpPr>
+        <p:cNvPr id="1" name=""/>
+        <p:cNvGrpSpPr/>
+        <p:nvPr/>
+      </p:nvGrpSpPr>
+      <p:grpSpPr>
+        <a:xfrm>
+          <a:off x="0" y="0"/>
+          <a:ext cx="0" cy="0"/>
+          <a:chOff x="0" y="0"/>
+          <a:chExt cx="0" cy="0"/>
+        </a:xfrm>
+      </p:grpSpPr>
+      <p:sp>
+        <p:nvSpPr>
+          <p:cNvPr id="104" name="TextBox 103"/>
+          <p:cNvSpPr txBox="1"/>
+          <p:nvPr/>
+        </p:nvSpPr>
+        <p:spPr>
+          <a:xfrm>
+            <a:off x="1106095" y="552941"/>
+            <a:ext cx="7741169" cy="829411"/>
+          </a:xfrm>
+          <a:prstGeom prst="rect">
+            <a:avLst/>
+          </a:prstGeom>
+          <a:noFill/>
+          <a:ln w="0">
+            <a:noFill/>
+          </a:ln>
+        </p:spPr>
+        <p:txBody>
+          <a:bodyPr lIns="108847" tIns="54423" rIns="108847" bIns="54423" anchor="t">
+            <a:noAutofit/>
+          </a:bodyPr>
+          <a:lstStyle/>
+          <a:p>
+            <a:pPr defTabSz="1105875"/>
+            <a:r>
+              <a:rPr lang="en-US" sz="2177" spc="-1">
+                <a:solidFill>
+                  <a:srgbClr val="000000"/>
+                </a:solidFill>
+                <a:latin typeface="Arial"/>
+                <a:ea typeface="DejaVu Sans"/>
+                <a:cs typeface="DejaVu Sans"/>
+              </a:rPr>
+              <a:t>MANDEL – CRANK NICHOLSON</a:t>
+            </a:r>
+          </a:p>
+        </p:txBody>
+      </p:sp>
+      <p:pic>
+        <p:nvPicPr>
+          <p:cNvPr id="105" name="Picture 104"/>
+          <p:cNvPicPr/>
+          <p:nvPr/>
+        </p:nvPicPr>
+        <p:blipFill>
+          <a:blip r:embed="rId2"/>
+          <a:stretch/>
+        </p:blipFill>
+        <p:spPr>
+          <a:xfrm>
+            <a:off x="277120" y="2211763"/>
+            <a:ext cx="8846615" cy="4423090"/>
+          </a:xfrm>
+          <a:prstGeom prst="rect">
+            <a:avLst/>
+          </a:prstGeom>
+          <a:ln w="0">
+            <a:noFill/>
+          </a:ln>
+        </p:spPr>
+      </p:pic>
+      <p:pic>
+        <p:nvPicPr>
+          <p:cNvPr id="106" name="Picture 105"/>
+          <p:cNvPicPr/>
+          <p:nvPr/>
+        </p:nvPicPr>
+        <p:blipFill>
+          <a:blip r:embed="rId3"/>
+          <a:stretch/>
+        </p:blipFill>
+        <p:spPr>
+          <a:xfrm>
+            <a:off x="9123735" y="1382352"/>
+            <a:ext cx="2811725" cy="4924219"/>
+          </a:xfrm>
+          <a:prstGeom prst="rect">
+            <a:avLst/>
+          </a:prstGeom>
+          <a:ln w="0">
+            <a:noFill/>
+          </a:ln>
+        </p:spPr>
+      </p:pic>
+    </p:spTree>
+  </p:cSld>
+  <p:clrMapOvr>
+    <a:masterClrMapping/>
+  </p:clrMapOvr>
+</p:sld>
+</file>
+
+<file path=ppt/slides/slide25.xml><?xml version="1.0" encoding="utf-8"?>
+<p:sld xmlns:a="http://schemas.openxmlformats.org/drawingml/2006/main" xmlns:r="http://schemas.openxmlformats.org/officeDocument/2006/relationships" xmlns:p="http://schemas.openxmlformats.org/presentationml/2006/main">
+  <p:cSld>
+    <p:spTree>
+      <p:nvGrpSpPr>
+        <p:cNvPr id="1" name=""/>
+        <p:cNvGrpSpPr/>
+        <p:nvPr/>
+      </p:nvGrpSpPr>
+      <p:grpSpPr>
+        <a:xfrm>
+          <a:off x="0" y="0"/>
+          <a:ext cx="0" cy="0"/>
+          <a:chOff x="0" y="0"/>
+          <a:chExt cx="0" cy="0"/>
+        </a:xfrm>
+      </p:grpSpPr>
+      <p:pic>
+        <p:nvPicPr>
+          <p:cNvPr id="107" name="Picture 106"/>
+          <p:cNvPicPr/>
+          <p:nvPr/>
+        </p:nvPicPr>
+        <p:blipFill>
+          <a:blip r:embed="rId2"/>
+          <a:stretch/>
+        </p:blipFill>
+        <p:spPr>
+          <a:xfrm>
+            <a:off x="214" y="2488233"/>
+            <a:ext cx="8570580" cy="4285072"/>
+          </a:xfrm>
+          <a:prstGeom prst="rect">
+            <a:avLst/>
+          </a:prstGeom>
+          <a:ln w="0">
+            <a:noFill/>
+          </a:ln>
+        </p:spPr>
+      </p:pic>
+      <p:sp>
+        <p:nvSpPr>
+          <p:cNvPr id="108" name="TextBox 107"/>
+          <p:cNvSpPr txBox="1"/>
+          <p:nvPr/>
+        </p:nvSpPr>
+        <p:spPr>
+          <a:xfrm>
+            <a:off x="1106095" y="552941"/>
+            <a:ext cx="7741169" cy="829411"/>
+          </a:xfrm>
+          <a:prstGeom prst="rect">
+            <a:avLst/>
+          </a:prstGeom>
+          <a:noFill/>
+          <a:ln w="0">
+            <a:noFill/>
+          </a:ln>
+        </p:spPr>
+        <p:txBody>
+          <a:bodyPr lIns="108847" tIns="54423" rIns="108847" bIns="54423" anchor="t">
+            <a:noAutofit/>
+          </a:bodyPr>
+          <a:lstStyle/>
+          <a:p>
+            <a:pPr defTabSz="1105875"/>
+            <a:r>
+              <a:rPr lang="en-US" sz="2177" spc="-1">
+                <a:solidFill>
+                  <a:srgbClr val="000000"/>
+                </a:solidFill>
+                <a:latin typeface="Arial"/>
+                <a:ea typeface="DejaVu Sans"/>
+                <a:cs typeface="DejaVu Sans"/>
+              </a:rPr>
+              <a:t>MANDEL – CRANK NICHOLSON</a:t>
+            </a:r>
+          </a:p>
+        </p:txBody>
+      </p:sp>
+      <p:pic>
+        <p:nvPicPr>
+          <p:cNvPr id="109" name="Picture 108"/>
+          <p:cNvPicPr/>
+          <p:nvPr/>
+        </p:nvPicPr>
+        <p:blipFill>
+          <a:blip r:embed="rId3"/>
+          <a:stretch/>
+        </p:blipFill>
+        <p:spPr>
+          <a:xfrm>
+            <a:off x="6780921" y="0"/>
+            <a:ext cx="5410111" cy="2599256"/>
+          </a:xfrm>
+          <a:prstGeom prst="rect">
+            <a:avLst/>
+          </a:prstGeom>
+          <a:ln w="0">
+            <a:noFill/>
+          </a:ln>
+        </p:spPr>
+      </p:pic>
+      <p:sp>
+        <p:nvSpPr>
+          <p:cNvPr id="110" name="TextBox 109"/>
+          <p:cNvSpPr txBox="1"/>
+          <p:nvPr/>
+        </p:nvSpPr>
+        <p:spPr>
+          <a:xfrm>
+            <a:off x="8621299" y="3496152"/>
+            <a:ext cx="3267139" cy="2586195"/>
+          </a:xfrm>
+          <a:prstGeom prst="rect">
+            <a:avLst/>
+          </a:prstGeom>
+          <a:noFill/>
+          <a:ln w="0">
+            <a:noFill/>
+          </a:ln>
+        </p:spPr>
+        <p:txBody>
+          <a:bodyPr lIns="108847" tIns="54423" rIns="108847" bIns="54423" anchor="t">
+            <a:noAutofit/>
+          </a:bodyPr>
+          <a:lstStyle/>
+          <a:p>
+            <a:pPr defTabSz="1105875"/>
+            <a:r>
+              <a:rPr lang="en-US" sz="1572" spc="-1">
+                <a:solidFill>
+                  <a:srgbClr val="000000"/>
+                </a:solidFill>
+                <a:latin typeface="Arial"/>
+                <a:ea typeface="DejaVu Sans"/>
+                <a:cs typeface="DejaVu Sans"/>
+              </a:rPr>
+              <a:t> Mesh Information:</a:t>
+            </a:r>
+          </a:p>
+          <a:p>
+            <a:pPr defTabSz="1105875"/>
+            <a:r>
+              <a:rPr lang="en-US" sz="1572" spc="-1">
+                <a:solidFill>
+                  <a:srgbClr val="000000"/>
+                </a:solidFill>
+                <a:latin typeface="Arial"/>
+                <a:ea typeface="DejaVu Sans"/>
+                <a:cs typeface="DejaVu Sans"/>
+              </a:rPr>
+              <a:t>  elem_dimensions()={3}</a:t>
+            </a:r>
+          </a:p>
+          <a:p>
+            <a:pPr defTabSz="1105875"/>
+            <a:r>
+              <a:rPr lang="en-US" sz="1572" spc="-1">
+                <a:solidFill>
+                  <a:srgbClr val="000000"/>
+                </a:solidFill>
+                <a:latin typeface="Arial"/>
+                <a:ea typeface="DejaVu Sans"/>
+                <a:cs typeface="DejaVu Sans"/>
+              </a:rPr>
+              <a:t>  spatial_dimension()=3</a:t>
+            </a:r>
+          </a:p>
+          <a:p>
+            <a:pPr defTabSz="1105875"/>
+            <a:r>
+              <a:rPr lang="en-US" sz="1572" spc="-1">
+                <a:solidFill>
+                  <a:srgbClr val="000000"/>
+                </a:solidFill>
+                <a:latin typeface="Arial"/>
+                <a:ea typeface="DejaVu Sans"/>
+                <a:cs typeface="DejaVu Sans"/>
+              </a:rPr>
+              <a:t>  n_nodes()=3188</a:t>
+            </a:r>
+          </a:p>
+          <a:p>
+            <a:pPr defTabSz="1105875"/>
+            <a:r>
+              <a:rPr lang="en-US" sz="1572" spc="-1">
+                <a:solidFill>
+                  <a:srgbClr val="000000"/>
+                </a:solidFill>
+                <a:latin typeface="Arial"/>
+                <a:ea typeface="DejaVu Sans"/>
+                <a:cs typeface="DejaVu Sans"/>
+              </a:rPr>
+              <a:t>    n_local_nodes()=858</a:t>
+            </a:r>
+          </a:p>
+          <a:p>
+            <a:pPr defTabSz="1105875"/>
+            <a:r>
+              <a:rPr lang="en-US" sz="1572" spc="-1">
+                <a:solidFill>
+                  <a:srgbClr val="000000"/>
+                </a:solidFill>
+                <a:latin typeface="Arial"/>
+                <a:ea typeface="DejaVu Sans"/>
+                <a:cs typeface="DejaVu Sans"/>
+              </a:rPr>
+              <a:t>  n_elem()=1756</a:t>
+            </a:r>
+          </a:p>
+          <a:p>
+            <a:pPr defTabSz="1105875"/>
+            <a:r>
+              <a:rPr lang="en-US" sz="1572" spc="-1">
+                <a:solidFill>
+                  <a:srgbClr val="000000"/>
+                </a:solidFill>
+                <a:latin typeface="Arial"/>
+                <a:ea typeface="DejaVu Sans"/>
+                <a:cs typeface="DejaVu Sans"/>
+              </a:rPr>
+              <a:t>    n_local_elem()=439</a:t>
+            </a:r>
+          </a:p>
+          <a:p>
+            <a:pPr defTabSz="1105875"/>
+            <a:r>
+              <a:rPr lang="en-US" sz="1572" spc="-1">
+                <a:solidFill>
+                  <a:srgbClr val="000000"/>
+                </a:solidFill>
+                <a:latin typeface="Arial"/>
+                <a:ea typeface="DejaVu Sans"/>
+                <a:cs typeface="DejaVu Sans"/>
+              </a:rPr>
+              <a:t>    n_active_elem()=1756</a:t>
+            </a:r>
+          </a:p>
+        </p:txBody>
+      </p:sp>
+    </p:spTree>
+  </p:cSld>
+  <p:clrMapOvr>
+    <a:masterClrMapping/>
+  </p:clrMapOvr>
+</p:sld>
+</file>
+
+<file path=ppt/slides/slide26.xml><?xml version="1.0" encoding="utf-8"?>
+<p:sld xmlns:a="http://schemas.openxmlformats.org/drawingml/2006/main" xmlns:r="http://schemas.openxmlformats.org/officeDocument/2006/relationships" xmlns:p="http://schemas.openxmlformats.org/presentationml/2006/main">
+  <p:cSld>
+    <p:spTree>
+      <p:nvGrpSpPr>
+        <p:cNvPr id="1" name=""/>
+        <p:cNvGrpSpPr/>
+        <p:nvPr/>
+      </p:nvGrpSpPr>
+      <p:grpSpPr>
+        <a:xfrm>
+          <a:off x="0" y="0"/>
+          <a:ext cx="0" cy="0"/>
+          <a:chOff x="0" y="0"/>
+          <a:chExt cx="0" cy="0"/>
+        </a:xfrm>
+      </p:grpSpPr>
+      <p:pic>
+        <p:nvPicPr>
+          <p:cNvPr id="111" name="Picture 110"/>
+          <p:cNvPicPr/>
+          <p:nvPr/>
+        </p:nvPicPr>
+        <p:blipFill>
+          <a:blip r:embed="rId2"/>
+          <a:stretch/>
+        </p:blipFill>
+        <p:spPr>
+          <a:xfrm>
+            <a:off x="6359031" y="3567556"/>
+            <a:ext cx="5948248" cy="3344202"/>
+          </a:xfrm>
+          <a:prstGeom prst="rect">
+            <a:avLst/>
+          </a:prstGeom>
+          <a:ln w="0">
+            <a:noFill/>
+          </a:ln>
+        </p:spPr>
+      </p:pic>
+      <p:sp>
+        <p:nvSpPr>
+          <p:cNvPr id="112" name="TextBox 111"/>
+          <p:cNvSpPr txBox="1"/>
+          <p:nvPr/>
+        </p:nvSpPr>
+        <p:spPr>
+          <a:xfrm>
+            <a:off x="1106095" y="552941"/>
+            <a:ext cx="7741169" cy="829411"/>
+          </a:xfrm>
+          <a:prstGeom prst="rect">
+            <a:avLst/>
+          </a:prstGeom>
+          <a:noFill/>
+          <a:ln w="0">
+            <a:noFill/>
+          </a:ln>
+        </p:spPr>
+        <p:txBody>
+          <a:bodyPr lIns="108847" tIns="54423" rIns="108847" bIns="54423" anchor="t">
+            <a:noAutofit/>
+          </a:bodyPr>
+          <a:lstStyle/>
+          <a:p>
+            <a:pPr defTabSz="1105875"/>
+            <a:r>
+              <a:rPr lang="en-US" sz="2177" spc="-1">
+                <a:solidFill>
+                  <a:srgbClr val="000000"/>
+                </a:solidFill>
+                <a:latin typeface="Arial"/>
+                <a:ea typeface="DejaVu Sans"/>
+                <a:cs typeface="DejaVu Sans"/>
+              </a:rPr>
+              <a:t>MASS BALANCE</a:t>
+            </a:r>
+          </a:p>
+          <a:p>
+            <a:pPr defTabSz="1105875"/>
+            <a:r>
+              <a:rPr lang="en-US" sz="2177" spc="-1">
+                <a:solidFill>
+                  <a:srgbClr val="000000"/>
+                </a:solidFill>
+                <a:latin typeface="Arial"/>
+                <a:ea typeface="DejaVu Sans"/>
+                <a:cs typeface="DejaVu Sans"/>
+              </a:rPr>
+              <a:t>197s</a:t>
+            </a:r>
+          </a:p>
+        </p:txBody>
+      </p:sp>
+      <p:sp>
+        <p:nvSpPr>
+          <p:cNvPr id="113" name="TextBox 112"/>
+          <p:cNvSpPr txBox="1"/>
+          <p:nvPr/>
+        </p:nvSpPr>
+        <p:spPr>
+          <a:xfrm>
+            <a:off x="8570794" y="178508"/>
+            <a:ext cx="3399932" cy="2586195"/>
+          </a:xfrm>
+          <a:prstGeom prst="rect">
+            <a:avLst/>
+          </a:prstGeom>
+          <a:noFill/>
+          <a:ln w="0">
+            <a:noFill/>
+          </a:ln>
+        </p:spPr>
+        <p:txBody>
+          <a:bodyPr lIns="108847" tIns="54423" rIns="108847" bIns="54423" anchor="t">
+            <a:noAutofit/>
+          </a:bodyPr>
+          <a:lstStyle/>
+          <a:p>
+            <a:pPr defTabSz="1105875"/>
+            <a:r>
+              <a:rPr lang="en-US" sz="1270" spc="-1">
+                <a:solidFill>
+                  <a:srgbClr val="000000"/>
+                </a:solidFill>
+                <a:latin typeface="Arial"/>
+                <a:ea typeface="DejaVu Sans"/>
+                <a:cs typeface="DejaVu Sans"/>
+              </a:rPr>
+              <a:t> Mesh Information:</a:t>
+            </a:r>
+          </a:p>
+          <a:p>
+            <a:pPr defTabSz="1105875"/>
+            <a:r>
+              <a:rPr lang="en-US" sz="1270" spc="-1">
+                <a:solidFill>
+                  <a:srgbClr val="000000"/>
+                </a:solidFill>
+                <a:latin typeface="Arial"/>
+                <a:ea typeface="DejaVu Sans"/>
+                <a:cs typeface="DejaVu Sans"/>
+              </a:rPr>
+              <a:t>  elem_dimensions()={3}</a:t>
+            </a:r>
+          </a:p>
+          <a:p>
+            <a:pPr defTabSz="1105875"/>
+            <a:r>
+              <a:rPr lang="en-US" sz="1270" spc="-1">
+                <a:solidFill>
+                  <a:srgbClr val="000000"/>
+                </a:solidFill>
+                <a:latin typeface="Arial"/>
+                <a:ea typeface="DejaVu Sans"/>
+                <a:cs typeface="DejaVu Sans"/>
+              </a:rPr>
+              <a:t>  spatial_dimension()=3</a:t>
+            </a:r>
+          </a:p>
+          <a:p>
+            <a:pPr defTabSz="1105875"/>
+            <a:r>
+              <a:rPr lang="en-US" sz="1270" spc="-1">
+                <a:solidFill>
+                  <a:srgbClr val="000000"/>
+                </a:solidFill>
+                <a:latin typeface="Arial"/>
+                <a:ea typeface="DejaVu Sans"/>
+                <a:cs typeface="DejaVu Sans"/>
+              </a:rPr>
+              <a:t>  n_nodes()=18045</a:t>
+            </a:r>
+          </a:p>
+          <a:p>
+            <a:pPr defTabSz="1105875"/>
+            <a:r>
+              <a:rPr lang="en-US" sz="1270" spc="-1">
+                <a:solidFill>
+                  <a:srgbClr val="000000"/>
+                </a:solidFill>
+                <a:latin typeface="Arial"/>
+                <a:ea typeface="DejaVu Sans"/>
+                <a:cs typeface="DejaVu Sans"/>
+              </a:rPr>
+              <a:t>    n_local_nodes()=4867</a:t>
+            </a:r>
+          </a:p>
+          <a:p>
+            <a:pPr defTabSz="1105875"/>
+            <a:r>
+              <a:rPr lang="en-US" sz="1270" spc="-1">
+                <a:solidFill>
+                  <a:srgbClr val="000000"/>
+                </a:solidFill>
+                <a:latin typeface="Arial"/>
+                <a:ea typeface="DejaVu Sans"/>
+                <a:cs typeface="DejaVu Sans"/>
+              </a:rPr>
+              <a:t>  n_elem()=12115</a:t>
+            </a:r>
+          </a:p>
+          <a:p>
+            <a:pPr defTabSz="1105875"/>
+            <a:r>
+              <a:rPr lang="en-US" sz="1270" spc="-1">
+                <a:solidFill>
+                  <a:srgbClr val="000000"/>
+                </a:solidFill>
+                <a:latin typeface="Arial"/>
+                <a:ea typeface="DejaVu Sans"/>
+                <a:cs typeface="DejaVu Sans"/>
+              </a:rPr>
+              <a:t>    n_local_elem()=3028</a:t>
+            </a:r>
+          </a:p>
+          <a:p>
+            <a:pPr defTabSz="1105875"/>
+            <a:r>
+              <a:rPr lang="en-US" sz="1270" spc="-1">
+                <a:solidFill>
+                  <a:srgbClr val="000000"/>
+                </a:solidFill>
+                <a:latin typeface="Arial"/>
+                <a:ea typeface="DejaVu Sans"/>
+                <a:cs typeface="DejaVu Sans"/>
+              </a:rPr>
+              <a:t>    n_active_elem()=12115</a:t>
+            </a:r>
+          </a:p>
+        </p:txBody>
+      </p:sp>
+      <p:graphicFrame>
+        <p:nvGraphicFramePr>
+          <p:cNvPr id="114" name="Chart 113"/>
+          <p:cNvGraphicFramePr/>
+          <p:nvPr/>
+        </p:nvGraphicFramePr>
+        <p:xfrm>
+          <a:off x="214" y="1382352"/>
+          <a:ext cx="6358817" cy="3579311"/>
+        </p:xfrm>
+        <a:graphic>
+          <a:graphicData uri="http://schemas.openxmlformats.org/drawingml/2006/chart">
+            <c:chart xmlns:c="http://schemas.openxmlformats.org/drawingml/2006/chart" xmlns:r="http://schemas.openxmlformats.org/officeDocument/2006/relationships" r:id="rId3"/>
+          </a:graphicData>
+        </a:graphic>
+      </p:graphicFrame>
+    </p:spTree>
   </p:cSld>
   <p:clrMapOvr>
     <a:masterClrMapping/>
@@ -25813,6 +32264,114 @@
 </file>
 
 <file path=ppt/theme/theme2.xml><?xml version="1.0" encoding="utf-8"?>
+<a:theme xmlns:a="http://schemas.openxmlformats.org/drawingml/2006/main" name="Office">
+  <a:themeElements>
+    <a:clrScheme name="LibreOffice">
+      <a:dk1>
+        <a:srgbClr val="000000"/>
+      </a:dk1>
+      <a:lt1>
+        <a:srgbClr val="FFFFFF"/>
+      </a:lt1>
+      <a:dk2>
+        <a:srgbClr val="000000"/>
+      </a:dk2>
+      <a:lt2>
+        <a:srgbClr val="FFFFFF"/>
+      </a:lt2>
+      <a:accent1>
+        <a:srgbClr val="18A303"/>
+      </a:accent1>
+      <a:accent2>
+        <a:srgbClr val="0369A3"/>
+      </a:accent2>
+      <a:accent3>
+        <a:srgbClr val="A33E03"/>
+      </a:accent3>
+      <a:accent4>
+        <a:srgbClr val="8E03A3"/>
+      </a:accent4>
+      <a:accent5>
+        <a:srgbClr val="C99C00"/>
+      </a:accent5>
+      <a:accent6>
+        <a:srgbClr val="C9211E"/>
+      </a:accent6>
+      <a:hlink>
+        <a:srgbClr val="0000EE"/>
+      </a:hlink>
+      <a:folHlink>
+        <a:srgbClr val="551A8B"/>
+      </a:folHlink>
+    </a:clrScheme>
+    <a:fontScheme name="Office">
+      <a:majorFont>
+        <a:latin typeface="Arial"/>
+        <a:ea typeface="DejaVu Sans"/>
+        <a:cs typeface="DejaVu Sans"/>
+      </a:majorFont>
+      <a:minorFont>
+        <a:latin typeface="Arial"/>
+        <a:ea typeface="DejaVu Sans"/>
+        <a:cs typeface="DejaVu Sans"/>
+      </a:minorFont>
+    </a:fontScheme>
+    <a:fmtScheme>
+      <a:fillStyleLst>
+        <a:solidFill>
+          <a:schemeClr val="phClr"/>
+        </a:solidFill>
+        <a:solidFill>
+          <a:schemeClr val="phClr"/>
+        </a:solidFill>
+        <a:solidFill>
+          <a:schemeClr val="phClr"/>
+        </a:solidFill>
+      </a:fillStyleLst>
+      <a:lnStyleLst>
+        <a:ln w="6350" cap="flat" cmpd="sng" algn="ctr">
+          <a:prstDash val="solid"/>
+          <a:miter/>
+        </a:ln>
+        <a:ln w="6350" cap="flat" cmpd="sng" algn="ctr">
+          <a:prstDash val="solid"/>
+          <a:miter/>
+        </a:ln>
+        <a:ln w="6350" cap="flat" cmpd="sng" algn="ctr">
+          <a:prstDash val="solid"/>
+          <a:miter/>
+        </a:ln>
+      </a:lnStyleLst>
+      <a:effectStyleLst>
+        <a:effectStyle>
+          <a:effectLst/>
+        </a:effectStyle>
+        <a:effectStyle>
+          <a:effectLst/>
+        </a:effectStyle>
+        <a:effectStyle>
+          <a:effectLst/>
+        </a:effectStyle>
+      </a:effectStyleLst>
+      <a:bgFillStyleLst>
+        <a:solidFill>
+          <a:schemeClr val="phClr"/>
+        </a:solidFill>
+        <a:solidFill>
+          <a:schemeClr val="phClr"/>
+        </a:solidFill>
+        <a:solidFill>
+          <a:schemeClr val="phClr"/>
+        </a:solidFill>
+      </a:bgFillStyleLst>
+    </a:fmtScheme>
+  </a:themeElements>
+  <a:objectDefaults/>
+  <a:extraClrSchemeLst/>
+</a:theme>
+</file>
+
+<file path=ppt/theme/theme3.xml><?xml version="1.0" encoding="utf-8"?>
 <a:theme xmlns:a="http://schemas.openxmlformats.org/drawingml/2006/main" name="Office Theme">
   <a:themeElements>
     <a:clrScheme name="Office">
